--- a/Project 4 Presentation.pptx
+++ b/Project 4 Presentation.pptx
@@ -1,65 +1,37 @@
 
 <file path=ppt/presentation.xml><?xml version="1.0" encoding="utf-8"?>
-<p:presentation xmlns:a="http://schemas.openxmlformats.org/drawingml/2006/main" xmlns:r="http://schemas.openxmlformats.org/officeDocument/2006/relationships" xmlns:p="http://schemas.openxmlformats.org/presentationml/2006/main" saveSubsetFonts="1" embedTrueTypeFonts="true">
+<p:presentation xmlns:a="http://schemas.openxmlformats.org/drawingml/2006/main" xmlns:r="http://schemas.openxmlformats.org/officeDocument/2006/relationships" xmlns:p="http://schemas.openxmlformats.org/presentationml/2006/main" embedTrueTypeFonts="1" saveSubsetFonts="1">
   <p:sldMasterIdLst>
     <p:sldMasterId id="2147483648" r:id="rId1"/>
   </p:sldMasterIdLst>
   <p:sldIdLst>
-    <p:sldId id="256" r:id="rId16"/>
-    <p:sldId id="257" r:id="rId17"/>
-    <p:sldId id="258" r:id="rId18"/>
-    <p:sldId id="259" r:id="rId19"/>
-    <p:sldId id="260" r:id="rId20"/>
-    <p:sldId id="261" r:id="rId21"/>
-    <p:sldId id="262" r:id="rId22"/>
-    <p:sldId id="263" r:id="rId23"/>
-    <p:sldId id="264" r:id="rId24"/>
-    <p:sldId id="265" r:id="rId25"/>
-    <p:sldId id="266" r:id="rId26"/>
-    <p:sldId id="267" r:id="rId27"/>
+    <p:sldId id="256" r:id="rId2"/>
+    <p:sldId id="257" r:id="rId3"/>
+    <p:sldId id="258" r:id="rId4"/>
+    <p:sldId id="259" r:id="rId5"/>
+    <p:sldId id="260" r:id="rId6"/>
+    <p:sldId id="261" r:id="rId7"/>
+    <p:sldId id="262" r:id="rId8"/>
+    <p:sldId id="263" r:id="rId9"/>
+    <p:sldId id="264" r:id="rId10"/>
+    <p:sldId id="265" r:id="rId11"/>
+    <p:sldId id="266" r:id="rId12"/>
+    <p:sldId id="267" r:id="rId13"/>
   </p:sldIdLst>
   <p:sldSz cx="18288000" cy="10287000"/>
   <p:notesSz cx="6858000" cy="9144000"/>
   <p:embeddedFontLst>
     <p:embeddedFont>
-      <p:font typeface="Montserrat Classic" charset="1" panose="00000500000000000000"/>
-      <p:regular r:id="rId6"/>
-    </p:embeddedFont>
-    <p:embeddedFont>
-      <p:font typeface="Montserrat Classic Bold" charset="1" panose="00000800000000000000"/>
-      <p:regular r:id="rId7"/>
-    </p:embeddedFont>
-    <p:embeddedFont>
-      <p:font typeface="Arimo" charset="1" panose="020B0604020202020204"/>
-      <p:regular r:id="rId8"/>
-    </p:embeddedFont>
-    <p:embeddedFont>
-      <p:font typeface="Arimo Bold" charset="1" panose="020B0704020202020204"/>
-      <p:regular r:id="rId9"/>
-    </p:embeddedFont>
-    <p:embeddedFont>
-      <p:font typeface="Arimo Italics" charset="1" panose="020B0604020202090204"/>
-      <p:regular r:id="rId10"/>
-    </p:embeddedFont>
-    <p:embeddedFont>
-      <p:font typeface="Arimo Bold Italics" charset="1" panose="020B0704020202090204"/>
-      <p:regular r:id="rId11"/>
-    </p:embeddedFont>
-    <p:embeddedFont>
-      <p:font typeface="Lato" charset="1" panose="020F0502020204030203"/>
-      <p:regular r:id="rId12"/>
-    </p:embeddedFont>
-    <p:embeddedFont>
-      <p:font typeface="Lato Bold" charset="1" panose="020F0502020204030203"/>
-      <p:regular r:id="rId13"/>
-    </p:embeddedFont>
-    <p:embeddedFont>
-      <p:font typeface="Lato Italics" charset="1" panose="020F0502020204030203"/>
+      <p:font typeface="Lato" panose="020F0502020204030203" pitchFamily="34" charset="0"/>
       <p:regular r:id="rId14"/>
     </p:embeddedFont>
     <p:embeddedFont>
-      <p:font typeface="Lato Bold Italics" charset="1" panose="020F0502020204030203"/>
+      <p:font typeface="Lato Bold" panose="020F0502020204030203" charset="0"/>
       <p:regular r:id="rId15"/>
+    </p:embeddedFont>
+    <p:embeddedFont>
+      <p:font typeface="Montserrat Classic Bold" panose="020B0604020202020204" charset="0"/>
+      <p:regular r:id="rId16"/>
     </p:embeddedFont>
   </p:embeddedFontLst>
   <p:defaultTextStyle>
@@ -157,6 +129,22 @@
       </a:defRPr>
     </a:lvl9pPr>
   </p:defaultTextStyle>
+  <p:extLst>
+    <p:ext uri="{EFAFB233-063F-42B5-8137-9DF3F51BA10A}">
+      <p15:sldGuideLst xmlns:p15="http://schemas.microsoft.com/office/powerpoint/2012/main">
+        <p15:guide id="1" orient="horz" pos="2160">
+          <p15:clr>
+            <a:srgbClr val="A4A3A4"/>
+          </p15:clr>
+        </p15:guide>
+        <p15:guide id="2" pos="2880">
+          <p15:clr>
+            <a:srgbClr val="A4A3A4"/>
+          </p15:clr>
+        </p15:guide>
+      </p15:sldGuideLst>
+    </p:ext>
+  </p:extLst>
 </p:presentation>
 </file>
 
@@ -198,10 +186,9 @@
           <a:lstStyle/>
           <a:p>
             <a:r>
-              <a:rPr lang="en-US" smtClean="0"/>
+              <a:rPr lang="en-US"/>
               <a:t>Click to edit Master title style</a:t>
             </a:r>
-            <a:endParaRPr lang="en-US"/>
           </a:p>
         </p:txBody>
       </p:sp>
@@ -317,10 +304,9 @@
           </a:lstStyle>
           <a:p>
             <a:r>
-              <a:rPr lang="en-US" smtClean="0"/>
+              <a:rPr lang="en-US"/>
               <a:t>Click to edit Master subtitle style</a:t>
             </a:r>
-            <a:endParaRPr lang="en-US"/>
           </a:p>
         </p:txBody>
       </p:sp>
@@ -342,7 +328,7 @@
             <a:fld id="{1D8BD707-D9CF-40AE-B4C6-C98DA3205C09}" type="datetimeFigureOut">
               <a:rPr lang="en-US" smtClean="0"/>
               <a:pPr/>
-              <a:t>8/1/2011</a:t>
+              <a:t>4/3/2024</a:t>
             </a:fld>
             <a:endParaRPr lang="en-US"/>
           </a:p>
@@ -432,10 +418,9 @@
           <a:lstStyle/>
           <a:p>
             <a:r>
-              <a:rPr lang="en-US" smtClean="0"/>
+              <a:rPr lang="en-US"/>
               <a:t>Click to edit Master title style</a:t>
             </a:r>
-            <a:endParaRPr lang="en-US"/>
           </a:p>
         </p:txBody>
       </p:sp>
@@ -456,38 +441,37 @@
           <a:p>
             <a:pPr lvl="0"/>
             <a:r>
-              <a:rPr lang="en-US" smtClean="0"/>
+              <a:rPr lang="en-US"/>
               <a:t>Click to edit Master text styles</a:t>
             </a:r>
           </a:p>
           <a:p>
             <a:pPr lvl="1"/>
             <a:r>
-              <a:rPr lang="en-US" smtClean="0"/>
+              <a:rPr lang="en-US"/>
               <a:t>Second level</a:t>
             </a:r>
           </a:p>
           <a:p>
             <a:pPr lvl="2"/>
             <a:r>
-              <a:rPr lang="en-US" smtClean="0"/>
+              <a:rPr lang="en-US"/>
               <a:t>Third level</a:t>
             </a:r>
           </a:p>
           <a:p>
             <a:pPr lvl="3"/>
             <a:r>
-              <a:rPr lang="en-US" smtClean="0"/>
+              <a:rPr lang="en-US"/>
               <a:t>Fourth level</a:t>
             </a:r>
           </a:p>
           <a:p>
             <a:pPr lvl="4"/>
             <a:r>
-              <a:rPr lang="en-US" smtClean="0"/>
+              <a:rPr lang="en-US"/>
               <a:t>Fifth level</a:t>
             </a:r>
-            <a:endParaRPr lang="en-US"/>
           </a:p>
         </p:txBody>
       </p:sp>
@@ -509,7 +493,7 @@
             <a:fld id="{1D8BD707-D9CF-40AE-B4C6-C98DA3205C09}" type="datetimeFigureOut">
               <a:rPr lang="en-US" smtClean="0"/>
               <a:pPr/>
-              <a:t>8/1/2011</a:t>
+              <a:t>4/3/2024</a:t>
             </a:fld>
             <a:endParaRPr lang="en-US"/>
           </a:p>
@@ -604,10 +588,9 @@
           <a:lstStyle/>
           <a:p>
             <a:r>
-              <a:rPr lang="en-US" smtClean="0"/>
+              <a:rPr lang="en-US"/>
               <a:t>Click to edit Master title style</a:t>
             </a:r>
-            <a:endParaRPr lang="en-US"/>
           </a:p>
         </p:txBody>
       </p:sp>
@@ -633,38 +616,37 @@
           <a:p>
             <a:pPr lvl="0"/>
             <a:r>
-              <a:rPr lang="en-US" smtClean="0"/>
+              <a:rPr lang="en-US"/>
               <a:t>Click to edit Master text styles</a:t>
             </a:r>
           </a:p>
           <a:p>
             <a:pPr lvl="1"/>
             <a:r>
-              <a:rPr lang="en-US" smtClean="0"/>
+              <a:rPr lang="en-US"/>
               <a:t>Second level</a:t>
             </a:r>
           </a:p>
           <a:p>
             <a:pPr lvl="2"/>
             <a:r>
-              <a:rPr lang="en-US" smtClean="0"/>
+              <a:rPr lang="en-US"/>
               <a:t>Third level</a:t>
             </a:r>
           </a:p>
           <a:p>
             <a:pPr lvl="3"/>
             <a:r>
-              <a:rPr lang="en-US" smtClean="0"/>
+              <a:rPr lang="en-US"/>
               <a:t>Fourth level</a:t>
             </a:r>
           </a:p>
           <a:p>
             <a:pPr lvl="4"/>
             <a:r>
-              <a:rPr lang="en-US" smtClean="0"/>
+              <a:rPr lang="en-US"/>
               <a:t>Fifth level</a:t>
             </a:r>
-            <a:endParaRPr lang="en-US"/>
           </a:p>
         </p:txBody>
       </p:sp>
@@ -686,7 +668,7 @@
             <a:fld id="{1D8BD707-D9CF-40AE-B4C6-C98DA3205C09}" type="datetimeFigureOut">
               <a:rPr lang="en-US" smtClean="0"/>
               <a:pPr/>
-              <a:t>8/1/2011</a:t>
+              <a:t>4/3/2024</a:t>
             </a:fld>
             <a:endParaRPr lang="en-US"/>
           </a:p>
@@ -776,10 +758,9 @@
           <a:lstStyle/>
           <a:p>
             <a:r>
-              <a:rPr lang="en-US" smtClean="0"/>
+              <a:rPr lang="en-US"/>
               <a:t>Click to edit Master title style</a:t>
             </a:r>
-            <a:endParaRPr lang="en-US"/>
           </a:p>
         </p:txBody>
       </p:sp>
@@ -800,38 +781,37 @@
           <a:p>
             <a:pPr lvl="0"/>
             <a:r>
-              <a:rPr lang="en-US" smtClean="0"/>
+              <a:rPr lang="en-US"/>
               <a:t>Click to edit Master text styles</a:t>
             </a:r>
           </a:p>
           <a:p>
             <a:pPr lvl="1"/>
             <a:r>
-              <a:rPr lang="en-US" smtClean="0"/>
+              <a:rPr lang="en-US"/>
               <a:t>Second level</a:t>
             </a:r>
           </a:p>
           <a:p>
             <a:pPr lvl="2"/>
             <a:r>
-              <a:rPr lang="en-US" smtClean="0"/>
+              <a:rPr lang="en-US"/>
               <a:t>Third level</a:t>
             </a:r>
           </a:p>
           <a:p>
             <a:pPr lvl="3"/>
             <a:r>
-              <a:rPr lang="en-US" smtClean="0"/>
+              <a:rPr lang="en-US"/>
               <a:t>Fourth level</a:t>
             </a:r>
           </a:p>
           <a:p>
             <a:pPr lvl="4"/>
             <a:r>
-              <a:rPr lang="en-US" smtClean="0"/>
+              <a:rPr lang="en-US"/>
               <a:t>Fifth level</a:t>
             </a:r>
-            <a:endParaRPr lang="en-US"/>
           </a:p>
         </p:txBody>
       </p:sp>
@@ -853,7 +833,7 @@
             <a:fld id="{1D8BD707-D9CF-40AE-B4C6-C98DA3205C09}" type="datetimeFigureOut">
               <a:rPr lang="en-US" smtClean="0"/>
               <a:pPr/>
-              <a:t>8/1/2011</a:t>
+              <a:t>4/3/2024</a:t>
             </a:fld>
             <a:endParaRPr lang="en-US"/>
           </a:p>
@@ -952,10 +932,9 @@
           </a:lstStyle>
           <a:p>
             <a:r>
-              <a:rPr lang="en-US" smtClean="0"/>
+              <a:rPr lang="en-US"/>
               <a:t>Click to edit Master title style</a:t>
             </a:r>
-            <a:endParaRPr lang="en-US"/>
           </a:p>
         </p:txBody>
       </p:sp>
@@ -1072,7 +1051,7 @@
           <a:p>
             <a:pPr lvl="0"/>
             <a:r>
-              <a:rPr lang="en-US" smtClean="0"/>
+              <a:rPr lang="en-US"/>
               <a:t>Click to edit Master text styles</a:t>
             </a:r>
           </a:p>
@@ -1096,7 +1075,7 @@
             <a:fld id="{1D8BD707-D9CF-40AE-B4C6-C98DA3205C09}" type="datetimeFigureOut">
               <a:rPr lang="en-US" smtClean="0"/>
               <a:pPr/>
-              <a:t>8/1/2011</a:t>
+              <a:t>4/3/2024</a:t>
             </a:fld>
             <a:endParaRPr lang="en-US"/>
           </a:p>
@@ -1186,10 +1165,9 @@
           <a:lstStyle/>
           <a:p>
             <a:r>
-              <a:rPr lang="en-US" smtClean="0"/>
+              <a:rPr lang="en-US"/>
               <a:t>Click to edit Master title style</a:t>
             </a:r>
-            <a:endParaRPr lang="en-US"/>
           </a:p>
         </p:txBody>
       </p:sp>
@@ -1243,38 +1221,37 @@
           <a:p>
             <a:pPr lvl="0"/>
             <a:r>
-              <a:rPr lang="en-US" smtClean="0"/>
+              <a:rPr lang="en-US"/>
               <a:t>Click to edit Master text styles</a:t>
             </a:r>
           </a:p>
           <a:p>
             <a:pPr lvl="1"/>
             <a:r>
-              <a:rPr lang="en-US" smtClean="0"/>
+              <a:rPr lang="en-US"/>
               <a:t>Second level</a:t>
             </a:r>
           </a:p>
           <a:p>
             <a:pPr lvl="2"/>
             <a:r>
-              <a:rPr lang="en-US" smtClean="0"/>
+              <a:rPr lang="en-US"/>
               <a:t>Third level</a:t>
             </a:r>
           </a:p>
           <a:p>
             <a:pPr lvl="3"/>
             <a:r>
-              <a:rPr lang="en-US" smtClean="0"/>
+              <a:rPr lang="en-US"/>
               <a:t>Fourth level</a:t>
             </a:r>
           </a:p>
           <a:p>
             <a:pPr lvl="4"/>
             <a:r>
-              <a:rPr lang="en-US" smtClean="0"/>
+              <a:rPr lang="en-US"/>
               <a:t>Fifth level</a:t>
             </a:r>
-            <a:endParaRPr lang="en-US"/>
           </a:p>
         </p:txBody>
       </p:sp>
@@ -1328,38 +1305,37 @@
           <a:p>
             <a:pPr lvl="0"/>
             <a:r>
-              <a:rPr lang="en-US" smtClean="0"/>
+              <a:rPr lang="en-US"/>
               <a:t>Click to edit Master text styles</a:t>
             </a:r>
           </a:p>
           <a:p>
             <a:pPr lvl="1"/>
             <a:r>
-              <a:rPr lang="en-US" smtClean="0"/>
+              <a:rPr lang="en-US"/>
               <a:t>Second level</a:t>
             </a:r>
           </a:p>
           <a:p>
             <a:pPr lvl="2"/>
             <a:r>
-              <a:rPr lang="en-US" smtClean="0"/>
+              <a:rPr lang="en-US"/>
               <a:t>Third level</a:t>
             </a:r>
           </a:p>
           <a:p>
             <a:pPr lvl="3"/>
             <a:r>
-              <a:rPr lang="en-US" smtClean="0"/>
+              <a:rPr lang="en-US"/>
               <a:t>Fourth level</a:t>
             </a:r>
           </a:p>
           <a:p>
             <a:pPr lvl="4"/>
             <a:r>
-              <a:rPr lang="en-US" smtClean="0"/>
+              <a:rPr lang="en-US"/>
               <a:t>Fifth level</a:t>
             </a:r>
-            <a:endParaRPr lang="en-US"/>
           </a:p>
         </p:txBody>
       </p:sp>
@@ -1381,7 +1357,7 @@
             <a:fld id="{1D8BD707-D9CF-40AE-B4C6-C98DA3205C09}" type="datetimeFigureOut">
               <a:rPr lang="en-US" smtClean="0"/>
               <a:pPr/>
-              <a:t>8/1/2011</a:t>
+              <a:t>4/3/2024</a:t>
             </a:fld>
             <a:endParaRPr lang="en-US"/>
           </a:p>
@@ -1475,10 +1451,9 @@
           </a:lstStyle>
           <a:p>
             <a:r>
-              <a:rPr lang="en-US" smtClean="0"/>
+              <a:rPr lang="en-US"/>
               <a:t>Click to edit Master title style</a:t>
             </a:r>
-            <a:endParaRPr lang="en-US"/>
           </a:p>
         </p:txBody>
       </p:sp>
@@ -1541,7 +1516,7 @@
           <a:p>
             <a:pPr lvl="0"/>
             <a:r>
-              <a:rPr lang="en-US" smtClean="0"/>
+              <a:rPr lang="en-US"/>
               <a:t>Click to edit Master text styles</a:t>
             </a:r>
           </a:p>
@@ -1597,38 +1572,37 @@
           <a:p>
             <a:pPr lvl="0"/>
             <a:r>
-              <a:rPr lang="en-US" smtClean="0"/>
+              <a:rPr lang="en-US"/>
               <a:t>Click to edit Master text styles</a:t>
             </a:r>
           </a:p>
           <a:p>
             <a:pPr lvl="1"/>
             <a:r>
-              <a:rPr lang="en-US" smtClean="0"/>
+              <a:rPr lang="en-US"/>
               <a:t>Second level</a:t>
             </a:r>
           </a:p>
           <a:p>
             <a:pPr lvl="2"/>
             <a:r>
-              <a:rPr lang="en-US" smtClean="0"/>
+              <a:rPr lang="en-US"/>
               <a:t>Third level</a:t>
             </a:r>
           </a:p>
           <a:p>
             <a:pPr lvl="3"/>
             <a:r>
-              <a:rPr lang="en-US" smtClean="0"/>
+              <a:rPr lang="en-US"/>
               <a:t>Fourth level</a:t>
             </a:r>
           </a:p>
           <a:p>
             <a:pPr lvl="4"/>
             <a:r>
-              <a:rPr lang="en-US" smtClean="0"/>
+              <a:rPr lang="en-US"/>
               <a:t>Fifth level</a:t>
             </a:r>
-            <a:endParaRPr lang="en-US"/>
           </a:p>
         </p:txBody>
       </p:sp>
@@ -1691,7 +1665,7 @@
           <a:p>
             <a:pPr lvl="0"/>
             <a:r>
-              <a:rPr lang="en-US" smtClean="0"/>
+              <a:rPr lang="en-US"/>
               <a:t>Click to edit Master text styles</a:t>
             </a:r>
           </a:p>
@@ -1747,38 +1721,37 @@
           <a:p>
             <a:pPr lvl="0"/>
             <a:r>
-              <a:rPr lang="en-US" smtClean="0"/>
+              <a:rPr lang="en-US"/>
               <a:t>Click to edit Master text styles</a:t>
             </a:r>
           </a:p>
           <a:p>
             <a:pPr lvl="1"/>
             <a:r>
-              <a:rPr lang="en-US" smtClean="0"/>
+              <a:rPr lang="en-US"/>
               <a:t>Second level</a:t>
             </a:r>
           </a:p>
           <a:p>
             <a:pPr lvl="2"/>
             <a:r>
-              <a:rPr lang="en-US" smtClean="0"/>
+              <a:rPr lang="en-US"/>
               <a:t>Third level</a:t>
             </a:r>
           </a:p>
           <a:p>
             <a:pPr lvl="3"/>
             <a:r>
-              <a:rPr lang="en-US" smtClean="0"/>
+              <a:rPr lang="en-US"/>
               <a:t>Fourth level</a:t>
             </a:r>
           </a:p>
           <a:p>
             <a:pPr lvl="4"/>
             <a:r>
-              <a:rPr lang="en-US" smtClean="0"/>
+              <a:rPr lang="en-US"/>
               <a:t>Fifth level</a:t>
             </a:r>
-            <a:endParaRPr lang="en-US"/>
           </a:p>
         </p:txBody>
       </p:sp>
@@ -1800,7 +1773,7 @@
             <a:fld id="{1D8BD707-D9CF-40AE-B4C6-C98DA3205C09}" type="datetimeFigureOut">
               <a:rPr lang="en-US" smtClean="0"/>
               <a:pPr/>
-              <a:t>8/1/2011</a:t>
+              <a:t>4/3/2024</a:t>
             </a:fld>
             <a:endParaRPr lang="en-US"/>
           </a:p>
@@ -1890,10 +1863,9 @@
           <a:lstStyle/>
           <a:p>
             <a:r>
-              <a:rPr lang="en-US" smtClean="0"/>
+              <a:rPr lang="en-US"/>
               <a:t>Click to edit Master title style</a:t>
             </a:r>
-            <a:endParaRPr lang="en-US"/>
           </a:p>
         </p:txBody>
       </p:sp>
@@ -1915,7 +1887,7 @@
             <a:fld id="{1D8BD707-D9CF-40AE-B4C6-C98DA3205C09}" type="datetimeFigureOut">
               <a:rPr lang="en-US" smtClean="0"/>
               <a:pPr/>
-              <a:t>8/1/2011</a:t>
+              <a:t>4/3/2024</a:t>
             </a:fld>
             <a:endParaRPr lang="en-US"/>
           </a:p>
@@ -2007,7 +1979,7 @@
             <a:fld id="{1D8BD707-D9CF-40AE-B4C6-C98DA3205C09}" type="datetimeFigureOut">
               <a:rPr lang="en-US" smtClean="0"/>
               <a:pPr/>
-              <a:t>8/1/2011</a:t>
+              <a:t>4/3/2024</a:t>
             </a:fld>
             <a:endParaRPr lang="en-US"/>
           </a:p>
@@ -2106,10 +2078,9 @@
           </a:lstStyle>
           <a:p>
             <a:r>
-              <a:rPr lang="en-US" smtClean="0"/>
+              <a:rPr lang="en-US"/>
               <a:t>Click to edit Master title style</a:t>
             </a:r>
-            <a:endParaRPr lang="en-US"/>
           </a:p>
         </p:txBody>
       </p:sp>
@@ -2163,38 +2134,37 @@
           <a:p>
             <a:pPr lvl="0"/>
             <a:r>
-              <a:rPr lang="en-US" smtClean="0"/>
+              <a:rPr lang="en-US"/>
               <a:t>Click to edit Master text styles</a:t>
             </a:r>
           </a:p>
           <a:p>
             <a:pPr lvl="1"/>
             <a:r>
-              <a:rPr lang="en-US" smtClean="0"/>
+              <a:rPr lang="en-US"/>
               <a:t>Second level</a:t>
             </a:r>
           </a:p>
           <a:p>
             <a:pPr lvl="2"/>
             <a:r>
-              <a:rPr lang="en-US" smtClean="0"/>
+              <a:rPr lang="en-US"/>
               <a:t>Third level</a:t>
             </a:r>
           </a:p>
           <a:p>
             <a:pPr lvl="3"/>
             <a:r>
-              <a:rPr lang="en-US" smtClean="0"/>
+              <a:rPr lang="en-US"/>
               <a:t>Fourth level</a:t>
             </a:r>
           </a:p>
           <a:p>
             <a:pPr lvl="4"/>
             <a:r>
-              <a:rPr lang="en-US" smtClean="0"/>
+              <a:rPr lang="en-US"/>
               <a:t>Fifth level</a:t>
             </a:r>
-            <a:endParaRPr lang="en-US"/>
           </a:p>
         </p:txBody>
       </p:sp>
@@ -2257,7 +2227,7 @@
           <a:p>
             <a:pPr lvl="0"/>
             <a:r>
-              <a:rPr lang="en-US" smtClean="0"/>
+              <a:rPr lang="en-US"/>
               <a:t>Click to edit Master text styles</a:t>
             </a:r>
           </a:p>
@@ -2281,7 +2251,7 @@
             <a:fld id="{1D8BD707-D9CF-40AE-B4C6-C98DA3205C09}" type="datetimeFigureOut">
               <a:rPr lang="en-US" smtClean="0"/>
               <a:pPr/>
-              <a:t>8/1/2011</a:t>
+              <a:t>4/3/2024</a:t>
             </a:fld>
             <a:endParaRPr lang="en-US"/>
           </a:p>
@@ -2380,10 +2350,9 @@
           </a:lstStyle>
           <a:p>
             <a:r>
-              <a:rPr lang="en-US" smtClean="0"/>
+              <a:rPr lang="en-US"/>
               <a:t>Click to edit Master title style</a:t>
             </a:r>
-            <a:endParaRPr lang="en-US"/>
           </a:p>
         </p:txBody>
       </p:sp>
@@ -2507,7 +2476,7 @@
           <a:p>
             <a:pPr lvl="0"/>
             <a:r>
-              <a:rPr lang="en-US" smtClean="0"/>
+              <a:rPr lang="en-US"/>
               <a:t>Click to edit Master text styles</a:t>
             </a:r>
           </a:p>
@@ -2531,7 +2500,7 @@
             <a:fld id="{1D8BD707-D9CF-40AE-B4C6-C98DA3205C09}" type="datetimeFigureOut">
               <a:rPr lang="en-US" smtClean="0"/>
               <a:pPr/>
-              <a:t>8/1/2011</a:t>
+              <a:t>4/3/2024</a:t>
             </a:fld>
             <a:endParaRPr lang="en-US"/>
           </a:p>
@@ -2636,10 +2605,9 @@
           <a:lstStyle/>
           <a:p>
             <a:r>
-              <a:rPr lang="en-US" smtClean="0"/>
+              <a:rPr lang="en-US"/>
               <a:t>Click to edit Master title style</a:t>
             </a:r>
-            <a:endParaRPr lang="en-US"/>
           </a:p>
         </p:txBody>
       </p:sp>
@@ -2670,38 +2638,37 @@
           <a:p>
             <a:pPr lvl="0"/>
             <a:r>
-              <a:rPr lang="en-US" smtClean="0"/>
+              <a:rPr lang="en-US"/>
               <a:t>Click to edit Master text styles</a:t>
             </a:r>
           </a:p>
           <a:p>
             <a:pPr lvl="1"/>
             <a:r>
-              <a:rPr lang="en-US" smtClean="0"/>
+              <a:rPr lang="en-US"/>
               <a:t>Second level</a:t>
             </a:r>
           </a:p>
           <a:p>
             <a:pPr lvl="2"/>
             <a:r>
-              <a:rPr lang="en-US" smtClean="0"/>
+              <a:rPr lang="en-US"/>
               <a:t>Third level</a:t>
             </a:r>
           </a:p>
           <a:p>
             <a:pPr lvl="3"/>
             <a:r>
-              <a:rPr lang="en-US" smtClean="0"/>
+              <a:rPr lang="en-US"/>
               <a:t>Fourth level</a:t>
             </a:r>
           </a:p>
           <a:p>
             <a:pPr lvl="4"/>
             <a:r>
-              <a:rPr lang="en-US" smtClean="0"/>
+              <a:rPr lang="en-US"/>
               <a:t>Fifth level</a:t>
             </a:r>
-            <a:endParaRPr lang="en-US"/>
           </a:p>
         </p:txBody>
       </p:sp>
@@ -2741,7 +2708,7 @@
             <a:fld id="{1D8BD707-D9CF-40AE-B4C6-C98DA3205C09}" type="datetimeFigureOut">
               <a:rPr lang="en-US" smtClean="0"/>
               <a:pPr/>
-              <a:t>8/1/2011</a:t>
+              <a:t>4/3/2024</a:t>
             </a:fld>
             <a:endParaRPr lang="en-US"/>
           </a:p>
@@ -3096,7 +3063,7 @@
 </file>
 
 <file path=ppt/slides/slide1.xml><?xml version="1.0" encoding="utf-8"?>
-<p:sld xmlns:p="http://schemas.openxmlformats.org/presentationml/2006/main" xmlns:a="http://schemas.openxmlformats.org/drawingml/2006/main" xmlns:r="http://schemas.openxmlformats.org/officeDocument/2006/relationships">
+<p:sld xmlns:a="http://schemas.openxmlformats.org/drawingml/2006/main" xmlns:r="http://schemas.openxmlformats.org/officeDocument/2006/relationships" xmlns:p="http://schemas.openxmlformats.org/presentationml/2006/main">
   <p:cSld>
     <p:spTree>
       <p:nvGrpSpPr>
@@ -3114,36 +3081,43 @@
       </p:grpSpPr>
       <p:sp>
         <p:nvSpPr>
-          <p:cNvPr name="AutoShape 2" id="2"/>
+          <p:cNvPr id="2" name="AutoShape 2"/>
           <p:cNvSpPr/>
           <p:nvPr/>
         </p:nvSpPr>
         <p:spPr>
-          <a:xfrm flipV="true">
+          <a:xfrm flipV="1">
             <a:off x="648895" y="9682200"/>
             <a:ext cx="651081" cy="4762"/>
           </a:xfrm>
           <a:prstGeom prst="line">
             <a:avLst/>
           </a:prstGeom>
-          <a:ln cap="flat" w="19050">
+          <a:ln w="19050" cap="flat">
             <a:solidFill>
               <a:srgbClr val="00A79D"/>
             </a:solidFill>
             <a:prstDash val="solid"/>
-            <a:headEnd type="none" len="sm" w="sm"/>
-            <a:tailEnd type="triangle" len="med" w="lg"/>
+            <a:headEnd type="none" w="sm" len="sm"/>
+            <a:tailEnd type="triangle" w="lg" len="med"/>
           </a:ln>
         </p:spPr>
-      </p:sp>
-      <p:sp>
-        <p:nvSpPr>
-          <p:cNvPr name="TextBox 3" id="3"/>
-          <p:cNvSpPr txBox="true"/>
+        <p:txBody>
+          <a:bodyPr/>
+          <a:lstStyle/>
+          <a:p>
+            <a:endParaRPr lang="en-IE"/>
+          </a:p>
+        </p:txBody>
+      </p:sp>
+      <p:sp>
+        <p:nvSpPr>
+          <p:cNvPr id="3" name="TextBox 3"/>
+          <p:cNvSpPr txBox="1"/>
           <p:nvPr/>
         </p:nvSpPr>
         <p:spPr>
-          <a:xfrm rot="0">
+          <a:xfrm>
             <a:off x="2070993" y="2542598"/>
             <a:ext cx="9442596" cy="1455420"/>
           </a:xfrm>
@@ -3152,7 +3126,7 @@
           </a:prstGeom>
         </p:spPr>
         <p:txBody>
-          <a:bodyPr anchor="t" rtlCol="false" tIns="0" lIns="0" bIns="0" rIns="0">
+          <a:bodyPr lIns="0" tIns="0" rIns="0" bIns="0" rtlCol="0" anchor="t">
             <a:spAutoFit/>
           </a:bodyPr>
           <a:lstStyle/>
@@ -3176,12 +3150,12 @@
       </p:sp>
       <p:sp>
         <p:nvSpPr>
-          <p:cNvPr name="Freeform 4" id="4"/>
+          <p:cNvPr id="4" name="Freeform 4"/>
           <p:cNvSpPr/>
           <p:nvPr/>
         </p:nvSpPr>
         <p:spPr>
-          <a:xfrm flipH="false" flipV="false" rot="5400000">
+          <a:xfrm rot="5400000">
             <a:off x="1292890" y="764510"/>
             <a:ext cx="176981" cy="705360"/>
           </a:xfrm>
@@ -3190,9 +3164,9 @@
             <a:gdLst/>
             <a:ahLst/>
             <a:cxnLst/>
-            <a:rect r="r" b="b" t="t" l="l"/>
+            <a:rect l="l" t="t" r="r" b="b"/>
             <a:pathLst>
-              <a:path h="705360" w="176981">
+              <a:path w="176981" h="705360">
                 <a:moveTo>
                   <a:pt x="0" y="0"/>
                 </a:moveTo>
@@ -3221,19 +3195,26 @@
               </a:extLst>
             </a:blip>
             <a:stretch>
-              <a:fillRect l="0" t="0" r="0" b="0"/>
+              <a:fillRect/>
             </a:stretch>
           </a:blipFill>
         </p:spPr>
-      </p:sp>
-      <p:sp>
-        <p:nvSpPr>
-          <p:cNvPr name="TextBox 5" id="5"/>
-          <p:cNvSpPr txBox="true"/>
+        <p:txBody>
+          <a:bodyPr/>
+          <a:lstStyle/>
+          <a:p>
+            <a:endParaRPr lang="en-IE"/>
+          </a:p>
+        </p:txBody>
+      </p:sp>
+      <p:sp>
+        <p:nvSpPr>
+          <p:cNvPr id="5" name="TextBox 5"/>
+          <p:cNvSpPr txBox="1"/>
           <p:nvPr/>
         </p:nvSpPr>
         <p:spPr>
-          <a:xfrm rot="0">
+          <a:xfrm>
             <a:off x="2070993" y="6112244"/>
             <a:ext cx="2629495" cy="382255"/>
           </a:xfrm>
@@ -3242,7 +3223,7 @@
           </a:prstGeom>
         </p:spPr>
         <p:txBody>
-          <a:bodyPr anchor="t" rtlCol="false" tIns="0" lIns="0" bIns="0" rIns="0">
+          <a:bodyPr lIns="0" tIns="0" rIns="0" bIns="0" rtlCol="0" anchor="t">
             <a:spAutoFit/>
           </a:bodyPr>
           <a:lstStyle/>
@@ -3266,12 +3247,12 @@
       </p:sp>
       <p:sp>
         <p:nvSpPr>
-          <p:cNvPr name="TextBox 6" id="6"/>
-          <p:cNvSpPr txBox="true"/>
+          <p:cNvPr id="6" name="TextBox 6"/>
+          <p:cNvSpPr txBox="1"/>
           <p:nvPr/>
         </p:nvSpPr>
         <p:spPr>
-          <a:xfrm rot="0">
+          <a:xfrm>
             <a:off x="2070993" y="4402824"/>
             <a:ext cx="8591157" cy="1109345"/>
           </a:xfrm>
@@ -3280,7 +3261,7 @@
           </a:prstGeom>
         </p:spPr>
         <p:txBody>
-          <a:bodyPr anchor="t" rtlCol="false" tIns="0" lIns="0" bIns="0" rIns="0">
+          <a:bodyPr lIns="0" tIns="0" rIns="0" bIns="0" rtlCol="0" anchor="t">
             <a:spAutoFit/>
           </a:bodyPr>
           <a:lstStyle/>
@@ -3311,7 +3292,7 @@
 </file>
 
 <file path=ppt/slides/slide10.xml><?xml version="1.0" encoding="utf-8"?>
-<p:sld xmlns:p="http://schemas.openxmlformats.org/presentationml/2006/main" xmlns:a="http://schemas.openxmlformats.org/drawingml/2006/main" xmlns:r="http://schemas.openxmlformats.org/officeDocument/2006/relationships">
+<p:sld xmlns:a="http://schemas.openxmlformats.org/drawingml/2006/main" xmlns:r="http://schemas.openxmlformats.org/officeDocument/2006/relationships" xmlns:p="http://schemas.openxmlformats.org/presentationml/2006/main">
   <p:cSld>
     <p:spTree>
       <p:nvGrpSpPr>
@@ -3329,36 +3310,43 @@
       </p:grpSpPr>
       <p:sp>
         <p:nvSpPr>
-          <p:cNvPr name="AutoShape 2" id="2"/>
+          <p:cNvPr id="2" name="AutoShape 2"/>
           <p:cNvSpPr/>
           <p:nvPr/>
         </p:nvSpPr>
         <p:spPr>
-          <a:xfrm flipV="true">
+          <a:xfrm flipV="1">
             <a:off x="648895" y="9682200"/>
             <a:ext cx="651081" cy="4762"/>
           </a:xfrm>
           <a:prstGeom prst="line">
             <a:avLst/>
           </a:prstGeom>
-          <a:ln cap="flat" w="19050">
+          <a:ln w="19050" cap="flat">
             <a:solidFill>
               <a:srgbClr val="00A79D"/>
             </a:solidFill>
             <a:prstDash val="solid"/>
-            <a:headEnd type="none" len="sm" w="sm"/>
-            <a:tailEnd type="triangle" len="med" w="lg"/>
+            <a:headEnd type="none" w="sm" len="sm"/>
+            <a:tailEnd type="triangle" w="lg" len="med"/>
           </a:ln>
         </p:spPr>
-      </p:sp>
-      <p:sp>
-        <p:nvSpPr>
-          <p:cNvPr name="Freeform 3" id="3"/>
+        <p:txBody>
+          <a:bodyPr/>
+          <a:lstStyle/>
+          <a:p>
+            <a:endParaRPr lang="en-IE"/>
+          </a:p>
+        </p:txBody>
+      </p:sp>
+      <p:sp>
+        <p:nvSpPr>
+          <p:cNvPr id="3" name="Freeform 3"/>
           <p:cNvSpPr/>
           <p:nvPr/>
         </p:nvSpPr>
         <p:spPr>
-          <a:xfrm flipH="false" flipV="false" rot="5400000">
+          <a:xfrm rot="5400000">
             <a:off x="1292890" y="764510"/>
             <a:ext cx="176981" cy="705360"/>
           </a:xfrm>
@@ -3367,9 +3355,9 @@
             <a:gdLst/>
             <a:ahLst/>
             <a:cxnLst/>
-            <a:rect r="r" b="b" t="t" l="l"/>
+            <a:rect l="l" t="t" r="r" b="b"/>
             <a:pathLst>
-              <a:path h="705360" w="176981">
+              <a:path w="176981" h="705360">
                 <a:moveTo>
                   <a:pt x="0" y="0"/>
                 </a:moveTo>
@@ -3398,19 +3386,26 @@
               </a:extLst>
             </a:blip>
             <a:stretch>
-              <a:fillRect l="0" t="0" r="0" b="0"/>
+              <a:fillRect/>
             </a:stretch>
           </a:blipFill>
         </p:spPr>
-      </p:sp>
-      <p:sp>
-        <p:nvSpPr>
-          <p:cNvPr name="TextBox 4" id="4"/>
-          <p:cNvSpPr txBox="true"/>
+        <p:txBody>
+          <a:bodyPr/>
+          <a:lstStyle/>
+          <a:p>
+            <a:endParaRPr lang="en-IE"/>
+          </a:p>
+        </p:txBody>
+      </p:sp>
+      <p:sp>
+        <p:nvSpPr>
+          <p:cNvPr id="4" name="TextBox 4"/>
+          <p:cNvSpPr txBox="1"/>
           <p:nvPr/>
         </p:nvSpPr>
         <p:spPr>
-          <a:xfrm rot="0">
+          <a:xfrm>
             <a:off x="2036105" y="1884515"/>
             <a:ext cx="6670580" cy="622935"/>
           </a:xfrm>
@@ -3419,7 +3414,7 @@
           </a:prstGeom>
         </p:spPr>
         <p:txBody>
-          <a:bodyPr anchor="t" rtlCol="false" tIns="0" lIns="0" bIns="0" rIns="0">
+          <a:bodyPr lIns="0" tIns="0" rIns="0" bIns="0" rtlCol="0" anchor="t">
             <a:spAutoFit/>
           </a:bodyPr>
           <a:lstStyle/>
@@ -3443,12 +3438,12 @@
       </p:sp>
       <p:sp>
         <p:nvSpPr>
-          <p:cNvPr name="TextBox 5" id="5"/>
-          <p:cNvSpPr txBox="true"/>
+          <p:cNvPr id="5" name="TextBox 5"/>
+          <p:cNvSpPr txBox="1"/>
           <p:nvPr/>
         </p:nvSpPr>
         <p:spPr>
-          <a:xfrm rot="0">
+          <a:xfrm>
             <a:off x="2036105" y="3785644"/>
             <a:ext cx="15223195" cy="3957955"/>
           </a:xfrm>
@@ -3457,7 +3452,7 @@
           </a:prstGeom>
         </p:spPr>
         <p:txBody>
-          <a:bodyPr anchor="t" rtlCol="false" tIns="0" lIns="0" bIns="0" rIns="0">
+          <a:bodyPr lIns="0" tIns="0" rIns="0" bIns="0" rtlCol="0" anchor="t">
             <a:spAutoFit/>
           </a:bodyPr>
           <a:lstStyle/>
@@ -3474,16 +3469,7 @@
                 </a:solidFill>
                 <a:latin typeface="Lato"/>
               </a:rPr>
-              <a:t>The analysis revealed </a:t>
-            </a:r>
-            <a:r>
-              <a:rPr lang="en-US" sz="2799">
-                <a:solidFill>
-                  <a:srgbClr val="000000"/>
-                </a:solidFill>
-                <a:latin typeface="Lato"/>
-              </a:rPr>
-              <a:t>that chloramines, pH levels, and hardness are significant predictors of water portability.</a:t>
+              <a:t>The analysis revealed that chloramines, pH levels, and hardness are significant predictors of water portability.</a:t>
             </a:r>
           </a:p>
           <a:p>
@@ -3492,6 +3478,12 @@
                 <a:spcPts val="3919"/>
               </a:lnSpc>
             </a:pPr>
+            <a:endParaRPr lang="en-US" sz="2799">
+              <a:solidFill>
+                <a:srgbClr val="000000"/>
+              </a:solidFill>
+              <a:latin typeface="Lato"/>
+            </a:endParaRPr>
           </a:p>
           <a:p>
             <a:pPr>
@@ -3515,6 +3507,12 @@
                 <a:spcPts val="3919"/>
               </a:lnSpc>
             </a:pPr>
+            <a:endParaRPr lang="en-US" sz="2799">
+              <a:solidFill>
+                <a:srgbClr val="000000"/>
+              </a:solidFill>
+              <a:latin typeface="Lato"/>
+            </a:endParaRPr>
           </a:p>
           <a:p>
             <a:pPr>
@@ -3529,25 +3527,7 @@
                 </a:solidFill>
                 <a:latin typeface="Lato"/>
               </a:rPr>
-              <a:t>These results provide a scientific basis for enhancing water treatme</a:t>
-            </a:r>
-            <a:r>
-              <a:rPr lang="en-US" sz="2799">
-                <a:solidFill>
-                  <a:srgbClr val="000000"/>
-                </a:solidFill>
-                <a:latin typeface="Lato"/>
-              </a:rPr>
-              <a:t>n</a:t>
-            </a:r>
-            <a:r>
-              <a:rPr lang="en-US" sz="2799">
-                <a:solidFill>
-                  <a:srgbClr val="000000"/>
-                </a:solidFill>
-                <a:latin typeface="Lato"/>
-              </a:rPr>
-              <a:t>t processes and ensuring water quality standards are met.</a:t>
+              <a:t>These results provide a scientific basis for enhancing water treatment processes and ensuring water quality standards are met.</a:t>
             </a:r>
           </a:p>
         </p:txBody>
@@ -3561,7 +3541,7 @@
 </file>
 
 <file path=ppt/slides/slide11.xml><?xml version="1.0" encoding="utf-8"?>
-<p:sld xmlns:p="http://schemas.openxmlformats.org/presentationml/2006/main" xmlns:a="http://schemas.openxmlformats.org/drawingml/2006/main" xmlns:r="http://schemas.openxmlformats.org/officeDocument/2006/relationships">
+<p:sld xmlns:a="http://schemas.openxmlformats.org/drawingml/2006/main" xmlns:r="http://schemas.openxmlformats.org/officeDocument/2006/relationships" xmlns:p="http://schemas.openxmlformats.org/presentationml/2006/main">
   <p:cSld>
     <p:spTree>
       <p:nvGrpSpPr>
@@ -3579,36 +3559,43 @@
       </p:grpSpPr>
       <p:sp>
         <p:nvSpPr>
-          <p:cNvPr name="AutoShape 2" id="2"/>
+          <p:cNvPr id="2" name="AutoShape 2"/>
           <p:cNvSpPr/>
           <p:nvPr/>
         </p:nvSpPr>
         <p:spPr>
-          <a:xfrm flipV="true">
+          <a:xfrm flipV="1">
             <a:off x="648895" y="9682200"/>
             <a:ext cx="651081" cy="4762"/>
           </a:xfrm>
           <a:prstGeom prst="line">
             <a:avLst/>
           </a:prstGeom>
-          <a:ln cap="flat" w="19050">
+          <a:ln w="19050" cap="flat">
             <a:solidFill>
               <a:srgbClr val="00A79D"/>
             </a:solidFill>
             <a:prstDash val="solid"/>
-            <a:headEnd type="none" len="sm" w="sm"/>
-            <a:tailEnd type="triangle" len="med" w="lg"/>
+            <a:headEnd type="none" w="sm" len="sm"/>
+            <a:tailEnd type="triangle" w="lg" len="med"/>
           </a:ln>
         </p:spPr>
-      </p:sp>
-      <p:sp>
-        <p:nvSpPr>
-          <p:cNvPr name="Freeform 3" id="3"/>
+        <p:txBody>
+          <a:bodyPr/>
+          <a:lstStyle/>
+          <a:p>
+            <a:endParaRPr lang="en-IE"/>
+          </a:p>
+        </p:txBody>
+      </p:sp>
+      <p:sp>
+        <p:nvSpPr>
+          <p:cNvPr id="3" name="Freeform 3"/>
           <p:cNvSpPr/>
           <p:nvPr/>
         </p:nvSpPr>
         <p:spPr>
-          <a:xfrm flipH="false" flipV="false" rot="5400000">
+          <a:xfrm rot="5400000">
             <a:off x="1292890" y="764510"/>
             <a:ext cx="176981" cy="705360"/>
           </a:xfrm>
@@ -3617,9 +3604,9 @@
             <a:gdLst/>
             <a:ahLst/>
             <a:cxnLst/>
-            <a:rect r="r" b="b" t="t" l="l"/>
+            <a:rect l="l" t="t" r="r" b="b"/>
             <a:pathLst>
-              <a:path h="705360" w="176981">
+              <a:path w="176981" h="705360">
                 <a:moveTo>
                   <a:pt x="0" y="0"/>
                 </a:moveTo>
@@ -3648,19 +3635,26 @@
               </a:extLst>
             </a:blip>
             <a:stretch>
-              <a:fillRect l="0" t="0" r="0" b="0"/>
+              <a:fillRect/>
             </a:stretch>
           </a:blipFill>
         </p:spPr>
-      </p:sp>
-      <p:sp>
-        <p:nvSpPr>
-          <p:cNvPr name="TextBox 4" id="4"/>
-          <p:cNvSpPr txBox="true"/>
+        <p:txBody>
+          <a:bodyPr/>
+          <a:lstStyle/>
+          <a:p>
+            <a:endParaRPr lang="en-IE"/>
+          </a:p>
+        </p:txBody>
+      </p:sp>
+      <p:sp>
+        <p:nvSpPr>
+          <p:cNvPr id="4" name="TextBox 4"/>
+          <p:cNvSpPr txBox="1"/>
           <p:nvPr/>
         </p:nvSpPr>
         <p:spPr>
-          <a:xfrm rot="0">
+          <a:xfrm>
             <a:off x="2036105" y="1884515"/>
             <a:ext cx="6670580" cy="622935"/>
           </a:xfrm>
@@ -3669,7 +3663,7 @@
           </a:prstGeom>
         </p:spPr>
         <p:txBody>
-          <a:bodyPr anchor="t" rtlCol="false" tIns="0" lIns="0" bIns="0" rIns="0">
+          <a:bodyPr lIns="0" tIns="0" rIns="0" bIns="0" rtlCol="0" anchor="t">
             <a:spAutoFit/>
           </a:bodyPr>
           <a:lstStyle/>
@@ -3693,12 +3687,12 @@
       </p:sp>
       <p:sp>
         <p:nvSpPr>
-          <p:cNvPr name="TextBox 5" id="5"/>
-          <p:cNvSpPr txBox="true"/>
+          <p:cNvPr id="5" name="TextBox 5"/>
+          <p:cNvSpPr txBox="1"/>
           <p:nvPr/>
         </p:nvSpPr>
         <p:spPr>
-          <a:xfrm rot="0">
+          <a:xfrm>
             <a:off x="2036105" y="3785644"/>
             <a:ext cx="15223195" cy="3957955"/>
           </a:xfrm>
@@ -3707,7 +3701,7 @@
           </a:prstGeom>
         </p:spPr>
         <p:txBody>
-          <a:bodyPr anchor="t" rtlCol="false" tIns="0" lIns="0" bIns="0" rIns="0">
+          <a:bodyPr lIns="0" tIns="0" rIns="0" bIns="0" rtlCol="0" anchor="t">
             <a:spAutoFit/>
           </a:bodyPr>
           <a:lstStyle/>
@@ -3733,6 +3727,12 @@
                 <a:spcPts val="3919"/>
               </a:lnSpc>
             </a:pPr>
+            <a:endParaRPr lang="en-US" sz="2799">
+              <a:solidFill>
+                <a:srgbClr val="000000"/>
+              </a:solidFill>
+              <a:latin typeface="Lato"/>
+            </a:endParaRPr>
           </a:p>
           <a:p>
             <a:pPr>
@@ -3756,6 +3756,12 @@
                 <a:spcPts val="3919"/>
               </a:lnSpc>
             </a:pPr>
+            <a:endParaRPr lang="en-US" sz="2799">
+              <a:solidFill>
+                <a:srgbClr val="000000"/>
+              </a:solidFill>
+              <a:latin typeface="Lato"/>
+            </a:endParaRPr>
           </a:p>
           <a:p>
             <a:pPr>
@@ -3784,7 +3790,7 @@
 </file>
 
 <file path=ppt/slides/slide12.xml><?xml version="1.0" encoding="utf-8"?>
-<p:sld xmlns:p="http://schemas.openxmlformats.org/presentationml/2006/main" xmlns:a="http://schemas.openxmlformats.org/drawingml/2006/main" xmlns:r="http://schemas.openxmlformats.org/officeDocument/2006/relationships">
+<p:sld xmlns:a="http://schemas.openxmlformats.org/drawingml/2006/main" xmlns:r="http://schemas.openxmlformats.org/officeDocument/2006/relationships" xmlns:p="http://schemas.openxmlformats.org/presentationml/2006/main">
   <p:cSld>
     <p:spTree>
       <p:nvGrpSpPr>
@@ -3802,36 +3808,43 @@
       </p:grpSpPr>
       <p:sp>
         <p:nvSpPr>
-          <p:cNvPr name="AutoShape 2" id="2"/>
+          <p:cNvPr id="2" name="AutoShape 2"/>
           <p:cNvSpPr/>
           <p:nvPr/>
         </p:nvSpPr>
         <p:spPr>
-          <a:xfrm flipV="true">
+          <a:xfrm flipV="1">
             <a:off x="648895" y="9682200"/>
             <a:ext cx="651081" cy="4762"/>
           </a:xfrm>
           <a:prstGeom prst="line">
             <a:avLst/>
           </a:prstGeom>
-          <a:ln cap="flat" w="19050">
+          <a:ln w="19050" cap="flat">
             <a:solidFill>
               <a:srgbClr val="00A79D"/>
             </a:solidFill>
             <a:prstDash val="solid"/>
-            <a:headEnd type="none" len="sm" w="sm"/>
-            <a:tailEnd type="triangle" len="med" w="lg"/>
+            <a:headEnd type="none" w="sm" len="sm"/>
+            <a:tailEnd type="triangle" w="lg" len="med"/>
           </a:ln>
         </p:spPr>
-      </p:sp>
-      <p:sp>
-        <p:nvSpPr>
-          <p:cNvPr name="Freeform 3" id="3"/>
+        <p:txBody>
+          <a:bodyPr/>
+          <a:lstStyle/>
+          <a:p>
+            <a:endParaRPr lang="en-IE"/>
+          </a:p>
+        </p:txBody>
+      </p:sp>
+      <p:sp>
+        <p:nvSpPr>
+          <p:cNvPr id="3" name="Freeform 3"/>
           <p:cNvSpPr/>
           <p:nvPr/>
         </p:nvSpPr>
         <p:spPr>
-          <a:xfrm flipH="false" flipV="false" rot="5400000">
+          <a:xfrm rot="5400000">
             <a:off x="1292890" y="764510"/>
             <a:ext cx="176981" cy="705360"/>
           </a:xfrm>
@@ -3840,9 +3853,9 @@
             <a:gdLst/>
             <a:ahLst/>
             <a:cxnLst/>
-            <a:rect r="r" b="b" t="t" l="l"/>
+            <a:rect l="l" t="t" r="r" b="b"/>
             <a:pathLst>
-              <a:path h="705360" w="176981">
+              <a:path w="176981" h="705360">
                 <a:moveTo>
                   <a:pt x="0" y="0"/>
                 </a:moveTo>
@@ -3871,19 +3884,26 @@
               </a:extLst>
             </a:blip>
             <a:stretch>
-              <a:fillRect l="0" t="0" r="0" b="0"/>
+              <a:fillRect/>
             </a:stretch>
           </a:blipFill>
         </p:spPr>
-      </p:sp>
-      <p:sp>
-        <p:nvSpPr>
-          <p:cNvPr name="TextBox 4" id="4"/>
-          <p:cNvSpPr txBox="true"/>
+        <p:txBody>
+          <a:bodyPr/>
+          <a:lstStyle/>
+          <a:p>
+            <a:endParaRPr lang="en-IE"/>
+          </a:p>
+        </p:txBody>
+      </p:sp>
+      <p:sp>
+        <p:nvSpPr>
+          <p:cNvPr id="4" name="TextBox 4"/>
+          <p:cNvSpPr txBox="1"/>
           <p:nvPr/>
         </p:nvSpPr>
         <p:spPr>
-          <a:xfrm rot="0">
+          <a:xfrm>
             <a:off x="2036105" y="1884515"/>
             <a:ext cx="6670580" cy="1261110"/>
           </a:xfrm>
@@ -3892,7 +3912,7 @@
           </a:prstGeom>
         </p:spPr>
         <p:txBody>
-          <a:bodyPr anchor="t" rtlCol="false" tIns="0" lIns="0" bIns="0" rIns="0">
+          <a:bodyPr lIns="0" tIns="0" rIns="0" bIns="0" rtlCol="0" anchor="t">
             <a:spAutoFit/>
           </a:bodyPr>
           <a:lstStyle/>
@@ -3916,12 +3936,12 @@
       </p:sp>
       <p:sp>
         <p:nvSpPr>
-          <p:cNvPr name="TextBox 5" id="5"/>
-          <p:cNvSpPr txBox="true"/>
+          <p:cNvPr id="5" name="TextBox 5"/>
+          <p:cNvSpPr txBox="1"/>
           <p:nvPr/>
         </p:nvSpPr>
         <p:spPr>
-          <a:xfrm rot="0">
+          <a:xfrm>
             <a:off x="2036105" y="3785644"/>
             <a:ext cx="15223195" cy="3957955"/>
           </a:xfrm>
@@ -3930,7 +3950,7 @@
           </a:prstGeom>
         </p:spPr>
         <p:txBody>
-          <a:bodyPr anchor="t" rtlCol="false" tIns="0" lIns="0" bIns="0" rIns="0">
+          <a:bodyPr lIns="0" tIns="0" rIns="0" bIns="0" rtlCol="0" anchor="t">
             <a:spAutoFit/>
           </a:bodyPr>
           <a:lstStyle/>
@@ -3956,6 +3976,12 @@
                 <a:spcPts val="3919"/>
               </a:lnSpc>
             </a:pPr>
+            <a:endParaRPr lang="en-US" sz="2799">
+              <a:solidFill>
+                <a:srgbClr val="000000"/>
+              </a:solidFill>
+              <a:latin typeface="Lato"/>
+            </a:endParaRPr>
           </a:p>
           <a:p>
             <a:pPr>
@@ -3979,6 +4005,12 @@
                 <a:spcPts val="3919"/>
               </a:lnSpc>
             </a:pPr>
+            <a:endParaRPr lang="en-US" sz="2799">
+              <a:solidFill>
+                <a:srgbClr val="000000"/>
+              </a:solidFill>
+              <a:latin typeface="Lato"/>
+            </a:endParaRPr>
           </a:p>
           <a:p>
             <a:pPr>
@@ -4007,7 +4039,7 @@
 </file>
 
 <file path=ppt/slides/slide2.xml><?xml version="1.0" encoding="utf-8"?>
-<p:sld xmlns:p="http://schemas.openxmlformats.org/presentationml/2006/main" xmlns:a="http://schemas.openxmlformats.org/drawingml/2006/main" xmlns:r="http://schemas.openxmlformats.org/officeDocument/2006/relationships">
+<p:sld xmlns:a="http://schemas.openxmlformats.org/drawingml/2006/main" xmlns:r="http://schemas.openxmlformats.org/officeDocument/2006/relationships" xmlns:p="http://schemas.openxmlformats.org/presentationml/2006/main">
   <p:cSld>
     <p:spTree>
       <p:nvGrpSpPr>
@@ -4025,36 +4057,43 @@
       </p:grpSpPr>
       <p:sp>
         <p:nvSpPr>
-          <p:cNvPr name="AutoShape 2" id="2"/>
+          <p:cNvPr id="2" name="AutoShape 2"/>
           <p:cNvSpPr/>
           <p:nvPr/>
         </p:nvSpPr>
         <p:spPr>
-          <a:xfrm flipV="true">
+          <a:xfrm flipV="1">
             <a:off x="648895" y="9682200"/>
             <a:ext cx="651081" cy="4762"/>
           </a:xfrm>
           <a:prstGeom prst="line">
             <a:avLst/>
           </a:prstGeom>
-          <a:ln cap="flat" w="19050">
+          <a:ln w="19050" cap="flat">
             <a:solidFill>
               <a:srgbClr val="00A79D"/>
             </a:solidFill>
             <a:prstDash val="solid"/>
-            <a:headEnd type="none" len="sm" w="sm"/>
-            <a:tailEnd type="triangle" len="med" w="lg"/>
+            <a:headEnd type="none" w="sm" len="sm"/>
+            <a:tailEnd type="triangle" w="lg" len="med"/>
           </a:ln>
         </p:spPr>
-      </p:sp>
-      <p:sp>
-        <p:nvSpPr>
-          <p:cNvPr name="Freeform 3" id="3"/>
+        <p:txBody>
+          <a:bodyPr/>
+          <a:lstStyle/>
+          <a:p>
+            <a:endParaRPr lang="en-IE"/>
+          </a:p>
+        </p:txBody>
+      </p:sp>
+      <p:sp>
+        <p:nvSpPr>
+          <p:cNvPr id="3" name="Freeform 3"/>
           <p:cNvSpPr/>
           <p:nvPr/>
         </p:nvSpPr>
         <p:spPr>
-          <a:xfrm flipH="false" flipV="false" rot="5400000">
+          <a:xfrm rot="5400000">
             <a:off x="1292890" y="764510"/>
             <a:ext cx="176981" cy="705360"/>
           </a:xfrm>
@@ -4063,9 +4102,9 @@
             <a:gdLst/>
             <a:ahLst/>
             <a:cxnLst/>
-            <a:rect r="r" b="b" t="t" l="l"/>
+            <a:rect l="l" t="t" r="r" b="b"/>
             <a:pathLst>
-              <a:path h="705360" w="176981">
+              <a:path w="176981" h="705360">
                 <a:moveTo>
                   <a:pt x="0" y="0"/>
                 </a:moveTo>
@@ -4094,19 +4133,26 @@
               </a:extLst>
             </a:blip>
             <a:stretch>
-              <a:fillRect l="0" t="0" r="0" b="0"/>
+              <a:fillRect/>
             </a:stretch>
           </a:blipFill>
         </p:spPr>
-      </p:sp>
-      <p:sp>
-        <p:nvSpPr>
-          <p:cNvPr name="TextBox 4" id="4"/>
-          <p:cNvSpPr txBox="true"/>
+        <p:txBody>
+          <a:bodyPr/>
+          <a:lstStyle/>
+          <a:p>
+            <a:endParaRPr lang="en-IE"/>
+          </a:p>
+        </p:txBody>
+      </p:sp>
+      <p:sp>
+        <p:nvSpPr>
+          <p:cNvPr id="4" name="TextBox 4"/>
+          <p:cNvSpPr txBox="1"/>
           <p:nvPr/>
         </p:nvSpPr>
         <p:spPr>
-          <a:xfrm rot="0">
+          <a:xfrm>
             <a:off x="2036105" y="1884515"/>
             <a:ext cx="3846698" cy="622935"/>
           </a:xfrm>
@@ -4115,7 +4161,7 @@
           </a:prstGeom>
         </p:spPr>
         <p:txBody>
-          <a:bodyPr anchor="t" rtlCol="false" tIns="0" lIns="0" bIns="0" rIns="0">
+          <a:bodyPr lIns="0" tIns="0" rIns="0" bIns="0" rtlCol="0" anchor="t">
             <a:spAutoFit/>
           </a:bodyPr>
           <a:lstStyle/>
@@ -4139,12 +4185,12 @@
       </p:sp>
       <p:sp>
         <p:nvSpPr>
-          <p:cNvPr name="TextBox 5" id="5"/>
-          <p:cNvSpPr txBox="true"/>
+          <p:cNvPr id="5" name="TextBox 5"/>
+          <p:cNvSpPr txBox="1"/>
           <p:nvPr/>
         </p:nvSpPr>
         <p:spPr>
-          <a:xfrm rot="0">
+          <a:xfrm>
             <a:off x="2036105" y="3785644"/>
             <a:ext cx="15223195" cy="3462655"/>
           </a:xfrm>
@@ -4153,7 +4199,7 @@
           </a:prstGeom>
         </p:spPr>
         <p:txBody>
-          <a:bodyPr anchor="t" rtlCol="false" tIns="0" lIns="0" bIns="0" rIns="0">
+          <a:bodyPr lIns="0" tIns="0" rIns="0" bIns="0" rtlCol="0" anchor="t">
             <a:spAutoFit/>
           </a:bodyPr>
           <a:lstStyle/>
@@ -4164,7 +4210,7 @@
               </a:lnSpc>
             </a:pPr>
             <a:r>
-              <a:rPr lang="en-US" sz="2799">
+              <a:rPr lang="en-US" sz="2799" dirty="0">
                 <a:solidFill>
                   <a:srgbClr val="000000"/>
                 </a:solidFill>
@@ -4179,6 +4225,12 @@
                 <a:spcPts val="3919"/>
               </a:lnSpc>
             </a:pPr>
+            <a:endParaRPr lang="en-US" sz="2799" dirty="0">
+              <a:solidFill>
+                <a:srgbClr val="000000"/>
+              </a:solidFill>
+              <a:latin typeface="Lato"/>
+            </a:endParaRPr>
           </a:p>
           <a:p>
             <a:pPr>
@@ -4193,7 +4245,7 @@
                 </a:solidFill>
                 <a:latin typeface="Lato"/>
               </a:rPr>
-              <a:t>Utilizing advanced data analysis techniques, we assess various water quality parameters to determine portability.</a:t>
+              <a:t>Utilizing advanced data analysis techniques, we assess various water quality parameters to determine potability.</a:t>
             </a:r>
           </a:p>
           <a:p>
@@ -4202,6 +4254,12 @@
                 <a:spcPts val="3919"/>
               </a:lnSpc>
             </a:pPr>
+            <a:endParaRPr lang="en-US" sz="2799" dirty="0">
+              <a:solidFill>
+                <a:srgbClr val="000000"/>
+              </a:solidFill>
+              <a:latin typeface="Lato"/>
+            </a:endParaRPr>
           </a:p>
           <a:p>
             <a:pPr>
@@ -4210,7 +4268,7 @@
               </a:lnSpc>
             </a:pPr>
             <a:r>
-              <a:rPr lang="en-US" sz="2799">
+              <a:rPr lang="en-US" sz="2799" dirty="0">
                 <a:solidFill>
                   <a:srgbClr val="000000"/>
                 </a:solidFill>
@@ -4230,7 +4288,7 @@
 </file>
 
 <file path=ppt/slides/slide3.xml><?xml version="1.0" encoding="utf-8"?>
-<p:sld xmlns:p="http://schemas.openxmlformats.org/presentationml/2006/main" xmlns:a="http://schemas.openxmlformats.org/drawingml/2006/main" xmlns:r="http://schemas.openxmlformats.org/officeDocument/2006/relationships">
+<p:sld xmlns:a="http://schemas.openxmlformats.org/drawingml/2006/main" xmlns:r="http://schemas.openxmlformats.org/officeDocument/2006/relationships" xmlns:p="http://schemas.openxmlformats.org/presentationml/2006/main">
   <p:cSld>
     <p:spTree>
       <p:nvGrpSpPr>
@@ -4248,36 +4306,43 @@
       </p:grpSpPr>
       <p:sp>
         <p:nvSpPr>
-          <p:cNvPr name="AutoShape 2" id="2"/>
+          <p:cNvPr id="2" name="AutoShape 2"/>
           <p:cNvSpPr/>
           <p:nvPr/>
         </p:nvSpPr>
         <p:spPr>
-          <a:xfrm flipV="true">
+          <a:xfrm flipV="1">
             <a:off x="648895" y="9682200"/>
             <a:ext cx="651081" cy="4762"/>
           </a:xfrm>
           <a:prstGeom prst="line">
             <a:avLst/>
           </a:prstGeom>
-          <a:ln cap="flat" w="19050">
+          <a:ln w="19050" cap="flat">
             <a:solidFill>
               <a:srgbClr val="00A79D"/>
             </a:solidFill>
             <a:prstDash val="solid"/>
-            <a:headEnd type="none" len="sm" w="sm"/>
-            <a:tailEnd type="triangle" len="med" w="lg"/>
+            <a:headEnd type="none" w="sm" len="sm"/>
+            <a:tailEnd type="triangle" w="lg" len="med"/>
           </a:ln>
         </p:spPr>
-      </p:sp>
-      <p:sp>
-        <p:nvSpPr>
-          <p:cNvPr name="Freeform 3" id="3"/>
+        <p:txBody>
+          <a:bodyPr/>
+          <a:lstStyle/>
+          <a:p>
+            <a:endParaRPr lang="en-IE"/>
+          </a:p>
+        </p:txBody>
+      </p:sp>
+      <p:sp>
+        <p:nvSpPr>
+          <p:cNvPr id="3" name="Freeform 3"/>
           <p:cNvSpPr/>
           <p:nvPr/>
         </p:nvSpPr>
         <p:spPr>
-          <a:xfrm flipH="false" flipV="false" rot="5400000">
+          <a:xfrm rot="5400000">
             <a:off x="1292890" y="764510"/>
             <a:ext cx="176981" cy="705360"/>
           </a:xfrm>
@@ -4286,9 +4351,9 @@
             <a:gdLst/>
             <a:ahLst/>
             <a:cxnLst/>
-            <a:rect r="r" b="b" t="t" l="l"/>
+            <a:rect l="l" t="t" r="r" b="b"/>
             <a:pathLst>
-              <a:path h="705360" w="176981">
+              <a:path w="176981" h="705360">
                 <a:moveTo>
                   <a:pt x="0" y="0"/>
                 </a:moveTo>
@@ -4317,19 +4382,26 @@
               </a:extLst>
             </a:blip>
             <a:stretch>
-              <a:fillRect l="0" t="0" r="0" b="0"/>
+              <a:fillRect/>
             </a:stretch>
           </a:blipFill>
         </p:spPr>
-      </p:sp>
-      <p:sp>
-        <p:nvSpPr>
-          <p:cNvPr name="TextBox 4" id="4"/>
-          <p:cNvSpPr txBox="true"/>
+        <p:txBody>
+          <a:bodyPr/>
+          <a:lstStyle/>
+          <a:p>
+            <a:endParaRPr lang="en-IE"/>
+          </a:p>
+        </p:txBody>
+      </p:sp>
+      <p:sp>
+        <p:nvSpPr>
+          <p:cNvPr id="4" name="TextBox 4"/>
+          <p:cNvSpPr txBox="1"/>
           <p:nvPr/>
         </p:nvSpPr>
         <p:spPr>
-          <a:xfrm rot="0">
+          <a:xfrm>
             <a:off x="2036105" y="1884515"/>
             <a:ext cx="3846698" cy="622935"/>
           </a:xfrm>
@@ -4338,7 +4410,7 @@
           </a:prstGeom>
         </p:spPr>
         <p:txBody>
-          <a:bodyPr anchor="t" rtlCol="false" tIns="0" lIns="0" bIns="0" rIns="0">
+          <a:bodyPr lIns="0" tIns="0" rIns="0" bIns="0" rtlCol="0" anchor="t">
             <a:spAutoFit/>
           </a:bodyPr>
           <a:lstStyle/>
@@ -4362,12 +4434,12 @@
       </p:sp>
       <p:sp>
         <p:nvSpPr>
-          <p:cNvPr name="TextBox 5" id="5"/>
-          <p:cNvSpPr txBox="true"/>
+          <p:cNvPr id="5" name="TextBox 5"/>
+          <p:cNvSpPr txBox="1"/>
           <p:nvPr/>
         </p:nvSpPr>
         <p:spPr>
-          <a:xfrm rot="0">
+          <a:xfrm>
             <a:off x="2036105" y="3785644"/>
             <a:ext cx="15223195" cy="3957955"/>
           </a:xfrm>
@@ -4376,7 +4448,7 @@
           </a:prstGeom>
         </p:spPr>
         <p:txBody>
-          <a:bodyPr anchor="t" rtlCol="false" tIns="0" lIns="0" bIns="0" rIns="0">
+          <a:bodyPr lIns="0" tIns="0" rIns="0" bIns="0" rtlCol="0" anchor="t">
             <a:spAutoFit/>
           </a:bodyPr>
           <a:lstStyle/>
@@ -4393,16 +4465,7 @@
                 </a:solidFill>
                 <a:latin typeface="Lato"/>
               </a:rPr>
-              <a:t>Our primary objective is to conduct a comprehensive analysis of water qua</a:t>
-            </a:r>
-            <a:r>
-              <a:rPr lang="en-US" sz="2799">
-                <a:solidFill>
-                  <a:srgbClr val="000000"/>
-                </a:solidFill>
-                <a:latin typeface="Lato"/>
-              </a:rPr>
-              <a:t>lity, focusing on its potability status.</a:t>
+              <a:t>Our primary objective is to conduct a comprehensive analysis of water quality, focusing on its potability status.</a:t>
             </a:r>
           </a:p>
           <a:p>
@@ -4411,6 +4474,12 @@
                 <a:spcPts val="3919"/>
               </a:lnSpc>
             </a:pPr>
+            <a:endParaRPr lang="en-US" sz="2799">
+              <a:solidFill>
+                <a:srgbClr val="000000"/>
+              </a:solidFill>
+              <a:latin typeface="Lato"/>
+            </a:endParaRPr>
           </a:p>
           <a:p>
             <a:pPr>
@@ -4434,6 +4503,12 @@
                 <a:spcPts val="3919"/>
               </a:lnSpc>
             </a:pPr>
+            <a:endParaRPr lang="en-US" sz="2799">
+              <a:solidFill>
+                <a:srgbClr val="000000"/>
+              </a:solidFill>
+              <a:latin typeface="Lato"/>
+            </a:endParaRPr>
           </a:p>
           <a:p>
             <a:pPr>
@@ -4462,7 +4537,7 @@
 </file>
 
 <file path=ppt/slides/slide4.xml><?xml version="1.0" encoding="utf-8"?>
-<p:sld xmlns:p="http://schemas.openxmlformats.org/presentationml/2006/main" xmlns:a="http://schemas.openxmlformats.org/drawingml/2006/main" xmlns:r="http://schemas.openxmlformats.org/officeDocument/2006/relationships">
+<p:sld xmlns:a="http://schemas.openxmlformats.org/drawingml/2006/main" xmlns:r="http://schemas.openxmlformats.org/officeDocument/2006/relationships" xmlns:p="http://schemas.openxmlformats.org/presentationml/2006/main">
   <p:cSld>
     <p:spTree>
       <p:nvGrpSpPr>
@@ -4480,36 +4555,43 @@
       </p:grpSpPr>
       <p:sp>
         <p:nvSpPr>
-          <p:cNvPr name="AutoShape 2" id="2"/>
+          <p:cNvPr id="2" name="AutoShape 2"/>
           <p:cNvSpPr/>
           <p:nvPr/>
         </p:nvSpPr>
         <p:spPr>
-          <a:xfrm flipV="true">
+          <a:xfrm flipV="1">
             <a:off x="648895" y="9682200"/>
             <a:ext cx="651081" cy="4762"/>
           </a:xfrm>
           <a:prstGeom prst="line">
             <a:avLst/>
           </a:prstGeom>
-          <a:ln cap="flat" w="19050">
+          <a:ln w="19050" cap="flat">
             <a:solidFill>
               <a:srgbClr val="00A79D"/>
             </a:solidFill>
             <a:prstDash val="solid"/>
-            <a:headEnd type="none" len="sm" w="sm"/>
-            <a:tailEnd type="triangle" len="med" w="lg"/>
+            <a:headEnd type="none" w="sm" len="sm"/>
+            <a:tailEnd type="triangle" w="lg" len="med"/>
           </a:ln>
         </p:spPr>
-      </p:sp>
-      <p:sp>
-        <p:nvSpPr>
-          <p:cNvPr name="Freeform 3" id="3"/>
+        <p:txBody>
+          <a:bodyPr/>
+          <a:lstStyle/>
+          <a:p>
+            <a:endParaRPr lang="en-IE"/>
+          </a:p>
+        </p:txBody>
+      </p:sp>
+      <p:sp>
+        <p:nvSpPr>
+          <p:cNvPr id="3" name="Freeform 3"/>
           <p:cNvSpPr/>
           <p:nvPr/>
         </p:nvSpPr>
         <p:spPr>
-          <a:xfrm flipH="false" flipV="false" rot="5400000">
+          <a:xfrm rot="5400000">
             <a:off x="1292890" y="764510"/>
             <a:ext cx="176981" cy="705360"/>
           </a:xfrm>
@@ -4518,9 +4600,9 @@
             <a:gdLst/>
             <a:ahLst/>
             <a:cxnLst/>
-            <a:rect r="r" b="b" t="t" l="l"/>
+            <a:rect l="l" t="t" r="r" b="b"/>
             <a:pathLst>
-              <a:path h="705360" w="176981">
+              <a:path w="176981" h="705360">
                 <a:moveTo>
                   <a:pt x="0" y="0"/>
                 </a:moveTo>
@@ -4549,19 +4631,26 @@
               </a:extLst>
             </a:blip>
             <a:stretch>
-              <a:fillRect l="0" t="0" r="0" b="0"/>
+              <a:fillRect/>
             </a:stretch>
           </a:blipFill>
         </p:spPr>
-      </p:sp>
-      <p:sp>
-        <p:nvSpPr>
-          <p:cNvPr name="TextBox 4" id="4"/>
-          <p:cNvSpPr txBox="true"/>
+        <p:txBody>
+          <a:bodyPr/>
+          <a:lstStyle/>
+          <a:p>
+            <a:endParaRPr lang="en-IE"/>
+          </a:p>
+        </p:txBody>
+      </p:sp>
+      <p:sp>
+        <p:nvSpPr>
+          <p:cNvPr id="4" name="TextBox 4"/>
+          <p:cNvSpPr txBox="1"/>
           <p:nvPr/>
         </p:nvSpPr>
         <p:spPr>
-          <a:xfrm rot="0">
+          <a:xfrm>
             <a:off x="2036105" y="1884515"/>
             <a:ext cx="4519051" cy="622935"/>
           </a:xfrm>
@@ -4570,7 +4659,7 @@
           </a:prstGeom>
         </p:spPr>
         <p:txBody>
-          <a:bodyPr anchor="t" rtlCol="false" tIns="0" lIns="0" bIns="0" rIns="0">
+          <a:bodyPr lIns="0" tIns="0" rIns="0" bIns="0" rtlCol="0" anchor="t">
             <a:spAutoFit/>
           </a:bodyPr>
           <a:lstStyle/>
@@ -4594,12 +4683,12 @@
       </p:sp>
       <p:sp>
         <p:nvSpPr>
-          <p:cNvPr name="TextBox 5" id="5"/>
-          <p:cNvSpPr txBox="true"/>
+          <p:cNvPr id="5" name="TextBox 5"/>
+          <p:cNvSpPr txBox="1"/>
           <p:nvPr/>
         </p:nvSpPr>
         <p:spPr>
-          <a:xfrm rot="0">
+          <a:xfrm>
             <a:off x="2036105" y="3785644"/>
             <a:ext cx="15223195" cy="3957955"/>
           </a:xfrm>
@@ -4608,7 +4697,7 @@
           </a:prstGeom>
         </p:spPr>
         <p:txBody>
-          <a:bodyPr anchor="t" rtlCol="false" tIns="0" lIns="0" bIns="0" rIns="0">
+          <a:bodyPr lIns="0" tIns="0" rIns="0" bIns="0" rtlCol="0" anchor="t">
             <a:spAutoFit/>
           </a:bodyPr>
           <a:lstStyle/>
@@ -4619,22 +4708,13 @@
               </a:lnSpc>
             </a:pPr>
             <a:r>
-              <a:rPr lang="en-US" sz="2799">
+              <a:rPr lang="en-US" sz="2799" dirty="0">
                 <a:solidFill>
                   <a:srgbClr val="000000"/>
                 </a:solidFill>
                 <a:latin typeface="Lato"/>
               </a:rPr>
-              <a:t>We sourced our dataset from Kaggle, which contains detailed measurements related to water qua</a:t>
-            </a:r>
-            <a:r>
-              <a:rPr lang="en-US" sz="2799">
-                <a:solidFill>
-                  <a:srgbClr val="000000"/>
-                </a:solidFill>
-                <a:latin typeface="Lato"/>
-              </a:rPr>
-              <a:t>lity and portability.</a:t>
+              <a:t>We sourced our dataset from Kaggle, which contains detailed measurements related to water quality and potability.</a:t>
             </a:r>
           </a:p>
           <a:p>
@@ -4643,6 +4723,12 @@
                 <a:spcPts val="3919"/>
               </a:lnSpc>
             </a:pPr>
+            <a:endParaRPr lang="en-US" sz="2799" dirty="0">
+              <a:solidFill>
+                <a:srgbClr val="000000"/>
+              </a:solidFill>
+              <a:latin typeface="Lato"/>
+            </a:endParaRPr>
           </a:p>
           <a:p>
             <a:pPr>
@@ -4651,7 +4737,7 @@
               </a:lnSpc>
             </a:pPr>
             <a:r>
-              <a:rPr lang="en-US" sz="2799">
+              <a:rPr lang="en-US" sz="2799" dirty="0">
                 <a:solidFill>
                   <a:srgbClr val="000000"/>
                 </a:solidFill>
@@ -4666,6 +4752,12 @@
                 <a:spcPts val="3919"/>
               </a:lnSpc>
             </a:pPr>
+            <a:endParaRPr lang="en-US" sz="2799" dirty="0">
+              <a:solidFill>
+                <a:srgbClr val="000000"/>
+              </a:solidFill>
+              <a:latin typeface="Lato"/>
+            </a:endParaRPr>
           </a:p>
           <a:p>
             <a:pPr>
@@ -4674,7 +4766,7 @@
               </a:lnSpc>
             </a:pPr>
             <a:r>
-              <a:rPr lang="en-US" sz="2799">
+              <a:rPr lang="en-US" sz="2799" dirty="0">
                 <a:solidFill>
                   <a:srgbClr val="000000"/>
                 </a:solidFill>
@@ -4694,7 +4786,7 @@
 </file>
 
 <file path=ppt/slides/slide5.xml><?xml version="1.0" encoding="utf-8"?>
-<p:sld xmlns:p="http://schemas.openxmlformats.org/presentationml/2006/main" xmlns:a="http://schemas.openxmlformats.org/drawingml/2006/main" xmlns:r="http://schemas.openxmlformats.org/officeDocument/2006/relationships">
+<p:sld xmlns:a="http://schemas.openxmlformats.org/drawingml/2006/main" xmlns:r="http://schemas.openxmlformats.org/officeDocument/2006/relationships" xmlns:p="http://schemas.openxmlformats.org/presentationml/2006/main">
   <p:cSld>
     <p:spTree>
       <p:nvGrpSpPr>
@@ -4712,36 +4804,43 @@
       </p:grpSpPr>
       <p:sp>
         <p:nvSpPr>
-          <p:cNvPr name="AutoShape 2" id="2"/>
+          <p:cNvPr id="2" name="AutoShape 2"/>
           <p:cNvSpPr/>
           <p:nvPr/>
         </p:nvSpPr>
         <p:spPr>
-          <a:xfrm flipV="true">
+          <a:xfrm flipV="1">
             <a:off x="648895" y="9682200"/>
             <a:ext cx="651081" cy="4762"/>
           </a:xfrm>
           <a:prstGeom prst="line">
             <a:avLst/>
           </a:prstGeom>
-          <a:ln cap="flat" w="19050">
+          <a:ln w="19050" cap="flat">
             <a:solidFill>
               <a:srgbClr val="00A79D"/>
             </a:solidFill>
             <a:prstDash val="solid"/>
-            <a:headEnd type="none" len="sm" w="sm"/>
-            <a:tailEnd type="triangle" len="med" w="lg"/>
+            <a:headEnd type="none" w="sm" len="sm"/>
+            <a:tailEnd type="triangle" w="lg" len="med"/>
           </a:ln>
         </p:spPr>
-      </p:sp>
-      <p:sp>
-        <p:nvSpPr>
-          <p:cNvPr name="Freeform 3" id="3"/>
+        <p:txBody>
+          <a:bodyPr/>
+          <a:lstStyle/>
+          <a:p>
+            <a:endParaRPr lang="en-IE"/>
+          </a:p>
+        </p:txBody>
+      </p:sp>
+      <p:sp>
+        <p:nvSpPr>
+          <p:cNvPr id="3" name="Freeform 3"/>
           <p:cNvSpPr/>
           <p:nvPr/>
         </p:nvSpPr>
         <p:spPr>
-          <a:xfrm flipH="false" flipV="false" rot="5400000">
+          <a:xfrm rot="5400000">
             <a:off x="1292890" y="764510"/>
             <a:ext cx="176981" cy="705360"/>
           </a:xfrm>
@@ -4750,9 +4849,9 @@
             <a:gdLst/>
             <a:ahLst/>
             <a:cxnLst/>
-            <a:rect r="r" b="b" t="t" l="l"/>
+            <a:rect l="l" t="t" r="r" b="b"/>
             <a:pathLst>
-              <a:path h="705360" w="176981">
+              <a:path w="176981" h="705360">
                 <a:moveTo>
                   <a:pt x="0" y="0"/>
                 </a:moveTo>
@@ -4781,19 +4880,26 @@
               </a:extLst>
             </a:blip>
             <a:stretch>
-              <a:fillRect l="0" t="0" r="0" b="0"/>
+              <a:fillRect/>
             </a:stretch>
           </a:blipFill>
         </p:spPr>
-      </p:sp>
-      <p:sp>
-        <p:nvSpPr>
-          <p:cNvPr name="TextBox 4" id="4"/>
-          <p:cNvSpPr txBox="true"/>
+        <p:txBody>
+          <a:bodyPr/>
+          <a:lstStyle/>
+          <a:p>
+            <a:endParaRPr lang="en-IE"/>
+          </a:p>
+        </p:txBody>
+      </p:sp>
+      <p:sp>
+        <p:nvSpPr>
+          <p:cNvPr id="4" name="TextBox 4"/>
+          <p:cNvSpPr txBox="1"/>
           <p:nvPr/>
         </p:nvSpPr>
         <p:spPr>
-          <a:xfrm rot="0">
+          <a:xfrm>
             <a:off x="2036105" y="1884515"/>
             <a:ext cx="4519051" cy="622935"/>
           </a:xfrm>
@@ -4802,7 +4908,7 @@
           </a:prstGeom>
         </p:spPr>
         <p:txBody>
-          <a:bodyPr anchor="t" rtlCol="false" tIns="0" lIns="0" bIns="0" rIns="0">
+          <a:bodyPr lIns="0" tIns="0" rIns="0" bIns="0" rtlCol="0" anchor="t">
             <a:spAutoFit/>
           </a:bodyPr>
           <a:lstStyle/>
@@ -4826,12 +4932,12 @@
       </p:sp>
       <p:sp>
         <p:nvSpPr>
-          <p:cNvPr name="TextBox 5" id="5"/>
-          <p:cNvSpPr txBox="true"/>
+          <p:cNvPr id="5" name="TextBox 5"/>
+          <p:cNvSpPr txBox="1"/>
           <p:nvPr/>
         </p:nvSpPr>
         <p:spPr>
-          <a:xfrm rot="0">
+          <a:xfrm>
             <a:off x="2036105" y="3785644"/>
             <a:ext cx="15223195" cy="3957955"/>
           </a:xfrm>
@@ -4840,7 +4946,7 @@
           </a:prstGeom>
         </p:spPr>
         <p:txBody>
-          <a:bodyPr anchor="t" rtlCol="false" tIns="0" lIns="0" bIns="0" rIns="0">
+          <a:bodyPr lIns="0" tIns="0" rIns="0" bIns="0" rtlCol="0" anchor="t">
             <a:spAutoFit/>
           </a:bodyPr>
           <a:lstStyle/>
@@ -4857,16 +4963,7 @@
                 </a:solidFill>
                 <a:latin typeface="Lato"/>
               </a:rPr>
-              <a:t>Our analytical approach encompasses several key phases: data</a:t>
-            </a:r>
-            <a:r>
-              <a:rPr lang="en-US" sz="2799">
-                <a:solidFill>
-                  <a:srgbClr val="000000"/>
-                </a:solidFill>
-                <a:latin typeface="Lato"/>
-              </a:rPr>
-              <a:t> preprocessing, exploratory analysis, model training, and evaluation.</a:t>
+              <a:t>Our analytical approach encompasses several key phases: data preprocessing, exploratory analysis, model training, and evaluation.</a:t>
             </a:r>
           </a:p>
           <a:p>
@@ -4875,6 +4972,12 @@
                 <a:spcPts val="3919"/>
               </a:lnSpc>
             </a:pPr>
+            <a:endParaRPr lang="en-US" sz="2799">
+              <a:solidFill>
+                <a:srgbClr val="000000"/>
+              </a:solidFill>
+              <a:latin typeface="Lato"/>
+            </a:endParaRPr>
           </a:p>
           <a:p>
             <a:pPr>
@@ -4898,6 +5001,12 @@
                 <a:spcPts val="3919"/>
               </a:lnSpc>
             </a:pPr>
+            <a:endParaRPr lang="en-US" sz="2799">
+              <a:solidFill>
+                <a:srgbClr val="000000"/>
+              </a:solidFill>
+              <a:latin typeface="Lato"/>
+            </a:endParaRPr>
           </a:p>
           <a:p>
             <a:pPr>
@@ -4926,7 +5035,7 @@
 </file>
 
 <file path=ppt/slides/slide6.xml><?xml version="1.0" encoding="utf-8"?>
-<p:sld xmlns:p="http://schemas.openxmlformats.org/presentationml/2006/main" xmlns:a="http://schemas.openxmlformats.org/drawingml/2006/main" xmlns:r="http://schemas.openxmlformats.org/officeDocument/2006/relationships">
+<p:sld xmlns:a="http://schemas.openxmlformats.org/drawingml/2006/main" xmlns:r="http://schemas.openxmlformats.org/officeDocument/2006/relationships" xmlns:p="http://schemas.openxmlformats.org/presentationml/2006/main">
   <p:cSld>
     <p:spTree>
       <p:nvGrpSpPr>
@@ -4944,36 +5053,43 @@
       </p:grpSpPr>
       <p:sp>
         <p:nvSpPr>
-          <p:cNvPr name="AutoShape 2" id="2"/>
+          <p:cNvPr id="2" name="AutoShape 2"/>
           <p:cNvSpPr/>
           <p:nvPr/>
         </p:nvSpPr>
         <p:spPr>
-          <a:xfrm flipV="true">
+          <a:xfrm flipV="1">
             <a:off x="648895" y="9682200"/>
             <a:ext cx="651081" cy="4762"/>
           </a:xfrm>
           <a:prstGeom prst="line">
             <a:avLst/>
           </a:prstGeom>
-          <a:ln cap="flat" w="19050">
+          <a:ln w="19050" cap="flat">
             <a:solidFill>
               <a:srgbClr val="00A79D"/>
             </a:solidFill>
             <a:prstDash val="solid"/>
-            <a:headEnd type="none" len="sm" w="sm"/>
-            <a:tailEnd type="triangle" len="med" w="lg"/>
+            <a:headEnd type="none" w="sm" len="sm"/>
+            <a:tailEnd type="triangle" w="lg" len="med"/>
           </a:ln>
         </p:spPr>
-      </p:sp>
-      <p:sp>
-        <p:nvSpPr>
-          <p:cNvPr name="Freeform 3" id="3"/>
+        <p:txBody>
+          <a:bodyPr/>
+          <a:lstStyle/>
+          <a:p>
+            <a:endParaRPr lang="en-IE"/>
+          </a:p>
+        </p:txBody>
+      </p:sp>
+      <p:sp>
+        <p:nvSpPr>
+          <p:cNvPr id="3" name="Freeform 3"/>
           <p:cNvSpPr/>
           <p:nvPr/>
         </p:nvSpPr>
         <p:spPr>
-          <a:xfrm flipH="false" flipV="false" rot="5400000">
+          <a:xfrm rot="5400000">
             <a:off x="1292890" y="764510"/>
             <a:ext cx="176981" cy="705360"/>
           </a:xfrm>
@@ -4982,9 +5098,9 @@
             <a:gdLst/>
             <a:ahLst/>
             <a:cxnLst/>
-            <a:rect r="r" b="b" t="t" l="l"/>
+            <a:rect l="l" t="t" r="r" b="b"/>
             <a:pathLst>
-              <a:path h="705360" w="176981">
+              <a:path w="176981" h="705360">
                 <a:moveTo>
                   <a:pt x="0" y="0"/>
                 </a:moveTo>
@@ -5013,19 +5129,26 @@
               </a:extLst>
             </a:blip>
             <a:stretch>
-              <a:fillRect l="0" t="0" r="0" b="0"/>
+              <a:fillRect/>
             </a:stretch>
           </a:blipFill>
         </p:spPr>
-      </p:sp>
-      <p:sp>
-        <p:nvSpPr>
-          <p:cNvPr name="TextBox 4" id="4"/>
-          <p:cNvSpPr txBox="true"/>
+        <p:txBody>
+          <a:bodyPr/>
+          <a:lstStyle/>
+          <a:p>
+            <a:endParaRPr lang="en-IE"/>
+          </a:p>
+        </p:txBody>
+      </p:sp>
+      <p:sp>
+        <p:nvSpPr>
+          <p:cNvPr id="4" name="TextBox 4"/>
+          <p:cNvSpPr txBox="1"/>
           <p:nvPr/>
         </p:nvSpPr>
         <p:spPr>
-          <a:xfrm rot="0">
+          <a:xfrm>
             <a:off x="2036105" y="1884515"/>
             <a:ext cx="6670580" cy="622935"/>
           </a:xfrm>
@@ -5034,7 +5157,7 @@
           </a:prstGeom>
         </p:spPr>
         <p:txBody>
-          <a:bodyPr anchor="t" rtlCol="false" tIns="0" lIns="0" bIns="0" rIns="0">
+          <a:bodyPr lIns="0" tIns="0" rIns="0" bIns="0" rtlCol="0" anchor="t">
             <a:spAutoFit/>
           </a:bodyPr>
           <a:lstStyle/>
@@ -5058,12 +5181,12 @@
       </p:sp>
       <p:sp>
         <p:nvSpPr>
-          <p:cNvPr name="TextBox 5" id="5"/>
-          <p:cNvSpPr txBox="true"/>
+          <p:cNvPr id="5" name="TextBox 5"/>
+          <p:cNvSpPr txBox="1"/>
           <p:nvPr/>
         </p:nvSpPr>
         <p:spPr>
-          <a:xfrm rot="0">
+          <a:xfrm>
             <a:off x="2036105" y="3785644"/>
             <a:ext cx="15223195" cy="3957955"/>
           </a:xfrm>
@@ -5072,7 +5195,7 @@
           </a:prstGeom>
         </p:spPr>
         <p:txBody>
-          <a:bodyPr anchor="t" rtlCol="false" tIns="0" lIns="0" bIns="0" rIns="0">
+          <a:bodyPr lIns="0" tIns="0" rIns="0" bIns="0" rtlCol="0" anchor="t">
             <a:spAutoFit/>
           </a:bodyPr>
           <a:lstStyle/>
@@ -5089,16 +5212,7 @@
                 </a:solidFill>
                 <a:latin typeface="Lato"/>
               </a:rPr>
-              <a:t>Data cleaning involved</a:t>
-            </a:r>
-            <a:r>
-              <a:rPr lang="en-US" sz="2799">
-                <a:solidFill>
-                  <a:srgbClr val="000000"/>
-                </a:solidFill>
-                <a:latin typeface="Lato"/>
-              </a:rPr>
-              <a:t> removing or imputing missing values to maintain dataset consistency and reliability.</a:t>
+              <a:t>Data cleaning involved removing or imputing missing values to maintain dataset consistency and reliability.</a:t>
             </a:r>
           </a:p>
           <a:p>
@@ -5107,6 +5221,12 @@
                 <a:spcPts val="3919"/>
               </a:lnSpc>
             </a:pPr>
+            <a:endParaRPr lang="en-US" sz="2799">
+              <a:solidFill>
+                <a:srgbClr val="000000"/>
+              </a:solidFill>
+              <a:latin typeface="Lato"/>
+            </a:endParaRPr>
           </a:p>
           <a:p>
             <a:pPr>
@@ -5130,6 +5250,12 @@
                 <a:spcPts val="3919"/>
               </a:lnSpc>
             </a:pPr>
+            <a:endParaRPr lang="en-US" sz="2799">
+              <a:solidFill>
+                <a:srgbClr val="000000"/>
+              </a:solidFill>
+              <a:latin typeface="Lato"/>
+            </a:endParaRPr>
           </a:p>
           <a:p>
             <a:pPr>
@@ -5158,7 +5284,7 @@
 </file>
 
 <file path=ppt/slides/slide7.xml><?xml version="1.0" encoding="utf-8"?>
-<p:sld xmlns:p="http://schemas.openxmlformats.org/presentationml/2006/main" xmlns:a="http://schemas.openxmlformats.org/drawingml/2006/main" xmlns:r="http://schemas.openxmlformats.org/officeDocument/2006/relationships">
+<p:sld xmlns:a="http://schemas.openxmlformats.org/drawingml/2006/main" xmlns:r="http://schemas.openxmlformats.org/officeDocument/2006/relationships" xmlns:p="http://schemas.openxmlformats.org/presentationml/2006/main">
   <p:cSld>
     <p:spTree>
       <p:nvGrpSpPr>
@@ -5176,36 +5302,43 @@
       </p:grpSpPr>
       <p:sp>
         <p:nvSpPr>
-          <p:cNvPr name="AutoShape 2" id="2"/>
+          <p:cNvPr id="2" name="AutoShape 2"/>
           <p:cNvSpPr/>
           <p:nvPr/>
         </p:nvSpPr>
         <p:spPr>
-          <a:xfrm flipV="true">
+          <a:xfrm flipV="1">
             <a:off x="648895" y="9682200"/>
             <a:ext cx="651081" cy="4762"/>
           </a:xfrm>
           <a:prstGeom prst="line">
             <a:avLst/>
           </a:prstGeom>
-          <a:ln cap="flat" w="19050">
+          <a:ln w="19050" cap="flat">
             <a:solidFill>
               <a:srgbClr val="00A79D"/>
             </a:solidFill>
             <a:prstDash val="solid"/>
-            <a:headEnd type="none" len="sm" w="sm"/>
-            <a:tailEnd type="triangle" len="med" w="lg"/>
+            <a:headEnd type="none" w="sm" len="sm"/>
+            <a:tailEnd type="triangle" w="lg" len="med"/>
           </a:ln>
         </p:spPr>
-      </p:sp>
-      <p:sp>
-        <p:nvSpPr>
-          <p:cNvPr name="Freeform 3" id="3"/>
+        <p:txBody>
+          <a:bodyPr/>
+          <a:lstStyle/>
+          <a:p>
+            <a:endParaRPr lang="en-IE"/>
+          </a:p>
+        </p:txBody>
+      </p:sp>
+      <p:sp>
+        <p:nvSpPr>
+          <p:cNvPr id="3" name="Freeform 3"/>
           <p:cNvSpPr/>
           <p:nvPr/>
         </p:nvSpPr>
         <p:spPr>
-          <a:xfrm flipH="false" flipV="false" rot="5400000">
+          <a:xfrm rot="5400000">
             <a:off x="1292890" y="764510"/>
             <a:ext cx="176981" cy="705360"/>
           </a:xfrm>
@@ -5214,9 +5347,9 @@
             <a:gdLst/>
             <a:ahLst/>
             <a:cxnLst/>
-            <a:rect r="r" b="b" t="t" l="l"/>
+            <a:rect l="l" t="t" r="r" b="b"/>
             <a:pathLst>
-              <a:path h="705360" w="176981">
+              <a:path w="176981" h="705360">
                 <a:moveTo>
                   <a:pt x="0" y="0"/>
                 </a:moveTo>
@@ -5245,19 +5378,26 @@
               </a:extLst>
             </a:blip>
             <a:stretch>
-              <a:fillRect l="0" t="0" r="0" b="0"/>
+              <a:fillRect/>
             </a:stretch>
           </a:blipFill>
         </p:spPr>
-      </p:sp>
-      <p:sp>
-        <p:nvSpPr>
-          <p:cNvPr name="TextBox 4" id="4"/>
-          <p:cNvSpPr txBox="true"/>
+        <p:txBody>
+          <a:bodyPr/>
+          <a:lstStyle/>
+          <a:p>
+            <a:endParaRPr lang="en-IE"/>
+          </a:p>
+        </p:txBody>
+      </p:sp>
+      <p:sp>
+        <p:nvSpPr>
+          <p:cNvPr id="4" name="TextBox 4"/>
+          <p:cNvSpPr txBox="1"/>
           <p:nvPr/>
         </p:nvSpPr>
         <p:spPr>
-          <a:xfrm rot="0">
+          <a:xfrm>
             <a:off x="2036105" y="1884515"/>
             <a:ext cx="6670580" cy="622935"/>
           </a:xfrm>
@@ -5266,7 +5406,7 @@
           </a:prstGeom>
         </p:spPr>
         <p:txBody>
-          <a:bodyPr anchor="t" rtlCol="false" tIns="0" lIns="0" bIns="0" rIns="0">
+          <a:bodyPr lIns="0" tIns="0" rIns="0" bIns="0" rtlCol="0" anchor="t">
             <a:spAutoFit/>
           </a:bodyPr>
           <a:lstStyle/>
@@ -5290,12 +5430,12 @@
       </p:sp>
       <p:sp>
         <p:nvSpPr>
-          <p:cNvPr name="TextBox 5" id="5"/>
-          <p:cNvSpPr txBox="true"/>
+          <p:cNvPr id="5" name="TextBox 5"/>
+          <p:cNvSpPr txBox="1"/>
           <p:nvPr/>
         </p:nvSpPr>
         <p:spPr>
-          <a:xfrm rot="0">
+          <a:xfrm>
             <a:off x="2036105" y="3785644"/>
             <a:ext cx="15223195" cy="3957955"/>
           </a:xfrm>
@@ -5304,7 +5444,7 @@
           </a:prstGeom>
         </p:spPr>
         <p:txBody>
-          <a:bodyPr anchor="t" rtlCol="false" tIns="0" lIns="0" bIns="0" rIns="0">
+          <a:bodyPr lIns="0" tIns="0" rIns="0" bIns="0" rtlCol="0" anchor="t">
             <a:spAutoFit/>
           </a:bodyPr>
           <a:lstStyle/>
@@ -5321,16 +5461,7 @@
                 </a:solidFill>
                 <a:latin typeface="Lato"/>
               </a:rPr>
-              <a:t>In our EDA phase, we meticulously</a:t>
-            </a:r>
-            <a:r>
-              <a:rPr lang="en-US" sz="2799">
-                <a:solidFill>
-                  <a:srgbClr val="000000"/>
-                </a:solidFill>
-                <a:latin typeface="Lato"/>
-              </a:rPr>
-              <a:t> examined the distribution and correlation of water quality parameters.</a:t>
+              <a:t>In our EDA phase, we meticulously examined the distribution and correlation of water quality parameters.</a:t>
             </a:r>
           </a:p>
           <a:p>
@@ -5339,6 +5470,12 @@
                 <a:spcPts val="3919"/>
               </a:lnSpc>
             </a:pPr>
+            <a:endParaRPr lang="en-US" sz="2799">
+              <a:solidFill>
+                <a:srgbClr val="000000"/>
+              </a:solidFill>
+              <a:latin typeface="Lato"/>
+            </a:endParaRPr>
           </a:p>
           <a:p>
             <a:pPr>
@@ -5362,6 +5499,12 @@
                 <a:spcPts val="3919"/>
               </a:lnSpc>
             </a:pPr>
+            <a:endParaRPr lang="en-US" sz="2799">
+              <a:solidFill>
+                <a:srgbClr val="000000"/>
+              </a:solidFill>
+              <a:latin typeface="Lato"/>
+            </a:endParaRPr>
           </a:p>
           <a:p>
             <a:pPr>
@@ -5376,16 +5519,7 @@
                 </a:solidFill>
                 <a:latin typeface="Lato"/>
               </a:rPr>
-              <a:t>Visu</a:t>
-            </a:r>
-            <a:r>
-              <a:rPr lang="en-US" sz="2799">
-                <a:solidFill>
-                  <a:srgbClr val="000000"/>
-                </a:solidFill>
-                <a:latin typeface="Lato"/>
-              </a:rPr>
-              <a:t>alization tools like histograms, scatter plots, and box plots were employed to provide a clear graphical representation of our findings.</a:t>
+              <a:t>Visualization tools like histograms, scatter plots, and box plots were employed to provide a clear graphical representation of our findings.</a:t>
             </a:r>
           </a:p>
         </p:txBody>
@@ -5399,7 +5533,7 @@
 </file>
 
 <file path=ppt/slides/slide8.xml><?xml version="1.0" encoding="utf-8"?>
-<p:sld xmlns:p="http://schemas.openxmlformats.org/presentationml/2006/main" xmlns:a="http://schemas.openxmlformats.org/drawingml/2006/main" xmlns:r="http://schemas.openxmlformats.org/officeDocument/2006/relationships">
+<p:sld xmlns:a="http://schemas.openxmlformats.org/drawingml/2006/main" xmlns:r="http://schemas.openxmlformats.org/officeDocument/2006/relationships" xmlns:p="http://schemas.openxmlformats.org/presentationml/2006/main">
   <p:cSld>
     <p:spTree>
       <p:nvGrpSpPr>
@@ -5417,36 +5551,43 @@
       </p:grpSpPr>
       <p:sp>
         <p:nvSpPr>
-          <p:cNvPr name="AutoShape 2" id="2"/>
+          <p:cNvPr id="2" name="AutoShape 2"/>
           <p:cNvSpPr/>
           <p:nvPr/>
         </p:nvSpPr>
         <p:spPr>
-          <a:xfrm flipV="true">
+          <a:xfrm flipV="1">
             <a:off x="648895" y="9682200"/>
             <a:ext cx="651081" cy="4762"/>
           </a:xfrm>
           <a:prstGeom prst="line">
             <a:avLst/>
           </a:prstGeom>
-          <a:ln cap="flat" w="19050">
+          <a:ln w="19050" cap="flat">
             <a:solidFill>
               <a:srgbClr val="00A79D"/>
             </a:solidFill>
             <a:prstDash val="solid"/>
-            <a:headEnd type="none" len="sm" w="sm"/>
-            <a:tailEnd type="triangle" len="med" w="lg"/>
+            <a:headEnd type="none" w="sm" len="sm"/>
+            <a:tailEnd type="triangle" w="lg" len="med"/>
           </a:ln>
         </p:spPr>
-      </p:sp>
-      <p:sp>
-        <p:nvSpPr>
-          <p:cNvPr name="Freeform 3" id="3"/>
+        <p:txBody>
+          <a:bodyPr/>
+          <a:lstStyle/>
+          <a:p>
+            <a:endParaRPr lang="en-IE"/>
+          </a:p>
+        </p:txBody>
+      </p:sp>
+      <p:sp>
+        <p:nvSpPr>
+          <p:cNvPr id="3" name="Freeform 3"/>
           <p:cNvSpPr/>
           <p:nvPr/>
         </p:nvSpPr>
         <p:spPr>
-          <a:xfrm flipH="false" flipV="false" rot="5400000">
+          <a:xfrm rot="5400000">
             <a:off x="1292890" y="764510"/>
             <a:ext cx="176981" cy="705360"/>
           </a:xfrm>
@@ -5455,9 +5596,9 @@
             <a:gdLst/>
             <a:ahLst/>
             <a:cxnLst/>
-            <a:rect r="r" b="b" t="t" l="l"/>
+            <a:rect l="l" t="t" r="r" b="b"/>
             <a:pathLst>
-              <a:path h="705360" w="176981">
+              <a:path w="176981" h="705360">
                 <a:moveTo>
                   <a:pt x="0" y="0"/>
                 </a:moveTo>
@@ -5486,19 +5627,26 @@
               </a:extLst>
             </a:blip>
             <a:stretch>
-              <a:fillRect l="0" t="0" r="0" b="0"/>
+              <a:fillRect/>
             </a:stretch>
           </a:blipFill>
         </p:spPr>
-      </p:sp>
-      <p:sp>
-        <p:nvSpPr>
-          <p:cNvPr name="TextBox 4" id="4"/>
-          <p:cNvSpPr txBox="true"/>
+        <p:txBody>
+          <a:bodyPr/>
+          <a:lstStyle/>
+          <a:p>
+            <a:endParaRPr lang="en-IE"/>
+          </a:p>
+        </p:txBody>
+      </p:sp>
+      <p:sp>
+        <p:nvSpPr>
+          <p:cNvPr id="4" name="TextBox 4"/>
+          <p:cNvSpPr txBox="1"/>
           <p:nvPr/>
         </p:nvSpPr>
         <p:spPr>
-          <a:xfrm rot="0">
+          <a:xfrm>
             <a:off x="2036105" y="1884515"/>
             <a:ext cx="6670580" cy="622935"/>
           </a:xfrm>
@@ -5507,7 +5655,7 @@
           </a:prstGeom>
         </p:spPr>
         <p:txBody>
-          <a:bodyPr anchor="t" rtlCol="false" tIns="0" lIns="0" bIns="0" rIns="0">
+          <a:bodyPr lIns="0" tIns="0" rIns="0" bIns="0" rtlCol="0" anchor="t">
             <a:spAutoFit/>
           </a:bodyPr>
           <a:lstStyle/>
@@ -5531,12 +5679,12 @@
       </p:sp>
       <p:sp>
         <p:nvSpPr>
-          <p:cNvPr name="TextBox 5" id="5"/>
-          <p:cNvSpPr txBox="true"/>
+          <p:cNvPr id="5" name="TextBox 5"/>
+          <p:cNvSpPr txBox="1"/>
           <p:nvPr/>
         </p:nvSpPr>
         <p:spPr>
-          <a:xfrm rot="0">
+          <a:xfrm>
             <a:off x="2036105" y="3785644"/>
             <a:ext cx="15223195" cy="4453255"/>
           </a:xfrm>
@@ -5545,7 +5693,7 @@
           </a:prstGeom>
         </p:spPr>
         <p:txBody>
-          <a:bodyPr anchor="t" rtlCol="false" tIns="0" lIns="0" bIns="0" rIns="0">
+          <a:bodyPr lIns="0" tIns="0" rIns="0" bIns="0" rtlCol="0" anchor="t">
             <a:spAutoFit/>
           </a:bodyPr>
           <a:lstStyle/>
@@ -5562,16 +5710,7 @@
                 </a:solidFill>
                 <a:latin typeface="Lato"/>
               </a:rPr>
-              <a:t>We evaluated several machine learning models, includ</a:t>
-            </a:r>
-            <a:r>
-              <a:rPr lang="en-US" sz="2799">
-                <a:solidFill>
-                  <a:srgbClr val="000000"/>
-                </a:solidFill>
-                <a:latin typeface="Lato"/>
-              </a:rPr>
-              <a:t>ing Decision Trees, SVM, and Random Forest, for their efficacy in predicting portability.</a:t>
+              <a:t>We evaluated several machine learning models, including Decision Trees, SVM, and Random Forest, for their efficacy in predicting portability.</a:t>
             </a:r>
           </a:p>
           <a:p>
@@ -5580,6 +5719,12 @@
                 <a:spcPts val="3919"/>
               </a:lnSpc>
             </a:pPr>
+            <a:endParaRPr lang="en-US" sz="2799">
+              <a:solidFill>
+                <a:srgbClr val="000000"/>
+              </a:solidFill>
+              <a:latin typeface="Lato"/>
+            </a:endParaRPr>
           </a:p>
           <a:p>
             <a:pPr>
@@ -5603,6 +5748,12 @@
                 <a:spcPts val="3919"/>
               </a:lnSpc>
             </a:pPr>
+            <a:endParaRPr lang="en-US" sz="2799">
+              <a:solidFill>
+                <a:srgbClr val="000000"/>
+              </a:solidFill>
+              <a:latin typeface="Lato"/>
+            </a:endParaRPr>
           </a:p>
           <a:p>
             <a:pPr>
@@ -5617,25 +5768,7 @@
                 </a:solidFill>
                 <a:latin typeface="Lato"/>
               </a:rPr>
-              <a:t>The models were rigorously tested aga</a:t>
-            </a:r>
-            <a:r>
-              <a:rPr lang="en-US" sz="2799">
-                <a:solidFill>
-                  <a:srgbClr val="000000"/>
-                </a:solidFill>
-                <a:latin typeface="Lato"/>
-              </a:rPr>
-              <a:t>inst a v</a:t>
-            </a:r>
-            <a:r>
-              <a:rPr lang="en-US" sz="2799">
-                <a:solidFill>
-                  <a:srgbClr val="000000"/>
-                </a:solidFill>
-                <a:latin typeface="Lato"/>
-              </a:rPr>
-              <a:t>alidation set to determine their generalization capability in unseen data scenarios.</a:t>
+              <a:t>The models were rigorously tested against a validation set to determine their generalization capability in unseen data scenarios.</a:t>
             </a:r>
           </a:p>
           <a:p>
@@ -5644,6 +5777,12 @@
                 <a:spcPts val="3919"/>
               </a:lnSpc>
             </a:pPr>
+            <a:endParaRPr lang="en-US" sz="2799">
+              <a:solidFill>
+                <a:srgbClr val="000000"/>
+              </a:solidFill>
+              <a:latin typeface="Lato"/>
+            </a:endParaRPr>
           </a:p>
         </p:txBody>
       </p:sp>
@@ -5656,7 +5795,7 @@
 </file>
 
 <file path=ppt/slides/slide9.xml><?xml version="1.0" encoding="utf-8"?>
-<p:sld xmlns:p="http://schemas.openxmlformats.org/presentationml/2006/main" xmlns:a="http://schemas.openxmlformats.org/drawingml/2006/main" xmlns:r="http://schemas.openxmlformats.org/officeDocument/2006/relationships">
+<p:sld xmlns:a="http://schemas.openxmlformats.org/drawingml/2006/main" xmlns:r="http://schemas.openxmlformats.org/officeDocument/2006/relationships" xmlns:p="http://schemas.openxmlformats.org/presentationml/2006/main">
   <p:cSld>
     <p:spTree>
       <p:nvGrpSpPr>
@@ -5674,36 +5813,43 @@
       </p:grpSpPr>
       <p:sp>
         <p:nvSpPr>
-          <p:cNvPr name="AutoShape 2" id="2"/>
+          <p:cNvPr id="2" name="AutoShape 2"/>
           <p:cNvSpPr/>
           <p:nvPr/>
         </p:nvSpPr>
         <p:spPr>
-          <a:xfrm flipV="true">
+          <a:xfrm flipV="1">
             <a:off x="648895" y="9682200"/>
             <a:ext cx="651081" cy="4762"/>
           </a:xfrm>
           <a:prstGeom prst="line">
             <a:avLst/>
           </a:prstGeom>
-          <a:ln cap="flat" w="19050">
+          <a:ln w="19050" cap="flat">
             <a:solidFill>
               <a:srgbClr val="00A79D"/>
             </a:solidFill>
             <a:prstDash val="solid"/>
-            <a:headEnd type="none" len="sm" w="sm"/>
-            <a:tailEnd type="triangle" len="med" w="lg"/>
+            <a:headEnd type="none" w="sm" len="sm"/>
+            <a:tailEnd type="triangle" w="lg" len="med"/>
           </a:ln>
         </p:spPr>
-      </p:sp>
-      <p:sp>
-        <p:nvSpPr>
-          <p:cNvPr name="Freeform 3" id="3"/>
+        <p:txBody>
+          <a:bodyPr/>
+          <a:lstStyle/>
+          <a:p>
+            <a:endParaRPr lang="en-IE"/>
+          </a:p>
+        </p:txBody>
+      </p:sp>
+      <p:sp>
+        <p:nvSpPr>
+          <p:cNvPr id="3" name="Freeform 3"/>
           <p:cNvSpPr/>
           <p:nvPr/>
         </p:nvSpPr>
         <p:spPr>
-          <a:xfrm flipH="false" flipV="false" rot="5400000">
+          <a:xfrm rot="5400000">
             <a:off x="1292890" y="764510"/>
             <a:ext cx="176981" cy="705360"/>
           </a:xfrm>
@@ -5712,9 +5858,9 @@
             <a:gdLst/>
             <a:ahLst/>
             <a:cxnLst/>
-            <a:rect r="r" b="b" t="t" l="l"/>
+            <a:rect l="l" t="t" r="r" b="b"/>
             <a:pathLst>
-              <a:path h="705360" w="176981">
+              <a:path w="176981" h="705360">
                 <a:moveTo>
                   <a:pt x="0" y="0"/>
                 </a:moveTo>
@@ -5743,19 +5889,26 @@
               </a:extLst>
             </a:blip>
             <a:stretch>
-              <a:fillRect l="0" t="0" r="0" b="0"/>
+              <a:fillRect/>
             </a:stretch>
           </a:blipFill>
         </p:spPr>
-      </p:sp>
-      <p:sp>
-        <p:nvSpPr>
-          <p:cNvPr name="TextBox 4" id="4"/>
-          <p:cNvSpPr txBox="true"/>
+        <p:txBody>
+          <a:bodyPr/>
+          <a:lstStyle/>
+          <a:p>
+            <a:endParaRPr lang="en-IE"/>
+          </a:p>
+        </p:txBody>
+      </p:sp>
+      <p:sp>
+        <p:nvSpPr>
+          <p:cNvPr id="4" name="TextBox 4"/>
+          <p:cNvSpPr txBox="1"/>
           <p:nvPr/>
         </p:nvSpPr>
         <p:spPr>
-          <a:xfrm rot="0">
+          <a:xfrm>
             <a:off x="2036105" y="1884515"/>
             <a:ext cx="6670580" cy="622935"/>
           </a:xfrm>
@@ -5764,7 +5917,7 @@
           </a:prstGeom>
         </p:spPr>
         <p:txBody>
-          <a:bodyPr anchor="t" rtlCol="false" tIns="0" lIns="0" bIns="0" rIns="0">
+          <a:bodyPr lIns="0" tIns="0" rIns="0" bIns="0" rtlCol="0" anchor="t">
             <a:spAutoFit/>
           </a:bodyPr>
           <a:lstStyle/>
@@ -5788,12 +5941,12 @@
       </p:sp>
       <p:sp>
         <p:nvSpPr>
-          <p:cNvPr name="TextBox 5" id="5"/>
-          <p:cNvSpPr txBox="true"/>
+          <p:cNvPr id="5" name="TextBox 5"/>
+          <p:cNvSpPr txBox="1"/>
           <p:nvPr/>
         </p:nvSpPr>
         <p:spPr>
-          <a:xfrm rot="0">
+          <a:xfrm>
             <a:off x="2036105" y="3785644"/>
             <a:ext cx="15223195" cy="3957955"/>
           </a:xfrm>
@@ -5802,7 +5955,7 @@
           </a:prstGeom>
         </p:spPr>
         <p:txBody>
-          <a:bodyPr anchor="t" rtlCol="false" tIns="0" lIns="0" bIns="0" rIns="0">
+          <a:bodyPr lIns="0" tIns="0" rIns="0" bIns="0" rtlCol="0" anchor="t">
             <a:spAutoFit/>
           </a:bodyPr>
           <a:lstStyle/>
@@ -5819,16 +5972,7 @@
                 </a:solidFill>
                 <a:latin typeface="Lato"/>
               </a:rPr>
-              <a:t>Model training involved divid</a:t>
-            </a:r>
-            <a:r>
-              <a:rPr lang="en-US" sz="2799">
-                <a:solidFill>
-                  <a:srgbClr val="000000"/>
-                </a:solidFill>
-                <a:latin typeface="Lato"/>
-              </a:rPr>
-              <a:t>ing the dataset into training and testing subsets to validate the learning and predictive power of our models.</a:t>
+              <a:t>Model training involved dividing the dataset into training and testing subsets to validate the learning and predictive power of our models.</a:t>
             </a:r>
           </a:p>
           <a:p>
@@ -5837,6 +5981,12 @@
                 <a:spcPts val="3919"/>
               </a:lnSpc>
             </a:pPr>
+            <a:endParaRPr lang="en-US" sz="2799">
+              <a:solidFill>
+                <a:srgbClr val="000000"/>
+              </a:solidFill>
+              <a:latin typeface="Lato"/>
+            </a:endParaRPr>
           </a:p>
           <a:p>
             <a:pPr>
@@ -5860,6 +6010,12 @@
                 <a:spcPts val="3919"/>
               </a:lnSpc>
             </a:pPr>
+            <a:endParaRPr lang="en-US" sz="2799">
+              <a:solidFill>
+                <a:srgbClr val="000000"/>
+              </a:solidFill>
+              <a:latin typeface="Lato"/>
+            </a:endParaRPr>
           </a:p>
           <a:p>
             <a:pPr>
@@ -5874,25 +6030,7 @@
                 </a:solidFill>
                 <a:latin typeface="Lato"/>
               </a:rPr>
-              <a:t>The Random Forest model showed superior performance, with an 85% accuracy rate, mak</a:t>
-            </a:r>
-            <a:r>
-              <a:rPr lang="en-US" sz="2799">
-                <a:solidFill>
-                  <a:srgbClr val="000000"/>
-                </a:solidFill>
-                <a:latin typeface="Lato"/>
-              </a:rPr>
-              <a:t>ing </a:t>
-            </a:r>
-            <a:r>
-              <a:rPr lang="en-US" sz="2799">
-                <a:solidFill>
-                  <a:srgbClr val="000000"/>
-                </a:solidFill>
-                <a:latin typeface="Lato"/>
-              </a:rPr>
-              <a:t>it our primary model for water potability prediction.</a:t>
+              <a:t>The Random Forest model showed superior performance, with an 85% accuracy rate, making it our primary model for water potability prediction.</a:t>
             </a:r>
           </a:p>
         </p:txBody>

--- a/Project 4 Presentation.pptx
+++ b/Project 4 Presentation.pptx
@@ -6,32 +6,33 @@
   </p:sldMasterIdLst>
   <p:sldIdLst>
     <p:sldId id="256" r:id="rId2"/>
-    <p:sldId id="257" r:id="rId3"/>
-    <p:sldId id="258" r:id="rId4"/>
-    <p:sldId id="259" r:id="rId5"/>
-    <p:sldId id="260" r:id="rId6"/>
-    <p:sldId id="261" r:id="rId7"/>
-    <p:sldId id="262" r:id="rId8"/>
-    <p:sldId id="263" r:id="rId9"/>
-    <p:sldId id="264" r:id="rId10"/>
-    <p:sldId id="265" r:id="rId11"/>
-    <p:sldId id="266" r:id="rId12"/>
-    <p:sldId id="267" r:id="rId13"/>
+    <p:sldId id="258" r:id="rId3"/>
+    <p:sldId id="259" r:id="rId4"/>
+    <p:sldId id="260" r:id="rId5"/>
+    <p:sldId id="261" r:id="rId6"/>
+    <p:sldId id="262" r:id="rId7"/>
+    <p:sldId id="263" r:id="rId8"/>
+    <p:sldId id="264" r:id="rId9"/>
+    <p:sldId id="265" r:id="rId10"/>
+    <p:sldId id="267" r:id="rId11"/>
   </p:sldIdLst>
   <p:sldSz cx="18288000" cy="10287000"/>
   <p:notesSz cx="6858000" cy="9144000"/>
   <p:embeddedFontLst>
     <p:embeddedFont>
       <p:font typeface="Lato" panose="020F0502020204030203" pitchFamily="34" charset="0"/>
-      <p:regular r:id="rId14"/>
+      <p:regular r:id="rId12"/>
+      <p:bold r:id="rId13"/>
+      <p:italic r:id="rId14"/>
+      <p:boldItalic r:id="rId15"/>
     </p:embeddedFont>
     <p:embeddedFont>
       <p:font typeface="Lato Bold" panose="020F0502020204030203" charset="0"/>
-      <p:regular r:id="rId15"/>
+      <p:regular r:id="rId16"/>
     </p:embeddedFont>
     <p:embeddedFont>
       <p:font typeface="Montserrat Classic Bold" panose="020B0604020202020204" charset="0"/>
-      <p:regular r:id="rId16"/>
+      <p:regular r:id="rId17"/>
     </p:embeddedFont>
   </p:embeddedFontLst>
   <p:defaultTextStyle>
@@ -3137,7 +3138,7 @@
               </a:lnSpc>
             </a:pPr>
             <a:r>
-              <a:rPr lang="en-US" sz="4200">
+              <a:rPr lang="en-US" sz="4200" dirty="0">
                 <a:solidFill>
                   <a:srgbClr val="000000"/>
                 </a:solidFill>
@@ -3406,8 +3407,8 @@
         </p:nvSpPr>
         <p:spPr>
           <a:xfrm>
-            <a:off x="2036105" y="1884515"/>
-            <a:ext cx="6670580" cy="622935"/>
+            <a:off x="1740885" y="1108220"/>
+            <a:ext cx="6670580" cy="1261110"/>
           </a:xfrm>
           <a:prstGeom prst="rect">
             <a:avLst/>
@@ -3425,13 +3426,13 @@
               </a:lnSpc>
             </a:pPr>
             <a:r>
-              <a:rPr lang="en-US" sz="3600">
+              <a:rPr lang="en-US" sz="3600" dirty="0">
                 <a:solidFill>
                   <a:srgbClr val="00A79D"/>
                 </a:solidFill>
                 <a:latin typeface="Lato Bold"/>
               </a:rPr>
-              <a:t>Results and Insights</a:t>
+              <a:t>Conclusion and Recommendations</a:t>
             </a:r>
           </a:p>
         </p:txBody>
@@ -3444,8 +3445,8 @@
         </p:nvSpPr>
         <p:spPr>
           <a:xfrm>
-            <a:off x="2036105" y="3785644"/>
-            <a:ext cx="15223195" cy="3957955"/>
+            <a:off x="1734061" y="2476500"/>
+            <a:ext cx="15223195" cy="6953314"/>
           </a:xfrm>
           <a:prstGeom prst="rect">
             <a:avLst/>
@@ -3463,13 +3464,13 @@
               </a:lnSpc>
             </a:pPr>
             <a:r>
-              <a:rPr lang="en-US" sz="2799">
+              <a:rPr lang="en-US" sz="2799" dirty="0">
                 <a:solidFill>
                   <a:srgbClr val="000000"/>
                 </a:solidFill>
                 <a:latin typeface="Lato"/>
               </a:rPr>
-              <a:t>The analysis revealed that chloramines, pH levels, and hardness are significant predictors of water portability.</a:t>
+              <a:t>We encountered challenges such as data imbalances and missing values, which were mitigated through data cleaning.</a:t>
             </a:r>
           </a:p>
           <a:p>
@@ -3478,7 +3479,7 @@
                 <a:spcPts val="3919"/>
               </a:lnSpc>
             </a:pPr>
-            <a:endParaRPr lang="en-US" sz="2799">
+            <a:endParaRPr lang="en-US" sz="2799" dirty="0">
               <a:solidFill>
                 <a:srgbClr val="000000"/>
               </a:solidFill>
@@ -3492,13 +3493,13 @@
               </a:lnSpc>
             </a:pPr>
             <a:r>
-              <a:rPr lang="en-US" sz="2799">
+              <a:rPr lang="en-US" sz="2799" dirty="0">
                 <a:solidFill>
                   <a:srgbClr val="000000"/>
                 </a:solidFill>
                 <a:latin typeface="Lato"/>
               </a:rPr>
-              <a:t>Our model's performance demonstrates a strong capability to classify water samples based on potability accurately.</a:t>
+              <a:t>The project underscored the importance of comprehensive dataset and the impact of feature selection on model outcomes.</a:t>
             </a:r>
           </a:p>
           <a:p>
@@ -3507,7 +3508,7 @@
                 <a:spcPts val="3919"/>
               </a:lnSpc>
             </a:pPr>
-            <a:endParaRPr lang="en-US" sz="2799">
+            <a:endParaRPr lang="en-US" sz="2799" dirty="0">
               <a:solidFill>
                 <a:srgbClr val="000000"/>
               </a:solidFill>
@@ -3521,13 +3522,71 @@
               </a:lnSpc>
             </a:pPr>
             <a:r>
-              <a:rPr lang="en-US" sz="2799">
+              <a:rPr lang="en-US" sz="2799" dirty="0">
                 <a:solidFill>
                   <a:srgbClr val="000000"/>
                 </a:solidFill>
                 <a:latin typeface="Lato"/>
               </a:rPr>
-              <a:t>These results provide a scientific basis for enhancing water treatment processes and ensuring water quality standards are met.</a:t>
+              <a:t>Our findings confirm the feasibility of using machine learning to predict water potability with high accuracy.</a:t>
+            </a:r>
+          </a:p>
+          <a:p>
+            <a:pPr>
+              <a:lnSpc>
+                <a:spcPts val="3919"/>
+              </a:lnSpc>
+            </a:pPr>
+            <a:endParaRPr lang="en-US" sz="2799" dirty="0">
+              <a:solidFill>
+                <a:srgbClr val="000000"/>
+              </a:solidFill>
+              <a:latin typeface="Lato"/>
+            </a:endParaRPr>
+          </a:p>
+          <a:p>
+            <a:pPr>
+              <a:lnSpc>
+                <a:spcPts val="3919"/>
+              </a:lnSpc>
+            </a:pPr>
+            <a:r>
+              <a:rPr lang="en-US" sz="2799" dirty="0">
+                <a:solidFill>
+                  <a:srgbClr val="000000"/>
+                </a:solidFill>
+                <a:latin typeface="Lato"/>
+              </a:rPr>
+              <a:t>We recommend ongoing monitoring and analysis of water quality parameters to preemptively address potability concerns.</a:t>
+            </a:r>
+          </a:p>
+          <a:p>
+            <a:pPr>
+              <a:lnSpc>
+                <a:spcPts val="3919"/>
+              </a:lnSpc>
+            </a:pPr>
+            <a:endParaRPr lang="en-US" sz="2799" dirty="0">
+              <a:solidFill>
+                <a:srgbClr val="000000"/>
+              </a:solidFill>
+              <a:latin typeface="Lato"/>
+            </a:endParaRPr>
+          </a:p>
+          <a:p>
+            <a:pPr>
+              <a:lnSpc>
+                <a:spcPts val="3919"/>
+              </a:lnSpc>
+            </a:pPr>
+            <a:r>
+              <a:rPr lang="en-US" sz="2799" dirty="0">
+                <a:solidFill>
+                  <a:srgbClr val="000000"/>
+                </a:solidFill>
+                <a:latin typeface="Lato"/>
+              </a:rPr>
+              <a:t>Further research should explore the integration of additional predictive variables and the deployment of real-time water quality monitoring systems.</a:t>
             </a:r>
           </a:p>
         </p:txBody>
@@ -3540,7 +3599,7 @@
 </p:sld>
 </file>
 
-<file path=ppt/slides/slide11.xml><?xml version="1.0" encoding="utf-8"?>
+<file path=ppt/slides/slide2.xml><?xml version="1.0" encoding="utf-8"?>
 <p:sld xmlns:a="http://schemas.openxmlformats.org/drawingml/2006/main" xmlns:r="http://schemas.openxmlformats.org/officeDocument/2006/relationships" xmlns:p="http://schemas.openxmlformats.org/presentationml/2006/main">
   <p:cSld>
     <p:spTree>
@@ -3656,7 +3715,7 @@
         <p:spPr>
           <a:xfrm>
             <a:off x="2036105" y="1884515"/>
-            <a:ext cx="6670580" cy="622935"/>
+            <a:ext cx="3846698" cy="622935"/>
           </a:xfrm>
           <a:prstGeom prst="rect">
             <a:avLst/>
@@ -3680,7 +3739,7 @@
                 </a:solidFill>
                 <a:latin typeface="Lato Bold"/>
               </a:rPr>
-              <a:t>Challenges and Learnings</a:t>
+              <a:t>Project Objectives</a:t>
             </a:r>
           </a:p>
         </p:txBody>
@@ -3712,13 +3771,13 @@
               </a:lnSpc>
             </a:pPr>
             <a:r>
-              <a:rPr lang="en-US" sz="2799">
+              <a:rPr lang="en-US" sz="2799" dirty="0">
                 <a:solidFill>
                   <a:srgbClr val="000000"/>
                 </a:solidFill>
                 <a:latin typeface="Lato"/>
               </a:rPr>
-              <a:t>We encountered challenges such as data imbalances and missing values, which were mitigated through strategic preprocessing methods.</a:t>
+              <a:t>Our primary objective is to conduct a comprehensive analysis of water quality, focusing on its potability status.</a:t>
             </a:r>
           </a:p>
           <a:p>
@@ -3727,7 +3786,7 @@
                 <a:spcPts val="3919"/>
               </a:lnSpc>
             </a:pPr>
-            <a:endParaRPr lang="en-US" sz="2799">
+            <a:endParaRPr lang="en-US" sz="2799" dirty="0">
               <a:solidFill>
                 <a:srgbClr val="000000"/>
               </a:solidFill>
@@ -3741,13 +3800,13 @@
               </a:lnSpc>
             </a:pPr>
             <a:r>
-              <a:rPr lang="en-US" sz="2799">
+              <a:rPr lang="en-US" sz="2799" dirty="0">
                 <a:solidFill>
                   <a:srgbClr val="000000"/>
                 </a:solidFill>
                 <a:latin typeface="Lato"/>
               </a:rPr>
-              <a:t>The project underscored the importance of comprehensive data analysis and the impact of feature selection on model outcomes.</a:t>
+              <a:t>We aim to develop a predictive model using machine learning to accurately classify water samples as potable or not based on their chemical properties.</a:t>
             </a:r>
           </a:p>
           <a:p>
@@ -3756,7 +3815,7 @@
                 <a:spcPts val="3919"/>
               </a:lnSpc>
             </a:pPr>
-            <a:endParaRPr lang="en-US" sz="2799">
+            <a:endParaRPr lang="en-US" sz="2799" dirty="0">
               <a:solidFill>
                 <a:srgbClr val="000000"/>
               </a:solidFill>
@@ -3770,13 +3829,13 @@
               </a:lnSpc>
             </a:pPr>
             <a:r>
-              <a:rPr lang="en-US" sz="2799">
+              <a:rPr lang="en-US" sz="2799" dirty="0">
                 <a:solidFill>
                   <a:srgbClr val="000000"/>
                 </a:solidFill>
                 <a:latin typeface="Lato"/>
               </a:rPr>
-              <a:t>Our learnings include the critical role of data quality in machine learning and the need for continuous model evaluation and adaptation.</a:t>
+              <a:t>The insights gained will aid in improving water purification processes and ensuring public health potability.</a:t>
             </a:r>
           </a:p>
         </p:txBody>
@@ -3789,7 +3848,7 @@
 </p:sld>
 </file>
 
-<file path=ppt/slides/slide12.xml><?xml version="1.0" encoding="utf-8"?>
+<file path=ppt/slides/slide3.xml><?xml version="1.0" encoding="utf-8"?>
 <p:sld xmlns:a="http://schemas.openxmlformats.org/drawingml/2006/main" xmlns:r="http://schemas.openxmlformats.org/officeDocument/2006/relationships" xmlns:p="http://schemas.openxmlformats.org/presentationml/2006/main">
   <p:cSld>
     <p:spTree>
@@ -3905,7 +3964,7 @@
         <p:spPr>
           <a:xfrm>
             <a:off x="2036105" y="1884515"/>
-            <a:ext cx="6670580" cy="1261110"/>
+            <a:ext cx="4519051" cy="622935"/>
           </a:xfrm>
           <a:prstGeom prst="rect">
             <a:avLst/>
@@ -3929,7 +3988,7 @@
                 </a:solidFill>
                 <a:latin typeface="Lato Bold"/>
               </a:rPr>
-              <a:t>Conclusion and Recommendations</a:t>
+              <a:t>Dataset Description</a:t>
             </a:r>
           </a:p>
         </p:txBody>
@@ -3961,13 +4020,13 @@
               </a:lnSpc>
             </a:pPr>
             <a:r>
-              <a:rPr lang="en-US" sz="2799">
+              <a:rPr lang="en-US" sz="2799" dirty="0">
                 <a:solidFill>
                   <a:srgbClr val="000000"/>
                 </a:solidFill>
                 <a:latin typeface="Lato"/>
               </a:rPr>
-              <a:t>Our findings confirm the feasibility of using machine learning to predict water potability with high accuracy.</a:t>
+              <a:t>We sourced our dataset from Kaggle, which contains detailed measurements related to water quality and potability.</a:t>
             </a:r>
           </a:p>
           <a:p>
@@ -3976,7 +4035,7 @@
                 <a:spcPts val="3919"/>
               </a:lnSpc>
             </a:pPr>
-            <a:endParaRPr lang="en-US" sz="2799">
+            <a:endParaRPr lang="en-US" sz="2799" dirty="0">
               <a:solidFill>
                 <a:srgbClr val="000000"/>
               </a:solidFill>
@@ -3990,13 +4049,13 @@
               </a:lnSpc>
             </a:pPr>
             <a:r>
-              <a:rPr lang="en-US" sz="2799">
+              <a:rPr lang="en-US" sz="2799" dirty="0">
                 <a:solidFill>
                   <a:srgbClr val="000000"/>
                 </a:solidFill>
                 <a:latin typeface="Lato"/>
               </a:rPr>
-              <a:t>We recommend ongoing monitoring and analysis of water quality parameters to preemptively address potability concerns.</a:t>
+              <a:t>Key features include pH level, hardness, solids concentration, and other chemical properties critical for assessing water potability.</a:t>
             </a:r>
           </a:p>
           <a:p>
@@ -4005,7 +4064,7 @@
                 <a:spcPts val="3919"/>
               </a:lnSpc>
             </a:pPr>
-            <a:endParaRPr lang="en-US" sz="2799">
+            <a:endParaRPr lang="en-US" sz="2799" dirty="0">
               <a:solidFill>
                 <a:srgbClr val="000000"/>
               </a:solidFill>
@@ -4019,13 +4078,13 @@
               </a:lnSpc>
             </a:pPr>
             <a:r>
-              <a:rPr lang="en-US" sz="2799">
+              <a:rPr lang="en-US" sz="2799" dirty="0">
                 <a:solidFill>
                   <a:srgbClr val="000000"/>
                 </a:solidFill>
                 <a:latin typeface="Lato"/>
               </a:rPr>
-              <a:t>Further research should explore the integration of additional predictive variables and the deployment of real-time water quality monitoring systems.</a:t>
+              <a:t>Each sample in the dataset is labeled for potability, allowing for a clear binary classification task in our analysis.</a:t>
             </a:r>
           </a:p>
         </p:txBody>
@@ -4038,7 +4097,7 @@
 </p:sld>
 </file>
 
-<file path=ppt/slides/slide2.xml><?xml version="1.0" encoding="utf-8"?>
+<file path=ppt/slides/slide4.xml><?xml version="1.0" encoding="utf-8"?>
 <p:sld xmlns:a="http://schemas.openxmlformats.org/drawingml/2006/main" xmlns:r="http://schemas.openxmlformats.org/officeDocument/2006/relationships" xmlns:p="http://schemas.openxmlformats.org/presentationml/2006/main">
   <p:cSld>
     <p:spTree>
@@ -4153,8 +4212,8 @@
         </p:nvSpPr>
         <p:spPr>
           <a:xfrm>
-            <a:off x="2036105" y="1884515"/>
-            <a:ext cx="3846698" cy="622935"/>
+            <a:off x="2036105" y="1485900"/>
+            <a:ext cx="4519051" cy="622935"/>
           </a:xfrm>
           <a:prstGeom prst="rect">
             <a:avLst/>
@@ -4178,7 +4237,7 @@
                 </a:solidFill>
                 <a:latin typeface="Lato Bold"/>
               </a:rPr>
-              <a:t>Project Overview</a:t>
+              <a:t>Methodology</a:t>
             </a:r>
           </a:p>
         </p:txBody>
@@ -4191,8 +4250,8 @@
         </p:nvSpPr>
         <p:spPr>
           <a:xfrm>
-            <a:off x="2036105" y="3785644"/>
-            <a:ext cx="15223195" cy="3462655"/>
+            <a:off x="2036105" y="2476500"/>
+            <a:ext cx="15223195" cy="6953314"/>
           </a:xfrm>
           <a:prstGeom prst="rect">
             <a:avLst/>
@@ -4216,7 +4275,7 @@
                 </a:solidFill>
                 <a:latin typeface="Lato"/>
               </a:rPr>
-              <a:t>This project aims to address the global challenge of ensuring safe drinking water.</a:t>
+              <a:t>Our analytical approach encompasses several key phases: exploratory analysis, database creation, data preprocessing, model training, and evaluation.</a:t>
             </a:r>
           </a:p>
           <a:p>
@@ -4239,13 +4298,13 @@
               </a:lnSpc>
             </a:pPr>
             <a:r>
-              <a:rPr lang="en-US" sz="2799">
+              <a:rPr lang="en-US" sz="2799" dirty="0">
                 <a:solidFill>
                   <a:srgbClr val="000000"/>
                 </a:solidFill>
                 <a:latin typeface="Lato"/>
               </a:rPr>
-              <a:t>Utilizing advanced data analysis techniques, we assess various water quality parameters to determine potability.</a:t>
+              <a:t>Through exploratory data analysis, we delved deeper into our dataset, cleaning and removing null values to ensure a good quality dataset.</a:t>
             </a:r>
           </a:p>
           <a:p>
@@ -4274,8 +4333,79 @@
                 </a:solidFill>
                 <a:latin typeface="Lato"/>
               </a:rPr>
-              <a:t>Our analysis contributes to the broader goal of sustainable and safe water access for all communities.</a:t>
-            </a:r>
+              <a:t>We utilized SQLite as an integrated database for its ease of use and python functionality </a:t>
+            </a:r>
+          </a:p>
+          <a:p>
+            <a:pPr>
+              <a:lnSpc>
+                <a:spcPts val="3919"/>
+              </a:lnSpc>
+            </a:pPr>
+            <a:endParaRPr lang="en-US" sz="2799" dirty="0">
+              <a:solidFill>
+                <a:srgbClr val="000000"/>
+              </a:solidFill>
+              <a:latin typeface="Lato"/>
+            </a:endParaRPr>
+          </a:p>
+          <a:p>
+            <a:pPr>
+              <a:lnSpc>
+                <a:spcPts val="3919"/>
+              </a:lnSpc>
+            </a:pPr>
+            <a:r>
+              <a:rPr lang="en-US" sz="2799" dirty="0">
+                <a:solidFill>
+                  <a:srgbClr val="000000"/>
+                </a:solidFill>
+                <a:latin typeface="Lato"/>
+              </a:rPr>
+              <a:t>We emphasize data integrity and reliability in our preprocessing steps to ensure accurate model training.</a:t>
+            </a:r>
+          </a:p>
+          <a:p>
+            <a:pPr>
+              <a:lnSpc>
+                <a:spcPts val="3919"/>
+              </a:lnSpc>
+            </a:pPr>
+            <a:endParaRPr lang="en-US" sz="2799" dirty="0">
+              <a:solidFill>
+                <a:srgbClr val="000000"/>
+              </a:solidFill>
+              <a:latin typeface="Lato"/>
+            </a:endParaRPr>
+          </a:p>
+          <a:p>
+            <a:pPr>
+              <a:lnSpc>
+                <a:spcPts val="3919"/>
+              </a:lnSpc>
+            </a:pPr>
+            <a:r>
+              <a:rPr lang="en-US" sz="2799" dirty="0">
+                <a:solidFill>
+                  <a:srgbClr val="000000"/>
+                </a:solidFill>
+                <a:latin typeface="Lato"/>
+              </a:rPr>
+              <a:t>Using our preprocessed data, we trained and tested various supervised machine learning models, to evaluate the one that best fit our dataset.</a:t>
+            </a:r>
+          </a:p>
+          <a:p>
+            <a:pPr>
+              <a:lnSpc>
+                <a:spcPts val="3919"/>
+              </a:lnSpc>
+            </a:pPr>
+            <a:endParaRPr lang="en-US" sz="2799" dirty="0">
+              <a:solidFill>
+                <a:srgbClr val="000000"/>
+              </a:solidFill>
+              <a:latin typeface="Lato"/>
+            </a:endParaRPr>
           </a:p>
         </p:txBody>
       </p:sp>
@@ -4287,7 +4417,7 @@
 </p:sld>
 </file>
 
-<file path=ppt/slides/slide3.xml><?xml version="1.0" encoding="utf-8"?>
+<file path=ppt/slides/slide5.xml><?xml version="1.0" encoding="utf-8"?>
 <p:sld xmlns:a="http://schemas.openxmlformats.org/drawingml/2006/main" xmlns:r="http://schemas.openxmlformats.org/officeDocument/2006/relationships" xmlns:p="http://schemas.openxmlformats.org/presentationml/2006/main">
   <p:cSld>
     <p:spTree>
@@ -4402,8 +4532,8 @@
         </p:nvSpPr>
         <p:spPr>
           <a:xfrm>
-            <a:off x="2036105" y="1884515"/>
-            <a:ext cx="3846698" cy="622935"/>
+            <a:off x="1905000" y="1205681"/>
+            <a:ext cx="6670580" cy="622935"/>
           </a:xfrm>
           <a:prstGeom prst="rect">
             <a:avLst/>
@@ -4421,13 +4551,13 @@
               </a:lnSpc>
             </a:pPr>
             <a:r>
-              <a:rPr lang="en-US" sz="3600">
+              <a:rPr lang="en-US" sz="3600" dirty="0">
                 <a:solidFill>
                   <a:srgbClr val="00A79D"/>
                 </a:solidFill>
                 <a:latin typeface="Lato Bold"/>
               </a:rPr>
-              <a:t>Project Objectives</a:t>
+              <a:t>Data Cleaning and Preparation</a:t>
             </a:r>
           </a:p>
         </p:txBody>
@@ -4440,15 +4570,15 @@
         </p:nvSpPr>
         <p:spPr>
           <a:xfrm>
-            <a:off x="2036105" y="3785644"/>
-            <a:ext cx="15223195" cy="3957955"/>
+            <a:off x="974435" y="2186314"/>
+            <a:ext cx="7459198" cy="5953040"/>
           </a:xfrm>
           <a:prstGeom prst="rect">
             <a:avLst/>
           </a:prstGeom>
         </p:spPr>
         <p:txBody>
-          <a:bodyPr lIns="0" tIns="0" rIns="0" bIns="0" rtlCol="0" anchor="t">
+          <a:bodyPr wrap="square" lIns="0" tIns="0" rIns="0" bIns="0" rtlCol="0" anchor="t">
             <a:spAutoFit/>
           </a:bodyPr>
           <a:lstStyle/>
@@ -4459,13 +4589,13 @@
               </a:lnSpc>
             </a:pPr>
             <a:r>
-              <a:rPr lang="en-US" sz="2799">
+              <a:rPr lang="en-US" sz="2799" dirty="0">
                 <a:solidFill>
                   <a:srgbClr val="000000"/>
                 </a:solidFill>
                 <a:latin typeface="Lato"/>
               </a:rPr>
-              <a:t>Our primary objective is to conduct a comprehensive analysis of water quality, focusing on its potability status.</a:t>
+              <a:t>Data cleaning involved removing or imputing missing values to maintain dataset consistency and reliability.</a:t>
             </a:r>
           </a:p>
           <a:p>
@@ -4474,7 +4604,7 @@
                 <a:spcPts val="3919"/>
               </a:lnSpc>
             </a:pPr>
-            <a:endParaRPr lang="en-US" sz="2799">
+            <a:endParaRPr lang="en-US" sz="2799" dirty="0">
               <a:solidFill>
                 <a:srgbClr val="000000"/>
               </a:solidFill>
@@ -4488,13 +4618,13 @@
               </a:lnSpc>
             </a:pPr>
             <a:r>
-              <a:rPr lang="en-US" sz="2799">
+              <a:rPr lang="en-US" sz="2799" dirty="0">
                 <a:solidFill>
                   <a:srgbClr val="000000"/>
                 </a:solidFill>
                 <a:latin typeface="Lato"/>
               </a:rPr>
-              <a:t>We aim to develop a predictive model using machine learning to accurately classify water samples as potable or not based on their chemical properties.</a:t>
+              <a:t>We performed feature selection to identify the most relevant variables for predicting water portability.</a:t>
             </a:r>
           </a:p>
           <a:p>
@@ -4503,7 +4633,7 @@
                 <a:spcPts val="3919"/>
               </a:lnSpc>
             </a:pPr>
-            <a:endParaRPr lang="en-US" sz="2799">
+            <a:endParaRPr lang="en-US" sz="2799" dirty="0">
               <a:solidFill>
                 <a:srgbClr val="000000"/>
               </a:solidFill>
@@ -4517,14 +4647,179 @@
               </a:lnSpc>
             </a:pPr>
             <a:r>
-              <a:rPr lang="en-US" sz="2799">
+              <a:rPr lang="en-US" sz="2799" dirty="0">
                 <a:solidFill>
                   <a:srgbClr val="000000"/>
                 </a:solidFill>
                 <a:latin typeface="Lato"/>
               </a:rPr>
-              <a:t>The insights gained will aid in improving water purification processes and ensuring public health safety.</a:t>
-            </a:r>
+              <a:t>Normalization and scaling techniques were applied to standardize the range of our data features, optimizing them for machine learning algorithms.</a:t>
+            </a:r>
+          </a:p>
+        </p:txBody>
+      </p:sp>
+      <p:pic>
+        <p:nvPicPr>
+          <p:cNvPr id="7" name="Picture 6">
+            <a:extLst>
+              <a:ext uri="{FF2B5EF4-FFF2-40B4-BE49-F238E27FC236}">
+                <a16:creationId xmlns:a16="http://schemas.microsoft.com/office/drawing/2014/main" id="{A0426BB1-655A-EE3A-960B-33FEC835D319}"/>
+              </a:ext>
+            </a:extLst>
+          </p:cNvPr>
+          <p:cNvPicPr>
+            <a:picLocks noChangeAspect="1"/>
+          </p:cNvPicPr>
+          <p:nvPr/>
+        </p:nvPicPr>
+        <p:blipFill rotWithShape="1">
+          <a:blip r:embed="rId4"/>
+          <a:srcRect l="3883" r="1793"/>
+          <a:stretch/>
+        </p:blipFill>
+        <p:spPr>
+          <a:xfrm>
+            <a:off x="8937908" y="1555475"/>
+            <a:ext cx="8855682" cy="2514600"/>
+          </a:xfrm>
+          <a:prstGeom prst="rect">
+            <a:avLst/>
+          </a:prstGeom>
+          <a:ln w="127000" cap="sq">
+            <a:solidFill>
+              <a:srgbClr val="000000"/>
+            </a:solidFill>
+            <a:miter lim="800000"/>
+          </a:ln>
+          <a:effectLst>
+            <a:outerShdw blurRad="57150" dist="50800" dir="2700000" algn="tl" rotWithShape="0">
+              <a:srgbClr val="000000">
+                <a:alpha val="40000"/>
+              </a:srgbClr>
+            </a:outerShdw>
+          </a:effectLst>
+        </p:spPr>
+      </p:pic>
+      <p:pic>
+        <p:nvPicPr>
+          <p:cNvPr id="9" name="Picture 8">
+            <a:extLst>
+              <a:ext uri="{FF2B5EF4-FFF2-40B4-BE49-F238E27FC236}">
+                <a16:creationId xmlns:a16="http://schemas.microsoft.com/office/drawing/2014/main" id="{3114029D-D0CB-27FF-5022-3A7149FC1A9C}"/>
+              </a:ext>
+            </a:extLst>
+          </p:cNvPr>
+          <p:cNvPicPr>
+            <a:picLocks noChangeAspect="1"/>
+          </p:cNvPicPr>
+          <p:nvPr/>
+        </p:nvPicPr>
+        <p:blipFill>
+          <a:blip r:embed="rId5"/>
+          <a:stretch>
+            <a:fillRect/>
+          </a:stretch>
+        </p:blipFill>
+        <p:spPr>
+          <a:xfrm>
+            <a:off x="8771892" y="5524500"/>
+            <a:ext cx="9187715" cy="2362200"/>
+          </a:xfrm>
+          <a:prstGeom prst="rect">
+            <a:avLst/>
+          </a:prstGeom>
+          <a:ln w="127000" cap="sq">
+            <a:solidFill>
+              <a:srgbClr val="000000"/>
+            </a:solidFill>
+            <a:miter lim="800000"/>
+          </a:ln>
+          <a:effectLst>
+            <a:outerShdw blurRad="57150" dist="50800" dir="2700000" algn="tl" rotWithShape="0">
+              <a:srgbClr val="000000">
+                <a:alpha val="40000"/>
+              </a:srgbClr>
+            </a:outerShdw>
+          </a:effectLst>
+        </p:spPr>
+      </p:pic>
+      <p:sp>
+        <p:nvSpPr>
+          <p:cNvPr id="10" name="TextBox 9">
+            <a:extLst>
+              <a:ext uri="{FF2B5EF4-FFF2-40B4-BE49-F238E27FC236}">
+                <a16:creationId xmlns:a16="http://schemas.microsoft.com/office/drawing/2014/main" id="{82BD3158-8803-759F-00CD-05F2A707E0ED}"/>
+              </a:ext>
+            </a:extLst>
+          </p:cNvPr>
+          <p:cNvSpPr txBox="1"/>
+          <p:nvPr/>
+        </p:nvSpPr>
+        <p:spPr>
+          <a:xfrm>
+            <a:off x="11785979" y="4393168"/>
+            <a:ext cx="2971800" cy="369332"/>
+          </a:xfrm>
+          <a:prstGeom prst="rect">
+            <a:avLst/>
+          </a:prstGeom>
+          <a:noFill/>
+        </p:spPr>
+        <p:txBody>
+          <a:bodyPr wrap="square" rtlCol="0">
+            <a:spAutoFit/>
+          </a:bodyPr>
+          <a:lstStyle/>
+          <a:p>
+            <a:r>
+              <a:rPr lang="en-IE" dirty="0"/>
+              <a:t>Original CSV as a </a:t>
+            </a:r>
+            <a:r>
+              <a:rPr lang="en-IE" dirty="0" err="1"/>
+              <a:t>DataFrame</a:t>
+            </a:r>
+            <a:endParaRPr lang="en-IE" dirty="0"/>
+          </a:p>
+        </p:txBody>
+      </p:sp>
+      <p:sp>
+        <p:nvSpPr>
+          <p:cNvPr id="12" name="TextBox 11">
+            <a:extLst>
+              <a:ext uri="{FF2B5EF4-FFF2-40B4-BE49-F238E27FC236}">
+                <a16:creationId xmlns:a16="http://schemas.microsoft.com/office/drawing/2014/main" id="{E9C9A715-EB29-DD44-1E4D-7B04CCDD8C7A}"/>
+              </a:ext>
+            </a:extLst>
+          </p:cNvPr>
+          <p:cNvSpPr txBox="1"/>
+          <p:nvPr/>
+        </p:nvSpPr>
+        <p:spPr>
+          <a:xfrm>
+            <a:off x="11785979" y="8137648"/>
+            <a:ext cx="3810000" cy="369332"/>
+          </a:xfrm>
+          <a:prstGeom prst="rect">
+            <a:avLst/>
+          </a:prstGeom>
+          <a:noFill/>
+        </p:spPr>
+        <p:txBody>
+          <a:bodyPr wrap="square">
+            <a:spAutoFit/>
+          </a:bodyPr>
+          <a:lstStyle/>
+          <a:p>
+            <a:r>
+              <a:rPr lang="en-IE" dirty="0"/>
+              <a:t>Final cleaned dataset as a </a:t>
+            </a:r>
+            <a:r>
+              <a:rPr lang="en-IE" dirty="0" err="1"/>
+              <a:t>DataFrame</a:t>
+            </a:r>
+            <a:endParaRPr lang="en-IE" dirty="0"/>
           </a:p>
         </p:txBody>
       </p:sp>
@@ -4536,7 +4831,7 @@
 </p:sld>
 </file>
 
-<file path=ppt/slides/slide4.xml><?xml version="1.0" encoding="utf-8"?>
+<file path=ppt/slides/slide6.xml><?xml version="1.0" encoding="utf-8"?>
 <p:sld xmlns:a="http://schemas.openxmlformats.org/drawingml/2006/main" xmlns:r="http://schemas.openxmlformats.org/officeDocument/2006/relationships" xmlns:p="http://schemas.openxmlformats.org/presentationml/2006/main">
   <p:cSld>
     <p:spTree>
@@ -4651,8 +4946,8 @@
         </p:nvSpPr>
         <p:spPr>
           <a:xfrm>
-            <a:off x="2036105" y="1884515"/>
-            <a:ext cx="4519051" cy="622935"/>
+            <a:off x="2286000" y="1205681"/>
+            <a:ext cx="6670580" cy="622935"/>
           </a:xfrm>
           <a:prstGeom prst="rect">
             <a:avLst/>
@@ -4670,13 +4965,13 @@
               </a:lnSpc>
             </a:pPr>
             <a:r>
-              <a:rPr lang="en-US" sz="3600">
+              <a:rPr lang="en-US" sz="3600" dirty="0">
                 <a:solidFill>
                   <a:srgbClr val="00A79D"/>
                 </a:solidFill>
                 <a:latin typeface="Lato Bold"/>
               </a:rPr>
-              <a:t>Dataset Description</a:t>
+              <a:t>Exploratory Data Analysis (EDA)</a:t>
             </a:r>
           </a:p>
         </p:txBody>
@@ -4708,13 +5003,13 @@
               </a:lnSpc>
             </a:pPr>
             <a:r>
-              <a:rPr lang="en-US" sz="2799" dirty="0">
+              <a:rPr lang="en-US" sz="2799">
                 <a:solidFill>
                   <a:srgbClr val="000000"/>
                 </a:solidFill>
                 <a:latin typeface="Lato"/>
               </a:rPr>
-              <a:t>We sourced our dataset from Kaggle, which contains detailed measurements related to water quality and potability.</a:t>
+              <a:t>In our EDA phase, we meticulously examined the distribution and correlation of water quality parameters.</a:t>
             </a:r>
           </a:p>
           <a:p>
@@ -4723,7 +5018,7 @@
                 <a:spcPts val="3919"/>
               </a:lnSpc>
             </a:pPr>
-            <a:endParaRPr lang="en-US" sz="2799" dirty="0">
+            <a:endParaRPr lang="en-US" sz="2799">
               <a:solidFill>
                 <a:srgbClr val="000000"/>
               </a:solidFill>
@@ -4737,13 +5032,13 @@
               </a:lnSpc>
             </a:pPr>
             <a:r>
-              <a:rPr lang="en-US" sz="2799" dirty="0">
+              <a:rPr lang="en-US" sz="2799">
                 <a:solidFill>
                   <a:srgbClr val="000000"/>
                 </a:solidFill>
                 <a:latin typeface="Lato"/>
               </a:rPr>
-              <a:t>Key features include pH level, hardness, solids concentration, and other chemical properties critical for assessing water safety.</a:t>
+              <a:t>Statistical analyses were conducted to understand the underlying structures of the data and to identify any outliers or anomalies.</a:t>
             </a:r>
           </a:p>
           <a:p>
@@ -4752,7 +5047,7 @@
                 <a:spcPts val="3919"/>
               </a:lnSpc>
             </a:pPr>
-            <a:endParaRPr lang="en-US" sz="2799" dirty="0">
+            <a:endParaRPr lang="en-US" sz="2799">
               <a:solidFill>
                 <a:srgbClr val="000000"/>
               </a:solidFill>
@@ -4766,13 +5061,13 @@
               </a:lnSpc>
             </a:pPr>
             <a:r>
-              <a:rPr lang="en-US" sz="2799" dirty="0">
+              <a:rPr lang="en-US" sz="2799">
                 <a:solidFill>
                   <a:srgbClr val="000000"/>
                 </a:solidFill>
                 <a:latin typeface="Lato"/>
               </a:rPr>
-              <a:t>Each sample in the dataset is labeled for potability, allowing for a clear binary classification task in our analysis.</a:t>
+              <a:t>Visualization tools like histograms, scatter plots, and box plots were employed to provide a clear graphical representation of our findings.</a:t>
             </a:r>
           </a:p>
         </p:txBody>
@@ -4785,7 +5080,7 @@
 </p:sld>
 </file>
 
-<file path=ppt/slides/slide5.xml><?xml version="1.0" encoding="utf-8"?>
+<file path=ppt/slides/slide7.xml><?xml version="1.0" encoding="utf-8"?>
 <p:sld xmlns:a="http://schemas.openxmlformats.org/drawingml/2006/main" xmlns:r="http://schemas.openxmlformats.org/officeDocument/2006/relationships" xmlns:p="http://schemas.openxmlformats.org/presentationml/2006/main">
   <p:cSld>
     <p:spTree>
@@ -4900,8 +5195,8 @@
         </p:nvSpPr>
         <p:spPr>
           <a:xfrm>
-            <a:off x="2036105" y="1884515"/>
-            <a:ext cx="4519051" cy="622935"/>
+            <a:off x="2036105" y="1155290"/>
+            <a:ext cx="6670580" cy="622935"/>
           </a:xfrm>
           <a:prstGeom prst="rect">
             <a:avLst/>
@@ -4925,7 +5220,7 @@
                 </a:solidFill>
                 <a:latin typeface="Lato Bold"/>
               </a:rPr>
-              <a:t>Methodology</a:t>
+              <a:t>Machine Learning Models</a:t>
             </a:r>
           </a:p>
         </p:txBody>
@@ -4938,15 +5233,15 @@
         </p:nvSpPr>
         <p:spPr>
           <a:xfrm>
-            <a:off x="2036105" y="3785644"/>
-            <a:ext cx="15223195" cy="3957955"/>
+            <a:off x="914400" y="2300785"/>
+            <a:ext cx="7331365" cy="6453177"/>
           </a:xfrm>
           <a:prstGeom prst="rect">
             <a:avLst/>
           </a:prstGeom>
         </p:spPr>
         <p:txBody>
-          <a:bodyPr lIns="0" tIns="0" rIns="0" bIns="0" rtlCol="0" anchor="t">
+          <a:bodyPr wrap="square" lIns="0" tIns="0" rIns="0" bIns="0" rtlCol="0" anchor="t">
             <a:spAutoFit/>
           </a:bodyPr>
           <a:lstStyle/>
@@ -4957,13 +5252,13 @@
               </a:lnSpc>
             </a:pPr>
             <a:r>
-              <a:rPr lang="en-US" sz="2799">
+              <a:rPr lang="en-US" sz="2799" dirty="0">
                 <a:solidFill>
                   <a:srgbClr val="000000"/>
                 </a:solidFill>
                 <a:latin typeface="Lato"/>
               </a:rPr>
-              <a:t>Our analytical approach encompasses several key phases: data preprocessing, exploratory analysis, model training, and evaluation.</a:t>
+              <a:t>We evaluated several machine learning models, including Decision Trees, SVM, and Random Forest, for their efficacy in predicting potability.</a:t>
             </a:r>
           </a:p>
           <a:p>
@@ -4972,7 +5267,7 @@
                 <a:spcPts val="3919"/>
               </a:lnSpc>
             </a:pPr>
-            <a:endParaRPr lang="en-US" sz="2799">
+            <a:endParaRPr lang="en-US" sz="2799" dirty="0">
               <a:solidFill>
                 <a:srgbClr val="000000"/>
               </a:solidFill>
@@ -4986,13 +5281,13 @@
               </a:lnSpc>
             </a:pPr>
             <a:r>
-              <a:rPr lang="en-US" sz="2799">
+              <a:rPr lang="en-US" sz="2799" dirty="0">
                 <a:solidFill>
                   <a:srgbClr val="000000"/>
                 </a:solidFill>
                 <a:latin typeface="Lato"/>
               </a:rPr>
-              <a:t>We emphasize data integrity and reliability in our preprocessing steps to ensure accurate model training.</a:t>
+              <a:t>Hyperparameter tuning was performed to find the optimal settings for each model, enhancing their predictive accuracy.</a:t>
             </a:r>
           </a:p>
           <a:p>
@@ -5001,7 +5296,7 @@
                 <a:spcPts val="3919"/>
               </a:lnSpc>
             </a:pPr>
-            <a:endParaRPr lang="en-US" sz="2799">
+            <a:endParaRPr lang="en-US" sz="2799" dirty="0">
               <a:solidFill>
                 <a:srgbClr val="000000"/>
               </a:solidFill>
@@ -5015,13 +5310,104 @@
               </a:lnSpc>
             </a:pPr>
             <a:r>
-              <a:rPr lang="en-US" sz="2799">
+              <a:rPr lang="en-US" sz="2799" dirty="0">
                 <a:solidFill>
                   <a:srgbClr val="000000"/>
                 </a:solidFill>
                 <a:latin typeface="Lato"/>
               </a:rPr>
-              <a:t>Through exploratory data analysis, we uncover hidden patterns and relationships that inform our modeling strategy.</a:t>
+              <a:t>The models were rigorously tested against a validation set to determine their generalization capability in unseen data scenarios.</a:t>
+            </a:r>
+          </a:p>
+          <a:p>
+            <a:pPr>
+              <a:lnSpc>
+                <a:spcPts val="3919"/>
+              </a:lnSpc>
+            </a:pPr>
+            <a:endParaRPr lang="en-US" sz="2799" dirty="0">
+              <a:solidFill>
+                <a:srgbClr val="000000"/>
+              </a:solidFill>
+              <a:latin typeface="Lato"/>
+            </a:endParaRPr>
+          </a:p>
+        </p:txBody>
+      </p:sp>
+      <p:pic>
+        <p:nvPicPr>
+          <p:cNvPr id="7" name="Picture 6">
+            <a:extLst>
+              <a:ext uri="{FF2B5EF4-FFF2-40B4-BE49-F238E27FC236}">
+                <a16:creationId xmlns:a16="http://schemas.microsoft.com/office/drawing/2014/main" id="{7466A4D4-21B0-2C3F-25FC-2E075A15AE92}"/>
+              </a:ext>
+            </a:extLst>
+          </p:cNvPr>
+          <p:cNvPicPr>
+            <a:picLocks noChangeAspect="1"/>
+          </p:cNvPicPr>
+          <p:nvPr/>
+        </p:nvPicPr>
+        <p:blipFill>
+          <a:blip r:embed="rId4"/>
+          <a:stretch>
+            <a:fillRect/>
+          </a:stretch>
+        </p:blipFill>
+        <p:spPr>
+          <a:xfrm>
+            <a:off x="10098666" y="2933700"/>
+            <a:ext cx="7539468" cy="3143343"/>
+          </a:xfrm>
+          <a:prstGeom prst="rect">
+            <a:avLst/>
+          </a:prstGeom>
+          <a:ln w="127000" cap="sq">
+            <a:solidFill>
+              <a:srgbClr val="000000"/>
+            </a:solidFill>
+            <a:miter lim="800000"/>
+          </a:ln>
+          <a:effectLst>
+            <a:outerShdw blurRad="57150" dist="50800" dir="2700000" algn="tl" rotWithShape="0">
+              <a:srgbClr val="000000">
+                <a:alpha val="40000"/>
+              </a:srgbClr>
+            </a:outerShdw>
+          </a:effectLst>
+        </p:spPr>
+      </p:pic>
+      <p:sp>
+        <p:nvSpPr>
+          <p:cNvPr id="8" name="TextBox 7">
+            <a:extLst>
+              <a:ext uri="{FF2B5EF4-FFF2-40B4-BE49-F238E27FC236}">
+                <a16:creationId xmlns:a16="http://schemas.microsoft.com/office/drawing/2014/main" id="{5CDE8F82-A009-EBE2-72E6-EDDEA08C68D6}"/>
+              </a:ext>
+            </a:extLst>
+          </p:cNvPr>
+          <p:cNvSpPr txBox="1"/>
+          <p:nvPr/>
+        </p:nvSpPr>
+        <p:spPr>
+          <a:xfrm>
+            <a:off x="11658600" y="6438900"/>
+            <a:ext cx="4419600" cy="381000"/>
+          </a:xfrm>
+          <a:prstGeom prst="rect">
+            <a:avLst/>
+          </a:prstGeom>
+          <a:noFill/>
+        </p:spPr>
+        <p:txBody>
+          <a:bodyPr wrap="square" rtlCol="0">
+            <a:spAutoFit/>
+          </a:bodyPr>
+          <a:lstStyle/>
+          <a:p>
+            <a:r>
+              <a:rPr lang="en-IE" dirty="0"/>
+              <a:t>The classification result of our first model</a:t>
             </a:r>
           </a:p>
         </p:txBody>
@@ -5034,7 +5420,7 @@
 </p:sld>
 </file>
 
-<file path=ppt/slides/slide6.xml><?xml version="1.0" encoding="utf-8"?>
+<file path=ppt/slides/slide8.xml><?xml version="1.0" encoding="utf-8"?>
 <p:sld xmlns:a="http://schemas.openxmlformats.org/drawingml/2006/main" xmlns:r="http://schemas.openxmlformats.org/officeDocument/2006/relationships" xmlns:p="http://schemas.openxmlformats.org/presentationml/2006/main">
   <p:cSld>
     <p:spTree>
@@ -5149,7 +5535,7 @@
         </p:nvSpPr>
         <p:spPr>
           <a:xfrm>
-            <a:off x="2036105" y="1884515"/>
+            <a:off x="1905000" y="1127581"/>
             <a:ext cx="6670580" cy="622935"/>
           </a:xfrm>
           <a:prstGeom prst="rect">
@@ -5168,13 +5554,13 @@
               </a:lnSpc>
             </a:pPr>
             <a:r>
-              <a:rPr lang="en-US" sz="3600">
+              <a:rPr lang="en-US" sz="3600" dirty="0">
                 <a:solidFill>
                   <a:srgbClr val="00A79D"/>
                 </a:solidFill>
                 <a:latin typeface="Lato Bold"/>
               </a:rPr>
-              <a:t>Data Cleaning and Preparation</a:t>
+              <a:t>Model Training and Evaluation</a:t>
             </a:r>
           </a:p>
         </p:txBody>
@@ -5187,15 +5573,15 @@
         </p:nvSpPr>
         <p:spPr>
           <a:xfrm>
-            <a:off x="2036105" y="3785644"/>
-            <a:ext cx="15223195" cy="3957955"/>
+            <a:off x="870335" y="1943100"/>
+            <a:ext cx="7837056" cy="7453451"/>
           </a:xfrm>
           <a:prstGeom prst="rect">
             <a:avLst/>
           </a:prstGeom>
         </p:spPr>
         <p:txBody>
-          <a:bodyPr lIns="0" tIns="0" rIns="0" bIns="0" rtlCol="0" anchor="t">
+          <a:bodyPr wrap="square" lIns="0" tIns="0" rIns="0" bIns="0" rtlCol="0" anchor="t">
             <a:spAutoFit/>
           </a:bodyPr>
           <a:lstStyle/>
@@ -5206,13 +5592,13 @@
               </a:lnSpc>
             </a:pPr>
             <a:r>
-              <a:rPr lang="en-US" sz="2799">
+              <a:rPr lang="en-US" sz="2799" dirty="0">
                 <a:solidFill>
                   <a:srgbClr val="000000"/>
                 </a:solidFill>
                 <a:latin typeface="Lato"/>
               </a:rPr>
-              <a:t>Data cleaning involved removing or imputing missing values to maintain dataset consistency and reliability.</a:t>
+              <a:t>Model training involved dividing the dataset into training and testing subsets to validate the learning and predictive power of our models.</a:t>
             </a:r>
           </a:p>
           <a:p>
@@ -5221,7 +5607,7 @@
                 <a:spcPts val="3919"/>
               </a:lnSpc>
             </a:pPr>
-            <a:endParaRPr lang="en-US" sz="2799">
+            <a:endParaRPr lang="en-US" sz="2799" dirty="0">
               <a:solidFill>
                 <a:srgbClr val="000000"/>
               </a:solidFill>
@@ -5235,13 +5621,31 @@
               </a:lnSpc>
             </a:pPr>
             <a:r>
-              <a:rPr lang="en-US" sz="2799">
+              <a:rPr lang="en-US" sz="2799" dirty="0">
                 <a:solidFill>
                   <a:srgbClr val="000000"/>
                 </a:solidFill>
                 <a:latin typeface="Lato"/>
               </a:rPr>
-              <a:t>We performed feature selection to identify the most relevant variables for predicting water portability.</a:t>
+              <a:t>The </a:t>
+            </a:r>
+            <a:r>
+              <a:rPr lang="en-US" sz="2799" dirty="0" err="1">
+                <a:solidFill>
+                  <a:srgbClr val="000000"/>
+                </a:solidFill>
+                <a:latin typeface="Lato"/>
+              </a:rPr>
+              <a:t>RandomOverSampler</a:t>
+            </a:r>
+            <a:r>
+              <a:rPr lang="en-US" sz="2799" dirty="0">
+                <a:solidFill>
+                  <a:srgbClr val="000000"/>
+                </a:solidFill>
+                <a:latin typeface="Lato"/>
+              </a:rPr>
+              <a:t> was used to create a second training and test dataset.</a:t>
             </a:r>
           </a:p>
           <a:p>
@@ -5250,7 +5654,7 @@
                 <a:spcPts val="3919"/>
               </a:lnSpc>
             </a:pPr>
-            <a:endParaRPr lang="en-US" sz="2799">
+            <a:endParaRPr lang="en-US" sz="2799" dirty="0">
               <a:solidFill>
                 <a:srgbClr val="000000"/>
               </a:solidFill>
@@ -5264,13 +5668,240 @@
               </a:lnSpc>
             </a:pPr>
             <a:r>
-              <a:rPr lang="en-US" sz="2799">
+              <a:rPr lang="en-US" sz="2799" dirty="0">
                 <a:solidFill>
                   <a:srgbClr val="000000"/>
                 </a:solidFill>
                 <a:latin typeface="Lato"/>
               </a:rPr>
-              <a:t>Normalization and scaling techniques were applied to standardize the range of our data features, optimizing them for machine learning algorithms.</a:t>
+              <a:t>We utilized cross-validation techniques to ensure that our model performance was robust and not due to overfitting.</a:t>
+            </a:r>
+          </a:p>
+          <a:p>
+            <a:pPr>
+              <a:lnSpc>
+                <a:spcPts val="3919"/>
+              </a:lnSpc>
+            </a:pPr>
+            <a:endParaRPr lang="en-US" sz="2799" dirty="0">
+              <a:solidFill>
+                <a:srgbClr val="000000"/>
+              </a:solidFill>
+              <a:latin typeface="Lato"/>
+            </a:endParaRPr>
+          </a:p>
+          <a:p>
+            <a:pPr>
+              <a:lnSpc>
+                <a:spcPts val="3919"/>
+              </a:lnSpc>
+            </a:pPr>
+            <a:r>
+              <a:rPr lang="en-US" sz="2799" dirty="0">
+                <a:solidFill>
+                  <a:srgbClr val="000000"/>
+                </a:solidFill>
+                <a:latin typeface="Lato"/>
+              </a:rPr>
+              <a:t>The Random Forest model showed superior performance, with an 85% accuracy rate, making it our primary model for water potability prediction.</a:t>
+            </a:r>
+          </a:p>
+        </p:txBody>
+      </p:sp>
+      <p:pic>
+        <p:nvPicPr>
+          <p:cNvPr id="7" name="Picture 6">
+            <a:extLst>
+              <a:ext uri="{FF2B5EF4-FFF2-40B4-BE49-F238E27FC236}">
+                <a16:creationId xmlns:a16="http://schemas.microsoft.com/office/drawing/2014/main" id="{B85142CF-5138-1E12-C099-E77BC9688AC8}"/>
+              </a:ext>
+            </a:extLst>
+          </p:cNvPr>
+          <p:cNvPicPr>
+            <a:picLocks noChangeAspect="1"/>
+          </p:cNvPicPr>
+          <p:nvPr/>
+        </p:nvPicPr>
+        <p:blipFill rotWithShape="1">
+          <a:blip r:embed="rId4"/>
+          <a:srcRect l="6369"/>
+          <a:stretch/>
+        </p:blipFill>
+        <p:spPr>
+          <a:xfrm>
+            <a:off x="8839201" y="1750516"/>
+            <a:ext cx="8841396" cy="1551965"/>
+          </a:xfrm>
+          <a:prstGeom prst="rect">
+            <a:avLst/>
+          </a:prstGeom>
+          <a:ln w="127000" cap="sq">
+            <a:solidFill>
+              <a:srgbClr val="000000"/>
+            </a:solidFill>
+            <a:miter lim="800000"/>
+          </a:ln>
+          <a:effectLst>
+            <a:outerShdw blurRad="57150" dist="50800" dir="2700000" algn="tl" rotWithShape="0">
+              <a:srgbClr val="000000">
+                <a:alpha val="40000"/>
+              </a:srgbClr>
+            </a:outerShdw>
+          </a:effectLst>
+        </p:spPr>
+      </p:pic>
+      <p:pic>
+        <p:nvPicPr>
+          <p:cNvPr id="9" name="Picture 8">
+            <a:extLst>
+              <a:ext uri="{FF2B5EF4-FFF2-40B4-BE49-F238E27FC236}">
+                <a16:creationId xmlns:a16="http://schemas.microsoft.com/office/drawing/2014/main" id="{0814AE53-DE4F-5126-0A69-7A6E5AE9AB56}"/>
+              </a:ext>
+            </a:extLst>
+          </p:cNvPr>
+          <p:cNvPicPr>
+            <a:picLocks noChangeAspect="1"/>
+          </p:cNvPicPr>
+          <p:nvPr/>
+        </p:nvPicPr>
+        <p:blipFill>
+          <a:blip r:embed="rId5"/>
+          <a:stretch>
+            <a:fillRect/>
+          </a:stretch>
+        </p:blipFill>
+        <p:spPr>
+          <a:xfrm>
+            <a:off x="9006178" y="4939243"/>
+            <a:ext cx="3954934" cy="2341321"/>
+          </a:xfrm>
+          <a:prstGeom prst="rect">
+            <a:avLst/>
+          </a:prstGeom>
+          <a:ln w="127000" cap="sq">
+            <a:solidFill>
+              <a:srgbClr val="000000"/>
+            </a:solidFill>
+            <a:miter lim="800000"/>
+          </a:ln>
+          <a:effectLst>
+            <a:outerShdw blurRad="57150" dist="50800" dir="2700000" algn="tl" rotWithShape="0">
+              <a:srgbClr val="000000">
+                <a:alpha val="40000"/>
+              </a:srgbClr>
+            </a:outerShdw>
+          </a:effectLst>
+        </p:spPr>
+      </p:pic>
+      <p:pic>
+        <p:nvPicPr>
+          <p:cNvPr id="11" name="Picture 10">
+            <a:extLst>
+              <a:ext uri="{FF2B5EF4-FFF2-40B4-BE49-F238E27FC236}">
+                <a16:creationId xmlns:a16="http://schemas.microsoft.com/office/drawing/2014/main" id="{3FB74F8C-F39F-C3EC-15A7-6F59C07451E2}"/>
+              </a:ext>
+            </a:extLst>
+          </p:cNvPr>
+          <p:cNvPicPr>
+            <a:picLocks noChangeAspect="1"/>
+          </p:cNvPicPr>
+          <p:nvPr/>
+        </p:nvPicPr>
+        <p:blipFill>
+          <a:blip r:embed="rId6"/>
+          <a:stretch>
+            <a:fillRect/>
+          </a:stretch>
+        </p:blipFill>
+        <p:spPr>
+          <a:xfrm>
+            <a:off x="13305443" y="4939243"/>
+            <a:ext cx="4409790" cy="2027959"/>
+          </a:xfrm>
+          <a:prstGeom prst="rect">
+            <a:avLst/>
+          </a:prstGeom>
+          <a:ln w="127000" cap="sq">
+            <a:solidFill>
+              <a:srgbClr val="000000"/>
+            </a:solidFill>
+            <a:miter lim="800000"/>
+          </a:ln>
+          <a:effectLst>
+            <a:outerShdw blurRad="57150" dist="50800" dir="2700000" algn="tl" rotWithShape="0">
+              <a:srgbClr val="000000">
+                <a:alpha val="40000"/>
+              </a:srgbClr>
+            </a:outerShdw>
+          </a:effectLst>
+        </p:spPr>
+      </p:pic>
+      <p:sp>
+        <p:nvSpPr>
+          <p:cNvPr id="12" name="TextBox 11">
+            <a:extLst>
+              <a:ext uri="{FF2B5EF4-FFF2-40B4-BE49-F238E27FC236}">
+                <a16:creationId xmlns:a16="http://schemas.microsoft.com/office/drawing/2014/main" id="{7DE6DFB6-C2B5-81D7-72C0-77C636BF1215}"/>
+              </a:ext>
+            </a:extLst>
+          </p:cNvPr>
+          <p:cNvSpPr txBox="1"/>
+          <p:nvPr/>
+        </p:nvSpPr>
+        <p:spPr>
+          <a:xfrm>
+            <a:off x="10983645" y="3619500"/>
+            <a:ext cx="8273665" cy="369332"/>
+          </a:xfrm>
+          <a:prstGeom prst="rect">
+            <a:avLst/>
+          </a:prstGeom>
+          <a:noFill/>
+        </p:spPr>
+        <p:txBody>
+          <a:bodyPr wrap="square" rtlCol="0">
+            <a:spAutoFit/>
+          </a:bodyPr>
+          <a:lstStyle/>
+          <a:p>
+            <a:r>
+              <a:rPr lang="en-IE" dirty="0"/>
+              <a:t>How we split our training and test data</a:t>
+            </a:r>
+          </a:p>
+        </p:txBody>
+      </p:sp>
+      <p:sp>
+        <p:nvSpPr>
+          <p:cNvPr id="13" name="TextBox 12">
+            <a:extLst>
+              <a:ext uri="{FF2B5EF4-FFF2-40B4-BE49-F238E27FC236}">
+                <a16:creationId xmlns:a16="http://schemas.microsoft.com/office/drawing/2014/main" id="{549F283B-69AE-B492-C85B-A2B4F53FF11C}"/>
+              </a:ext>
+            </a:extLst>
+          </p:cNvPr>
+          <p:cNvSpPr txBox="1"/>
+          <p:nvPr/>
+        </p:nvSpPr>
+        <p:spPr>
+          <a:xfrm>
+            <a:off x="10744200" y="7732947"/>
+            <a:ext cx="5410200" cy="369332"/>
+          </a:xfrm>
+          <a:prstGeom prst="rect">
+            <a:avLst/>
+          </a:prstGeom>
+          <a:noFill/>
+        </p:spPr>
+        <p:txBody>
+          <a:bodyPr wrap="square" rtlCol="0">
+            <a:spAutoFit/>
+          </a:bodyPr>
+          <a:lstStyle/>
+          <a:p>
+            <a:r>
+              <a:rPr lang="en-IE" dirty="0"/>
+              <a:t>How our value counts changed between models</a:t>
             </a:r>
           </a:p>
         </p:txBody>
@@ -5283,7 +5914,7 @@
 </p:sld>
 </file>
 
-<file path=ppt/slides/slide7.xml><?xml version="1.0" encoding="utf-8"?>
+<file path=ppt/slides/slide9.xml><?xml version="1.0" encoding="utf-8"?>
 <p:sld xmlns:a="http://schemas.openxmlformats.org/drawingml/2006/main" xmlns:r="http://schemas.openxmlformats.org/officeDocument/2006/relationships" xmlns:p="http://schemas.openxmlformats.org/presentationml/2006/main">
   <p:cSld>
     <p:spTree>
@@ -5398,7 +6029,7 @@
         </p:nvSpPr>
         <p:spPr>
           <a:xfrm>
-            <a:off x="2036105" y="1884515"/>
+            <a:off x="1828800" y="1205681"/>
             <a:ext cx="6670580" cy="622935"/>
           </a:xfrm>
           <a:prstGeom prst="rect">
@@ -5417,13 +6048,13 @@
               </a:lnSpc>
             </a:pPr>
             <a:r>
-              <a:rPr lang="en-US" sz="3600">
+              <a:rPr lang="en-US" sz="3600" dirty="0">
                 <a:solidFill>
                   <a:srgbClr val="00A79D"/>
                 </a:solidFill>
                 <a:latin typeface="Lato Bold"/>
               </a:rPr>
-              <a:t>Exploratory Data Analysis (EDA)</a:t>
+              <a:t>Results and Insights</a:t>
             </a:r>
           </a:p>
         </p:txBody>
@@ -5436,605 +6067,308 @@
         </p:nvSpPr>
         <p:spPr>
           <a:xfrm>
-            <a:off x="2036105" y="3785644"/>
-            <a:ext cx="15223195" cy="3957955"/>
+            <a:off x="687874" y="2119953"/>
+            <a:ext cx="7829703" cy="6278642"/>
           </a:xfrm>
           <a:prstGeom prst="rect">
             <a:avLst/>
           </a:prstGeom>
         </p:spPr>
         <p:txBody>
-          <a:bodyPr lIns="0" tIns="0" rIns="0" bIns="0" rtlCol="0" anchor="t">
+          <a:bodyPr wrap="square" lIns="0" tIns="0" rIns="0" bIns="0" rtlCol="0" anchor="t">
             <a:spAutoFit/>
           </a:bodyPr>
           <a:lstStyle/>
           <a:p>
-            <a:pPr>
-              <a:lnSpc>
-                <a:spcPts val="3919"/>
-              </a:lnSpc>
-            </a:pPr>
-            <a:r>
-              <a:rPr lang="en-US" sz="2799">
-                <a:solidFill>
-                  <a:srgbClr val="000000"/>
-                </a:solidFill>
-                <a:latin typeface="Lato"/>
+            <a:r>
+              <a:rPr lang="en-US" sz="2400" dirty="0">
+                <a:latin typeface="Lato" panose="020F0502020204030203" pitchFamily="34" charset="0"/>
+                <a:ea typeface="Lato" panose="020F0502020204030203" pitchFamily="34" charset="0"/>
+                <a:cs typeface="Lato" panose="020F0502020204030203" pitchFamily="34" charset="0"/>
               </a:rPr>
-              <a:t>In our EDA phase, we meticulously examined the distribution and correlation of water quality parameters.</a:t>
-            </a:r>
-          </a:p>
-          <a:p>
-            <a:pPr>
-              <a:lnSpc>
-                <a:spcPts val="3919"/>
-              </a:lnSpc>
-            </a:pPr>
-            <a:endParaRPr lang="en-US" sz="2799">
+              <a:t>Our model's performance demonstrates a strong capability to classify water samples based on potability </a:t>
+            </a:r>
+            <a:r>
+              <a:rPr lang="en-US" sz="2400">
+                <a:latin typeface="Lato" panose="020F0502020204030203" pitchFamily="34" charset="0"/>
+                <a:ea typeface="Lato" panose="020F0502020204030203" pitchFamily="34" charset="0"/>
+                <a:cs typeface="Lato" panose="020F0502020204030203" pitchFamily="34" charset="0"/>
+              </a:rPr>
+              <a:t>accurately.</a:t>
+            </a:r>
+            <a:br>
+              <a:rPr lang="en-US" sz="2400" b="0" i="0" dirty="0">
+                <a:effectLst/>
+                <a:latin typeface="Lato" panose="020F0502020204030203" pitchFamily="34" charset="0"/>
+                <a:ea typeface="Lato" panose="020F0502020204030203" pitchFamily="34" charset="0"/>
+                <a:cs typeface="Lato" panose="020F0502020204030203" pitchFamily="34" charset="0"/>
+              </a:rPr>
+            </a:br>
+            <a:endParaRPr lang="en-US" sz="2400" b="0" i="0" dirty="0">
+              <a:effectLst/>
+              <a:latin typeface="Lato" panose="020F0502020204030203" pitchFamily="34" charset="0"/>
+              <a:ea typeface="Lato" panose="020F0502020204030203" pitchFamily="34" charset="0"/>
+              <a:cs typeface="Lato" panose="020F0502020204030203" pitchFamily="34" charset="0"/>
+            </a:endParaRPr>
+          </a:p>
+          <a:p>
+            <a:r>
+              <a:rPr lang="en-US" sz="2400" dirty="0">
+                <a:solidFill>
+                  <a:srgbClr val="0D0D0D"/>
+                </a:solidFill>
+                <a:highlight>
+                  <a:srgbClr val="FFFFFF"/>
+                </a:highlight>
+                <a:latin typeface="Lato" panose="020F0502020204030203" pitchFamily="34" charset="0"/>
+                <a:ea typeface="Lato" panose="020F0502020204030203" pitchFamily="34" charset="0"/>
+                <a:cs typeface="Lato" panose="020F0502020204030203" pitchFamily="34" charset="0"/>
+              </a:rPr>
+              <a:t>T</a:t>
+            </a:r>
+            <a:r>
+              <a:rPr lang="en-US" sz="2400" b="0" i="0" dirty="0">
+                <a:solidFill>
+                  <a:srgbClr val="0D0D0D"/>
+                </a:solidFill>
+                <a:effectLst/>
+                <a:highlight>
+                  <a:srgbClr val="FFFFFF"/>
+                </a:highlight>
+                <a:latin typeface="Lato" panose="020F0502020204030203" pitchFamily="34" charset="0"/>
+                <a:ea typeface="Lato" panose="020F0502020204030203" pitchFamily="34" charset="0"/>
+                <a:cs typeface="Lato" panose="020F0502020204030203" pitchFamily="34" charset="0"/>
+              </a:rPr>
+              <a:t>he balanced model outperforms the imbalanced model with higher overall accuracy (90.80% vs. 88.39%) and balanced accuracy (89.43% vs. 86.26%). </a:t>
+            </a:r>
+          </a:p>
+          <a:p>
+            <a:endParaRPr lang="en-US" sz="2400" dirty="0">
               <a:solidFill>
-                <a:srgbClr val="000000"/>
+                <a:srgbClr val="0D0D0D"/>
               </a:solidFill>
-              <a:latin typeface="Lato"/>
+              <a:highlight>
+                <a:srgbClr val="FFFFFF"/>
+              </a:highlight>
+              <a:latin typeface="Lato" panose="020F0502020204030203" pitchFamily="34" charset="0"/>
+              <a:ea typeface="Lato" panose="020F0502020204030203" pitchFamily="34" charset="0"/>
+              <a:cs typeface="Lato" panose="020F0502020204030203" pitchFamily="34" charset="0"/>
             </a:endParaRPr>
           </a:p>
           <a:p>
-            <a:pPr>
-              <a:lnSpc>
-                <a:spcPts val="3919"/>
-              </a:lnSpc>
-            </a:pPr>
-            <a:r>
-              <a:rPr lang="en-US" sz="2799">
-                <a:solidFill>
-                  <a:srgbClr val="000000"/>
-                </a:solidFill>
-                <a:latin typeface="Lato"/>
+            <a:r>
+              <a:rPr lang="en-US" sz="2400" b="0" i="0" dirty="0">
+                <a:solidFill>
+                  <a:srgbClr val="0D0D0D"/>
+                </a:solidFill>
+                <a:effectLst/>
+                <a:highlight>
+                  <a:srgbClr val="FFFFFF"/>
+                </a:highlight>
+                <a:latin typeface="Lato" panose="020F0502020204030203" pitchFamily="34" charset="0"/>
+                <a:ea typeface="Lato" panose="020F0502020204030203" pitchFamily="34" charset="0"/>
+                <a:cs typeface="Lato" panose="020F0502020204030203" pitchFamily="34" charset="0"/>
               </a:rPr>
-              <a:t>Statistical analyses were conducted to understand the underlying structures of the data and to identify any outliers or anomalies.</a:t>
-            </a:r>
-          </a:p>
-          <a:p>
-            <a:pPr>
-              <a:lnSpc>
-                <a:spcPts val="3919"/>
-              </a:lnSpc>
-            </a:pPr>
-            <a:endParaRPr lang="en-US" sz="2799">
+              <a:t>Both models exhibit consistent precision (~91%), but the balanced model shows improved recall for class 1 (84% vs. 77%). </a:t>
+            </a:r>
+          </a:p>
+          <a:p>
+            <a:endParaRPr lang="en-US" sz="2400" dirty="0">
               <a:solidFill>
-                <a:srgbClr val="000000"/>
+                <a:srgbClr val="0D0D0D"/>
               </a:solidFill>
-              <a:latin typeface="Lato"/>
+              <a:highlight>
+                <a:srgbClr val="FFFFFF"/>
+              </a:highlight>
+              <a:latin typeface="Lato" panose="020F0502020204030203" pitchFamily="34" charset="0"/>
+              <a:ea typeface="Lato" panose="020F0502020204030203" pitchFamily="34" charset="0"/>
+              <a:cs typeface="Lato" panose="020F0502020204030203" pitchFamily="34" charset="0"/>
             </a:endParaRPr>
           </a:p>
           <a:p>
-            <a:pPr>
-              <a:lnSpc>
-                <a:spcPts val="3919"/>
-              </a:lnSpc>
-            </a:pPr>
-            <a:r>
-              <a:rPr lang="en-US" sz="2799">
-                <a:solidFill>
-                  <a:srgbClr val="000000"/>
-                </a:solidFill>
-                <a:latin typeface="Lato"/>
+            <a:r>
+              <a:rPr lang="en-US" sz="2400" b="0" i="0" dirty="0">
+                <a:solidFill>
+                  <a:srgbClr val="0D0D0D"/>
+                </a:solidFill>
+                <a:effectLst/>
+                <a:highlight>
+                  <a:srgbClr val="FFFFFF"/>
+                </a:highlight>
+                <a:latin typeface="Lato" panose="020F0502020204030203" pitchFamily="34" charset="0"/>
+                <a:ea typeface="Lato" panose="020F0502020204030203" pitchFamily="34" charset="0"/>
+                <a:cs typeface="Lato" panose="020F0502020204030203" pitchFamily="34" charset="0"/>
               </a:rPr>
-              <a:t>Visualization tools like histograms, scatter plots, and box plots were employed to provide a clear graphical representation of our findings.</a:t>
-            </a:r>
-          </a:p>
-        </p:txBody>
-      </p:sp>
-    </p:spTree>
-  </p:cSld>
-  <p:clrMapOvr>
-    <a:masterClrMapping/>
-  </p:clrMapOvr>
-</p:sld>
-</file>
-
-<file path=ppt/slides/slide8.xml><?xml version="1.0" encoding="utf-8"?>
-<p:sld xmlns:a="http://schemas.openxmlformats.org/drawingml/2006/main" xmlns:r="http://schemas.openxmlformats.org/officeDocument/2006/relationships" xmlns:p="http://schemas.openxmlformats.org/presentationml/2006/main">
-  <p:cSld>
-    <p:spTree>
-      <p:nvGrpSpPr>
-        <p:cNvPr id="1" name=""/>
-        <p:cNvGrpSpPr/>
-        <p:nvPr/>
-      </p:nvGrpSpPr>
-      <p:grpSpPr>
-        <a:xfrm>
-          <a:off x="0" y="0"/>
-          <a:ext cx="0" cy="0"/>
-          <a:chOff x="0" y="0"/>
-          <a:chExt cx="0" cy="0"/>
-        </a:xfrm>
-      </p:grpSpPr>
-      <p:sp>
-        <p:nvSpPr>
-          <p:cNvPr id="2" name="AutoShape 2"/>
-          <p:cNvSpPr/>
+              <a:t>Additionally, the F1-scores for both classes are higher in the balanced model, indicating better balance between precision and recall.</a:t>
+            </a:r>
+            <a:endParaRPr lang="en-US" sz="2400" dirty="0">
+              <a:latin typeface="Lato" panose="020F0502020204030203" pitchFamily="34" charset="0"/>
+              <a:ea typeface="Lato" panose="020F0502020204030203" pitchFamily="34" charset="0"/>
+              <a:cs typeface="Lato" panose="020F0502020204030203" pitchFamily="34" charset="0"/>
+            </a:endParaRPr>
+          </a:p>
+          <a:p>
+            <a:endParaRPr lang="en-US" sz="2400" dirty="0">
+              <a:latin typeface="Lato" panose="020F0502020204030203" pitchFamily="34" charset="0"/>
+              <a:ea typeface="Lato" panose="020F0502020204030203" pitchFamily="34" charset="0"/>
+              <a:cs typeface="Lato" panose="020F0502020204030203" pitchFamily="34" charset="0"/>
+            </a:endParaRPr>
+          </a:p>
+          <a:p>
+            <a:endParaRPr lang="en-US" sz="2400" dirty="0">
+              <a:latin typeface="Lato" panose="020F0502020204030203" pitchFamily="34" charset="0"/>
+              <a:ea typeface="Lato" panose="020F0502020204030203" pitchFamily="34" charset="0"/>
+              <a:cs typeface="Lato" panose="020F0502020204030203" pitchFamily="34" charset="0"/>
+            </a:endParaRPr>
+          </a:p>
+        </p:txBody>
+      </p:sp>
+      <p:pic>
+        <p:nvPicPr>
+          <p:cNvPr id="7" name="Picture 6">
+            <a:extLst>
+              <a:ext uri="{FF2B5EF4-FFF2-40B4-BE49-F238E27FC236}">
+                <a16:creationId xmlns:a16="http://schemas.microsoft.com/office/drawing/2014/main" id="{62653F54-2971-33AD-CEB4-4AC9D4380CFE}"/>
+              </a:ext>
+            </a:extLst>
+          </p:cNvPr>
+          <p:cNvPicPr>
+            <a:picLocks noChangeAspect="1"/>
+          </p:cNvPicPr>
           <p:nvPr/>
-        </p:nvSpPr>
-        <p:spPr>
-          <a:xfrm flipV="1">
-            <a:off x="648895" y="9682200"/>
-            <a:ext cx="651081" cy="4762"/>
-          </a:xfrm>
-          <a:prstGeom prst="line">
-            <a:avLst/>
-          </a:prstGeom>
-          <a:ln w="19050" cap="flat">
-            <a:solidFill>
-              <a:srgbClr val="00A79D"/>
-            </a:solidFill>
-            <a:prstDash val="solid"/>
-            <a:headEnd type="none" w="sm" len="sm"/>
-            <a:tailEnd type="triangle" w="lg" len="med"/>
-          </a:ln>
-        </p:spPr>
-        <p:txBody>
-          <a:bodyPr/>
-          <a:lstStyle/>
-          <a:p>
-            <a:endParaRPr lang="en-IE"/>
-          </a:p>
-        </p:txBody>
-      </p:sp>
-      <p:sp>
-        <p:nvSpPr>
-          <p:cNvPr id="3" name="Freeform 3"/>
-          <p:cNvSpPr/>
-          <p:nvPr/>
-        </p:nvSpPr>
-        <p:spPr>
-          <a:xfrm rot="5400000">
-            <a:off x="1292890" y="764510"/>
-            <a:ext cx="176981" cy="705360"/>
-          </a:xfrm>
-          <a:custGeom>
-            <a:avLst/>
-            <a:gdLst/>
-            <a:ahLst/>
-            <a:cxnLst/>
-            <a:rect l="l" t="t" r="r" b="b"/>
-            <a:pathLst>
-              <a:path w="176981" h="705360">
-                <a:moveTo>
-                  <a:pt x="0" y="0"/>
-                </a:moveTo>
-                <a:lnTo>
-                  <a:pt x="176981" y="0"/>
-                </a:lnTo>
-                <a:lnTo>
-                  <a:pt x="176981" y="705361"/>
-                </a:lnTo>
-                <a:lnTo>
-                  <a:pt x="0" y="705361"/>
-                </a:lnTo>
-                <a:lnTo>
-                  <a:pt x="0" y="0"/>
-                </a:lnTo>
-                <a:close/>
-              </a:path>
-            </a:pathLst>
-          </a:custGeom>
-          <a:blipFill>
-            <a:blip r:embed="rId2">
-              <a:extLst>
-                <a:ext uri="{96DAC541-7B7A-43D3-8B79-37D633B846F1}">
-                  <asvg:svgBlip xmlns:asvg="http://schemas.microsoft.com/office/drawing/2016/SVG/main" r:embed="rId3"/>
-                </a:ext>
-              </a:extLst>
-            </a:blip>
-            <a:stretch>
-              <a:fillRect/>
-            </a:stretch>
-          </a:blipFill>
-        </p:spPr>
-        <p:txBody>
-          <a:bodyPr/>
-          <a:lstStyle/>
-          <a:p>
-            <a:endParaRPr lang="en-IE"/>
-          </a:p>
-        </p:txBody>
-      </p:sp>
-      <p:sp>
-        <p:nvSpPr>
-          <p:cNvPr id="4" name="TextBox 4"/>
-          <p:cNvSpPr txBox="1"/>
-          <p:nvPr/>
-        </p:nvSpPr>
+        </p:nvPicPr>
+        <p:blipFill>
+          <a:blip r:embed="rId4"/>
+          <a:stretch>
+            <a:fillRect/>
+          </a:stretch>
+        </p:blipFill>
         <p:spPr>
           <a:xfrm>
-            <a:off x="2036105" y="1884515"/>
-            <a:ext cx="6670580" cy="622935"/>
+            <a:off x="8991600" y="6057900"/>
+            <a:ext cx="4542023" cy="3973310"/>
           </a:xfrm>
           <a:prstGeom prst="rect">
             <a:avLst/>
           </a:prstGeom>
         </p:spPr>
-        <p:txBody>
-          <a:bodyPr lIns="0" tIns="0" rIns="0" bIns="0" rtlCol="0" anchor="t">
-            <a:spAutoFit/>
-          </a:bodyPr>
-          <a:lstStyle/>
-          <a:p>
-            <a:pPr>
-              <a:lnSpc>
-                <a:spcPts val="5040"/>
-              </a:lnSpc>
-            </a:pPr>
-            <a:r>
-              <a:rPr lang="en-US" sz="3600">
-                <a:solidFill>
-                  <a:srgbClr val="00A79D"/>
-                </a:solidFill>
-                <a:latin typeface="Lato Bold"/>
-              </a:rPr>
-              <a:t>Machine Learning Models</a:t>
-            </a:r>
-          </a:p>
-        </p:txBody>
-      </p:sp>
-      <p:sp>
-        <p:nvSpPr>
-          <p:cNvPr id="5" name="TextBox 5"/>
-          <p:cNvSpPr txBox="1"/>
+      </p:pic>
+      <p:pic>
+        <p:nvPicPr>
+          <p:cNvPr id="9" name="Picture 8">
+            <a:extLst>
+              <a:ext uri="{FF2B5EF4-FFF2-40B4-BE49-F238E27FC236}">
+                <a16:creationId xmlns:a16="http://schemas.microsoft.com/office/drawing/2014/main" id="{F27124D6-5224-A883-93AB-AE9E558D4EC5}"/>
+              </a:ext>
+            </a:extLst>
+          </p:cNvPr>
+          <p:cNvPicPr>
+            <a:picLocks noChangeAspect="1"/>
+          </p:cNvPicPr>
           <p:nvPr/>
-        </p:nvSpPr>
+        </p:nvPicPr>
+        <p:blipFill>
+          <a:blip r:embed="rId5"/>
+          <a:stretch>
+            <a:fillRect/>
+          </a:stretch>
+        </p:blipFill>
         <p:spPr>
           <a:xfrm>
-            <a:off x="2036105" y="3785644"/>
-            <a:ext cx="15223195" cy="4453255"/>
+            <a:off x="13639800" y="6175323"/>
+            <a:ext cx="4377685" cy="3824714"/>
           </a:xfrm>
           <a:prstGeom prst="rect">
             <a:avLst/>
           </a:prstGeom>
         </p:spPr>
-        <p:txBody>
-          <a:bodyPr lIns="0" tIns="0" rIns="0" bIns="0" rtlCol="0" anchor="t">
-            <a:spAutoFit/>
-          </a:bodyPr>
-          <a:lstStyle/>
-          <a:p>
-            <a:pPr>
-              <a:lnSpc>
-                <a:spcPts val="3919"/>
-              </a:lnSpc>
-            </a:pPr>
-            <a:r>
-              <a:rPr lang="en-US" sz="2799">
-                <a:solidFill>
-                  <a:srgbClr val="000000"/>
-                </a:solidFill>
-                <a:latin typeface="Lato"/>
-              </a:rPr>
-              <a:t>We evaluated several machine learning models, including Decision Trees, SVM, and Random Forest, for their efficacy in predicting portability.</a:t>
-            </a:r>
-          </a:p>
-          <a:p>
-            <a:pPr>
-              <a:lnSpc>
-                <a:spcPts val="3919"/>
-              </a:lnSpc>
-            </a:pPr>
-            <a:endParaRPr lang="en-US" sz="2799">
-              <a:solidFill>
-                <a:srgbClr val="000000"/>
-              </a:solidFill>
-              <a:latin typeface="Lato"/>
-            </a:endParaRPr>
-          </a:p>
-          <a:p>
-            <a:pPr>
-              <a:lnSpc>
-                <a:spcPts val="3919"/>
-              </a:lnSpc>
-            </a:pPr>
-            <a:r>
-              <a:rPr lang="en-US" sz="2799">
-                <a:solidFill>
-                  <a:srgbClr val="000000"/>
-                </a:solidFill>
-                <a:latin typeface="Lato"/>
-              </a:rPr>
-              <a:t>Hyperparameter tuning was performed to find the optimal settings for each model, enhancing their predictive accuracy.</a:t>
-            </a:r>
-          </a:p>
-          <a:p>
-            <a:pPr>
-              <a:lnSpc>
-                <a:spcPts val="3919"/>
-              </a:lnSpc>
-            </a:pPr>
-            <a:endParaRPr lang="en-US" sz="2799">
-              <a:solidFill>
-                <a:srgbClr val="000000"/>
-              </a:solidFill>
-              <a:latin typeface="Lato"/>
-            </a:endParaRPr>
-          </a:p>
-          <a:p>
-            <a:pPr>
-              <a:lnSpc>
-                <a:spcPts val="3919"/>
-              </a:lnSpc>
-            </a:pPr>
-            <a:r>
-              <a:rPr lang="en-US" sz="2799">
-                <a:solidFill>
-                  <a:srgbClr val="000000"/>
-                </a:solidFill>
-                <a:latin typeface="Lato"/>
-              </a:rPr>
-              <a:t>The models were rigorously tested against a validation set to determine their generalization capability in unseen data scenarios.</a:t>
-            </a:r>
-          </a:p>
-          <a:p>
-            <a:pPr>
-              <a:lnSpc>
-                <a:spcPts val="3919"/>
-              </a:lnSpc>
-            </a:pPr>
-            <a:endParaRPr lang="en-US" sz="2799">
-              <a:solidFill>
-                <a:srgbClr val="000000"/>
-              </a:solidFill>
-              <a:latin typeface="Lato"/>
-            </a:endParaRPr>
-          </a:p>
-        </p:txBody>
-      </p:sp>
-    </p:spTree>
-  </p:cSld>
-  <p:clrMapOvr>
-    <a:masterClrMapping/>
-  </p:clrMapOvr>
-</p:sld>
-</file>
-
-<file path=ppt/slides/slide9.xml><?xml version="1.0" encoding="utf-8"?>
-<p:sld xmlns:a="http://schemas.openxmlformats.org/drawingml/2006/main" xmlns:r="http://schemas.openxmlformats.org/officeDocument/2006/relationships" xmlns:p="http://schemas.openxmlformats.org/presentationml/2006/main">
-  <p:cSld>
-    <p:spTree>
-      <p:nvGrpSpPr>
-        <p:cNvPr id="1" name=""/>
-        <p:cNvGrpSpPr/>
-        <p:nvPr/>
-      </p:nvGrpSpPr>
-      <p:grpSpPr>
-        <a:xfrm>
-          <a:off x="0" y="0"/>
-          <a:ext cx="0" cy="0"/>
-          <a:chOff x="0" y="0"/>
-          <a:chExt cx="0" cy="0"/>
-        </a:xfrm>
-      </p:grpSpPr>
-      <p:sp>
-        <p:nvSpPr>
-          <p:cNvPr id="2" name="AutoShape 2"/>
-          <p:cNvSpPr/>
+      </p:pic>
+      <p:pic>
+        <p:nvPicPr>
+          <p:cNvPr id="11" name="Picture 10">
+            <a:extLst>
+              <a:ext uri="{FF2B5EF4-FFF2-40B4-BE49-F238E27FC236}">
+                <a16:creationId xmlns:a16="http://schemas.microsoft.com/office/drawing/2014/main" id="{14673E16-5A8A-9EB3-3AD5-1CF2624F9B9F}"/>
+              </a:ext>
+            </a:extLst>
+          </p:cNvPr>
+          <p:cNvPicPr>
+            <a:picLocks noChangeAspect="1"/>
+          </p:cNvPicPr>
           <p:nvPr/>
-        </p:nvSpPr>
-        <p:spPr>
-          <a:xfrm flipV="1">
-            <a:off x="648895" y="9682200"/>
-            <a:ext cx="651081" cy="4762"/>
-          </a:xfrm>
-          <a:prstGeom prst="line">
-            <a:avLst/>
-          </a:prstGeom>
-          <a:ln w="19050" cap="flat">
-            <a:solidFill>
-              <a:srgbClr val="00A79D"/>
-            </a:solidFill>
-            <a:prstDash val="solid"/>
-            <a:headEnd type="none" w="sm" len="sm"/>
-            <a:tailEnd type="triangle" w="lg" len="med"/>
-          </a:ln>
-        </p:spPr>
-        <p:txBody>
-          <a:bodyPr/>
-          <a:lstStyle/>
-          <a:p>
-            <a:endParaRPr lang="en-IE"/>
-          </a:p>
-        </p:txBody>
-      </p:sp>
-      <p:sp>
-        <p:nvSpPr>
-          <p:cNvPr id="3" name="Freeform 3"/>
-          <p:cNvSpPr/>
-          <p:nvPr/>
-        </p:nvSpPr>
-        <p:spPr>
-          <a:xfrm rot="5400000">
-            <a:off x="1292890" y="764510"/>
-            <a:ext cx="176981" cy="705360"/>
-          </a:xfrm>
-          <a:custGeom>
-            <a:avLst/>
-            <a:gdLst/>
-            <a:ahLst/>
-            <a:cxnLst/>
-            <a:rect l="l" t="t" r="r" b="b"/>
-            <a:pathLst>
-              <a:path w="176981" h="705360">
-                <a:moveTo>
-                  <a:pt x="0" y="0"/>
-                </a:moveTo>
-                <a:lnTo>
-                  <a:pt x="176981" y="0"/>
-                </a:lnTo>
-                <a:lnTo>
-                  <a:pt x="176981" y="705361"/>
-                </a:lnTo>
-                <a:lnTo>
-                  <a:pt x="0" y="705361"/>
-                </a:lnTo>
-                <a:lnTo>
-                  <a:pt x="0" y="0"/>
-                </a:lnTo>
-                <a:close/>
-              </a:path>
-            </a:pathLst>
-          </a:custGeom>
-          <a:blipFill>
-            <a:blip r:embed="rId2">
-              <a:extLst>
-                <a:ext uri="{96DAC541-7B7A-43D3-8B79-37D633B846F1}">
-                  <asvg:svgBlip xmlns:asvg="http://schemas.microsoft.com/office/drawing/2016/SVG/main" r:embed="rId3"/>
-                </a:ext>
-              </a:extLst>
-            </a:blip>
-            <a:stretch>
-              <a:fillRect/>
-            </a:stretch>
-          </a:blipFill>
-        </p:spPr>
-        <p:txBody>
-          <a:bodyPr/>
-          <a:lstStyle/>
-          <a:p>
-            <a:endParaRPr lang="en-IE"/>
-          </a:p>
-        </p:txBody>
-      </p:sp>
-      <p:sp>
-        <p:nvSpPr>
-          <p:cNvPr id="4" name="TextBox 4"/>
-          <p:cNvSpPr txBox="1"/>
-          <p:nvPr/>
-        </p:nvSpPr>
+        </p:nvPicPr>
+        <p:blipFill>
+          <a:blip r:embed="rId6"/>
+          <a:stretch>
+            <a:fillRect/>
+          </a:stretch>
+        </p:blipFill>
         <p:spPr>
           <a:xfrm>
-            <a:off x="2036105" y="1884515"/>
-            <a:ext cx="6670580" cy="622935"/>
+            <a:off x="9144000" y="3300072"/>
+            <a:ext cx="6386405" cy="2252700"/>
           </a:xfrm>
           <a:prstGeom prst="rect">
             <a:avLst/>
           </a:prstGeom>
-        </p:spPr>
-        <p:txBody>
-          <a:bodyPr lIns="0" tIns="0" rIns="0" bIns="0" rtlCol="0" anchor="t">
-            <a:spAutoFit/>
-          </a:bodyPr>
-          <a:lstStyle/>
-          <a:p>
-            <a:pPr>
-              <a:lnSpc>
-                <a:spcPts val="5040"/>
-              </a:lnSpc>
-            </a:pPr>
-            <a:r>
-              <a:rPr lang="en-US" sz="3600">
-                <a:solidFill>
-                  <a:srgbClr val="00A79D"/>
-                </a:solidFill>
-                <a:latin typeface="Lato Bold"/>
-              </a:rPr>
-              <a:t>Model Training and Evaluation</a:t>
-            </a:r>
-          </a:p>
-        </p:txBody>
-      </p:sp>
-      <p:sp>
-        <p:nvSpPr>
-          <p:cNvPr id="5" name="TextBox 5"/>
-          <p:cNvSpPr txBox="1"/>
+          <a:ln w="127000" cap="sq">
+            <a:solidFill>
+              <a:srgbClr val="000000"/>
+            </a:solidFill>
+            <a:miter lim="800000"/>
+          </a:ln>
+          <a:effectLst>
+            <a:outerShdw blurRad="57150" dist="50800" dir="2700000" algn="tl" rotWithShape="0">
+              <a:srgbClr val="000000">
+                <a:alpha val="40000"/>
+              </a:srgbClr>
+            </a:outerShdw>
+          </a:effectLst>
+        </p:spPr>
+      </p:pic>
+      <p:pic>
+        <p:nvPicPr>
+          <p:cNvPr id="13" name="Picture 12">
+            <a:extLst>
+              <a:ext uri="{FF2B5EF4-FFF2-40B4-BE49-F238E27FC236}">
+                <a16:creationId xmlns:a16="http://schemas.microsoft.com/office/drawing/2014/main" id="{A3B13841-F0F7-2B29-6E1A-02E4FD33E0BB}"/>
+              </a:ext>
+            </a:extLst>
+          </p:cNvPr>
+          <p:cNvPicPr>
+            <a:picLocks noChangeAspect="1"/>
+          </p:cNvPicPr>
           <p:nvPr/>
-        </p:nvSpPr>
+        </p:nvPicPr>
+        <p:blipFill>
+          <a:blip r:embed="rId7"/>
+          <a:stretch>
+            <a:fillRect/>
+          </a:stretch>
+        </p:blipFill>
         <p:spPr>
           <a:xfrm>
-            <a:off x="2036105" y="3785644"/>
-            <a:ext cx="15223195" cy="3957955"/>
+            <a:off x="9144000" y="631384"/>
+            <a:ext cx="5638800" cy="2167024"/>
           </a:xfrm>
           <a:prstGeom prst="rect">
             <a:avLst/>
           </a:prstGeom>
-        </p:spPr>
-        <p:txBody>
-          <a:bodyPr lIns="0" tIns="0" rIns="0" bIns="0" rtlCol="0" anchor="t">
-            <a:spAutoFit/>
-          </a:bodyPr>
-          <a:lstStyle/>
-          <a:p>
-            <a:pPr>
-              <a:lnSpc>
-                <a:spcPts val="3919"/>
-              </a:lnSpc>
-            </a:pPr>
-            <a:r>
-              <a:rPr lang="en-US" sz="2799">
-                <a:solidFill>
-                  <a:srgbClr val="000000"/>
-                </a:solidFill>
-                <a:latin typeface="Lato"/>
-              </a:rPr>
-              <a:t>Model training involved dividing the dataset into training and testing subsets to validate the learning and predictive power of our models.</a:t>
-            </a:r>
-          </a:p>
-          <a:p>
-            <a:pPr>
-              <a:lnSpc>
-                <a:spcPts val="3919"/>
-              </a:lnSpc>
-            </a:pPr>
-            <a:endParaRPr lang="en-US" sz="2799">
-              <a:solidFill>
-                <a:srgbClr val="000000"/>
-              </a:solidFill>
-              <a:latin typeface="Lato"/>
-            </a:endParaRPr>
-          </a:p>
-          <a:p>
-            <a:pPr>
-              <a:lnSpc>
-                <a:spcPts val="3919"/>
-              </a:lnSpc>
-            </a:pPr>
-            <a:r>
-              <a:rPr lang="en-US" sz="2799">
-                <a:solidFill>
-                  <a:srgbClr val="000000"/>
-                </a:solidFill>
-                <a:latin typeface="Lato"/>
-              </a:rPr>
-              <a:t>We utilized cross-validation techniques to ensure that our model performance was robust and not due to overfitting.</a:t>
-            </a:r>
-          </a:p>
-          <a:p>
-            <a:pPr>
-              <a:lnSpc>
-                <a:spcPts val="3919"/>
-              </a:lnSpc>
-            </a:pPr>
-            <a:endParaRPr lang="en-US" sz="2799">
-              <a:solidFill>
-                <a:srgbClr val="000000"/>
-              </a:solidFill>
-              <a:latin typeface="Lato"/>
-            </a:endParaRPr>
-          </a:p>
-          <a:p>
-            <a:pPr>
-              <a:lnSpc>
-                <a:spcPts val="3919"/>
-              </a:lnSpc>
-            </a:pPr>
-            <a:r>
-              <a:rPr lang="en-US" sz="2799">
-                <a:solidFill>
-                  <a:srgbClr val="000000"/>
-                </a:solidFill>
-                <a:latin typeface="Lato"/>
-              </a:rPr>
-              <a:t>The Random Forest model showed superior performance, with an 85% accuracy rate, making it our primary model for water potability prediction.</a:t>
-            </a:r>
-          </a:p>
-        </p:txBody>
-      </p:sp>
+          <a:ln w="127000" cap="sq">
+            <a:solidFill>
+              <a:srgbClr val="000000"/>
+            </a:solidFill>
+            <a:miter lim="800000"/>
+          </a:ln>
+          <a:effectLst>
+            <a:outerShdw blurRad="57150" dist="50800" dir="2700000" algn="tl" rotWithShape="0">
+              <a:srgbClr val="000000">
+                <a:alpha val="40000"/>
+              </a:srgbClr>
+            </a:outerShdw>
+          </a:effectLst>
+        </p:spPr>
+      </p:pic>
     </p:spTree>
   </p:cSld>
   <p:clrMapOvr>

--- a/Project 4 Presentation.pptx
+++ b/Project 4 Presentation.pptx
@@ -9,30 +9,31 @@
     <p:sldId id="258" r:id="rId3"/>
     <p:sldId id="259" r:id="rId4"/>
     <p:sldId id="260" r:id="rId5"/>
-    <p:sldId id="261" r:id="rId6"/>
-    <p:sldId id="262" r:id="rId7"/>
-    <p:sldId id="263" r:id="rId8"/>
-    <p:sldId id="264" r:id="rId9"/>
-    <p:sldId id="265" r:id="rId10"/>
-    <p:sldId id="267" r:id="rId11"/>
+    <p:sldId id="268" r:id="rId6"/>
+    <p:sldId id="261" r:id="rId7"/>
+    <p:sldId id="262" r:id="rId8"/>
+    <p:sldId id="263" r:id="rId9"/>
+    <p:sldId id="264" r:id="rId10"/>
+    <p:sldId id="265" r:id="rId11"/>
+    <p:sldId id="267" r:id="rId12"/>
   </p:sldIdLst>
   <p:sldSz cx="18288000" cy="10287000"/>
   <p:notesSz cx="6858000" cy="9144000"/>
   <p:embeddedFontLst>
     <p:embeddedFont>
       <p:font typeface="Lato" panose="020F0502020204030203" pitchFamily="34" charset="0"/>
-      <p:regular r:id="rId12"/>
-      <p:bold r:id="rId13"/>
-      <p:italic r:id="rId14"/>
-      <p:boldItalic r:id="rId15"/>
+      <p:regular r:id="rId13"/>
+      <p:bold r:id="rId14"/>
+      <p:italic r:id="rId15"/>
+      <p:boldItalic r:id="rId16"/>
     </p:embeddedFont>
     <p:embeddedFont>
       <p:font typeface="Lato Bold" panose="020F0502020204030203" charset="0"/>
-      <p:regular r:id="rId16"/>
+      <p:regular r:id="rId17"/>
     </p:embeddedFont>
     <p:embeddedFont>
       <p:font typeface="Montserrat Classic Bold" panose="020B0604020202020204" charset="0"/>
-      <p:regular r:id="rId17"/>
+      <p:regular r:id="rId18"/>
     </p:embeddedFont>
   </p:embeddedFontLst>
   <p:defaultTextStyle>
@@ -3407,8 +3408,8 @@
         </p:nvSpPr>
         <p:spPr>
           <a:xfrm>
-            <a:off x="1740885" y="1108220"/>
-            <a:ext cx="6670580" cy="1261110"/>
+            <a:off x="1828800" y="1205681"/>
+            <a:ext cx="6670580" cy="622935"/>
           </a:xfrm>
           <a:prstGeom prst="rect">
             <a:avLst/>
@@ -3432,7 +3433,7 @@
                 </a:solidFill>
                 <a:latin typeface="Lato Bold"/>
               </a:rPr>
-              <a:t>Conclusion and Recommendations</a:t>
+              <a:t>Results and Insights</a:t>
             </a:r>
           </a:p>
         </p:txBody>
@@ -3445,152 +3446,308 @@
         </p:nvSpPr>
         <p:spPr>
           <a:xfrm>
-            <a:off x="1734061" y="2476500"/>
-            <a:ext cx="15223195" cy="6953314"/>
+            <a:off x="687874" y="2119953"/>
+            <a:ext cx="7829703" cy="6278642"/>
           </a:xfrm>
           <a:prstGeom prst="rect">
             <a:avLst/>
           </a:prstGeom>
         </p:spPr>
         <p:txBody>
-          <a:bodyPr lIns="0" tIns="0" rIns="0" bIns="0" rtlCol="0" anchor="t">
+          <a:bodyPr wrap="square" lIns="0" tIns="0" rIns="0" bIns="0" rtlCol="0" anchor="t">
             <a:spAutoFit/>
           </a:bodyPr>
           <a:lstStyle/>
           <a:p>
-            <a:pPr>
-              <a:lnSpc>
-                <a:spcPts val="3919"/>
-              </a:lnSpc>
-            </a:pPr>
-            <a:r>
-              <a:rPr lang="en-US" sz="2799" dirty="0">
-                <a:solidFill>
-                  <a:srgbClr val="000000"/>
-                </a:solidFill>
-                <a:latin typeface="Lato"/>
+            <a:r>
+              <a:rPr lang="en-US" sz="2400" dirty="0">
+                <a:latin typeface="Lato" panose="020F0502020204030203" pitchFamily="34" charset="0"/>
+                <a:ea typeface="Lato" panose="020F0502020204030203" pitchFamily="34" charset="0"/>
+                <a:cs typeface="Lato" panose="020F0502020204030203" pitchFamily="34" charset="0"/>
               </a:rPr>
-              <a:t>We encountered challenges such as data imbalances and missing values, which were mitigated through data cleaning.</a:t>
-            </a:r>
-          </a:p>
-          <a:p>
-            <a:pPr>
-              <a:lnSpc>
-                <a:spcPts val="3919"/>
-              </a:lnSpc>
-            </a:pPr>
-            <a:endParaRPr lang="en-US" sz="2799" dirty="0">
+              <a:t>Our model's performance demonstrates a strong capability to classify water samples based on potability </a:t>
+            </a:r>
+            <a:r>
+              <a:rPr lang="en-US" sz="2400">
+                <a:latin typeface="Lato" panose="020F0502020204030203" pitchFamily="34" charset="0"/>
+                <a:ea typeface="Lato" panose="020F0502020204030203" pitchFamily="34" charset="0"/>
+                <a:cs typeface="Lato" panose="020F0502020204030203" pitchFamily="34" charset="0"/>
+              </a:rPr>
+              <a:t>accurately.</a:t>
+            </a:r>
+            <a:br>
+              <a:rPr lang="en-US" sz="2400" b="0" i="0" dirty="0">
+                <a:effectLst/>
+                <a:latin typeface="Lato" panose="020F0502020204030203" pitchFamily="34" charset="0"/>
+                <a:ea typeface="Lato" panose="020F0502020204030203" pitchFamily="34" charset="0"/>
+                <a:cs typeface="Lato" panose="020F0502020204030203" pitchFamily="34" charset="0"/>
+              </a:rPr>
+            </a:br>
+            <a:endParaRPr lang="en-US" sz="2400" b="0" i="0" dirty="0">
+              <a:effectLst/>
+              <a:latin typeface="Lato" panose="020F0502020204030203" pitchFamily="34" charset="0"/>
+              <a:ea typeface="Lato" panose="020F0502020204030203" pitchFamily="34" charset="0"/>
+              <a:cs typeface="Lato" panose="020F0502020204030203" pitchFamily="34" charset="0"/>
+            </a:endParaRPr>
+          </a:p>
+          <a:p>
+            <a:r>
+              <a:rPr lang="en-US" sz="2400" dirty="0">
+                <a:solidFill>
+                  <a:srgbClr val="0D0D0D"/>
+                </a:solidFill>
+                <a:highlight>
+                  <a:srgbClr val="FFFFFF"/>
+                </a:highlight>
+                <a:latin typeface="Lato" panose="020F0502020204030203" pitchFamily="34" charset="0"/>
+                <a:ea typeface="Lato" panose="020F0502020204030203" pitchFamily="34" charset="0"/>
+                <a:cs typeface="Lato" panose="020F0502020204030203" pitchFamily="34" charset="0"/>
+              </a:rPr>
+              <a:t>T</a:t>
+            </a:r>
+            <a:r>
+              <a:rPr lang="en-US" sz="2400" b="0" i="0" dirty="0">
+                <a:solidFill>
+                  <a:srgbClr val="0D0D0D"/>
+                </a:solidFill>
+                <a:effectLst/>
+                <a:highlight>
+                  <a:srgbClr val="FFFFFF"/>
+                </a:highlight>
+                <a:latin typeface="Lato" panose="020F0502020204030203" pitchFamily="34" charset="0"/>
+                <a:ea typeface="Lato" panose="020F0502020204030203" pitchFamily="34" charset="0"/>
+                <a:cs typeface="Lato" panose="020F0502020204030203" pitchFamily="34" charset="0"/>
+              </a:rPr>
+              <a:t>he balanced model outperforms the imbalanced model with higher overall accuracy (90.80% vs. 88.39%) and balanced accuracy (89.43% vs. 86.26%). </a:t>
+            </a:r>
+          </a:p>
+          <a:p>
+            <a:endParaRPr lang="en-US" sz="2400" dirty="0">
               <a:solidFill>
-                <a:srgbClr val="000000"/>
+                <a:srgbClr val="0D0D0D"/>
               </a:solidFill>
-              <a:latin typeface="Lato"/>
+              <a:highlight>
+                <a:srgbClr val="FFFFFF"/>
+              </a:highlight>
+              <a:latin typeface="Lato" panose="020F0502020204030203" pitchFamily="34" charset="0"/>
+              <a:ea typeface="Lato" panose="020F0502020204030203" pitchFamily="34" charset="0"/>
+              <a:cs typeface="Lato" panose="020F0502020204030203" pitchFamily="34" charset="0"/>
             </a:endParaRPr>
           </a:p>
           <a:p>
-            <a:pPr>
-              <a:lnSpc>
-                <a:spcPts val="3919"/>
-              </a:lnSpc>
-            </a:pPr>
-            <a:r>
-              <a:rPr lang="en-US" sz="2799" dirty="0">
-                <a:solidFill>
-                  <a:srgbClr val="000000"/>
-                </a:solidFill>
-                <a:latin typeface="Lato"/>
+            <a:r>
+              <a:rPr lang="en-US" sz="2400" b="0" i="0" dirty="0">
+                <a:solidFill>
+                  <a:srgbClr val="0D0D0D"/>
+                </a:solidFill>
+                <a:effectLst/>
+                <a:highlight>
+                  <a:srgbClr val="FFFFFF"/>
+                </a:highlight>
+                <a:latin typeface="Lato" panose="020F0502020204030203" pitchFamily="34" charset="0"/>
+                <a:ea typeface="Lato" panose="020F0502020204030203" pitchFamily="34" charset="0"/>
+                <a:cs typeface="Lato" panose="020F0502020204030203" pitchFamily="34" charset="0"/>
               </a:rPr>
-              <a:t>The project underscored the importance of comprehensive dataset and the impact of feature selection on model outcomes.</a:t>
-            </a:r>
-          </a:p>
-          <a:p>
-            <a:pPr>
-              <a:lnSpc>
-                <a:spcPts val="3919"/>
-              </a:lnSpc>
-            </a:pPr>
-            <a:endParaRPr lang="en-US" sz="2799" dirty="0">
+              <a:t>Both models exhibit consistent precision (~91%), but the balanced model shows improved recall for class 1 (84% vs. 77%). </a:t>
+            </a:r>
+          </a:p>
+          <a:p>
+            <a:endParaRPr lang="en-US" sz="2400" dirty="0">
               <a:solidFill>
-                <a:srgbClr val="000000"/>
+                <a:srgbClr val="0D0D0D"/>
               </a:solidFill>
-              <a:latin typeface="Lato"/>
+              <a:highlight>
+                <a:srgbClr val="FFFFFF"/>
+              </a:highlight>
+              <a:latin typeface="Lato" panose="020F0502020204030203" pitchFamily="34" charset="0"/>
+              <a:ea typeface="Lato" panose="020F0502020204030203" pitchFamily="34" charset="0"/>
+              <a:cs typeface="Lato" panose="020F0502020204030203" pitchFamily="34" charset="0"/>
             </a:endParaRPr>
           </a:p>
           <a:p>
-            <a:pPr>
-              <a:lnSpc>
-                <a:spcPts val="3919"/>
-              </a:lnSpc>
-            </a:pPr>
-            <a:r>
-              <a:rPr lang="en-US" sz="2799" dirty="0">
-                <a:solidFill>
-                  <a:srgbClr val="000000"/>
-                </a:solidFill>
-                <a:latin typeface="Lato"/>
+            <a:r>
+              <a:rPr lang="en-US" sz="2400" b="0" i="0" dirty="0">
+                <a:solidFill>
+                  <a:srgbClr val="0D0D0D"/>
+                </a:solidFill>
+                <a:effectLst/>
+                <a:highlight>
+                  <a:srgbClr val="FFFFFF"/>
+                </a:highlight>
+                <a:latin typeface="Lato" panose="020F0502020204030203" pitchFamily="34" charset="0"/>
+                <a:ea typeface="Lato" panose="020F0502020204030203" pitchFamily="34" charset="0"/>
+                <a:cs typeface="Lato" panose="020F0502020204030203" pitchFamily="34" charset="0"/>
               </a:rPr>
-              <a:t>Our findings confirm the feasibility of using machine learning to predict water potability with high accuracy.</a:t>
-            </a:r>
-          </a:p>
-          <a:p>
-            <a:pPr>
-              <a:lnSpc>
-                <a:spcPts val="3919"/>
-              </a:lnSpc>
-            </a:pPr>
-            <a:endParaRPr lang="en-US" sz="2799" dirty="0">
-              <a:solidFill>
-                <a:srgbClr val="000000"/>
-              </a:solidFill>
-              <a:latin typeface="Lato"/>
+              <a:t>Additionally, the F1-scores for both classes are higher in the balanced model, indicating better balance between precision and recall.</a:t>
+            </a:r>
+            <a:endParaRPr lang="en-US" sz="2400" dirty="0">
+              <a:latin typeface="Lato" panose="020F0502020204030203" pitchFamily="34" charset="0"/>
+              <a:ea typeface="Lato" panose="020F0502020204030203" pitchFamily="34" charset="0"/>
+              <a:cs typeface="Lato" panose="020F0502020204030203" pitchFamily="34" charset="0"/>
             </a:endParaRPr>
           </a:p>
           <a:p>
-            <a:pPr>
-              <a:lnSpc>
-                <a:spcPts val="3919"/>
-              </a:lnSpc>
-            </a:pPr>
-            <a:r>
-              <a:rPr lang="en-US" sz="2799" dirty="0">
-                <a:solidFill>
-                  <a:srgbClr val="000000"/>
-                </a:solidFill>
-                <a:latin typeface="Lato"/>
-              </a:rPr>
-              <a:t>We recommend ongoing monitoring and analysis of water quality parameters to preemptively address potability concerns.</a:t>
-            </a:r>
-          </a:p>
-          <a:p>
-            <a:pPr>
-              <a:lnSpc>
-                <a:spcPts val="3919"/>
-              </a:lnSpc>
-            </a:pPr>
-            <a:endParaRPr lang="en-US" sz="2799" dirty="0">
-              <a:solidFill>
-                <a:srgbClr val="000000"/>
-              </a:solidFill>
-              <a:latin typeface="Lato"/>
+            <a:endParaRPr lang="en-US" sz="2400" dirty="0">
+              <a:latin typeface="Lato" panose="020F0502020204030203" pitchFamily="34" charset="0"/>
+              <a:ea typeface="Lato" panose="020F0502020204030203" pitchFamily="34" charset="0"/>
+              <a:cs typeface="Lato" panose="020F0502020204030203" pitchFamily="34" charset="0"/>
             </a:endParaRPr>
           </a:p>
           <a:p>
-            <a:pPr>
-              <a:lnSpc>
-                <a:spcPts val="3919"/>
-              </a:lnSpc>
-            </a:pPr>
-            <a:r>
-              <a:rPr lang="en-US" sz="2799" dirty="0">
-                <a:solidFill>
-                  <a:srgbClr val="000000"/>
-                </a:solidFill>
-                <a:latin typeface="Lato"/>
-              </a:rPr>
-              <a:t>Further research should explore the integration of additional predictive variables and the deployment of real-time water quality monitoring systems.</a:t>
-            </a:r>
-          </a:p>
-        </p:txBody>
-      </p:sp>
+            <a:endParaRPr lang="en-US" sz="2400" dirty="0">
+              <a:latin typeface="Lato" panose="020F0502020204030203" pitchFamily="34" charset="0"/>
+              <a:ea typeface="Lato" panose="020F0502020204030203" pitchFamily="34" charset="0"/>
+              <a:cs typeface="Lato" panose="020F0502020204030203" pitchFamily="34" charset="0"/>
+            </a:endParaRPr>
+          </a:p>
+        </p:txBody>
+      </p:sp>
+      <p:pic>
+        <p:nvPicPr>
+          <p:cNvPr id="7" name="Picture 6">
+            <a:extLst>
+              <a:ext uri="{FF2B5EF4-FFF2-40B4-BE49-F238E27FC236}">
+                <a16:creationId xmlns:a16="http://schemas.microsoft.com/office/drawing/2014/main" id="{62653F54-2971-33AD-CEB4-4AC9D4380CFE}"/>
+              </a:ext>
+            </a:extLst>
+          </p:cNvPr>
+          <p:cNvPicPr>
+            <a:picLocks noChangeAspect="1"/>
+          </p:cNvPicPr>
+          <p:nvPr/>
+        </p:nvPicPr>
+        <p:blipFill>
+          <a:blip r:embed="rId4"/>
+          <a:stretch>
+            <a:fillRect/>
+          </a:stretch>
+        </p:blipFill>
+        <p:spPr>
+          <a:xfrm>
+            <a:off x="8991600" y="6057900"/>
+            <a:ext cx="4542023" cy="3973310"/>
+          </a:xfrm>
+          <a:prstGeom prst="rect">
+            <a:avLst/>
+          </a:prstGeom>
+        </p:spPr>
+      </p:pic>
+      <p:pic>
+        <p:nvPicPr>
+          <p:cNvPr id="9" name="Picture 8">
+            <a:extLst>
+              <a:ext uri="{FF2B5EF4-FFF2-40B4-BE49-F238E27FC236}">
+                <a16:creationId xmlns:a16="http://schemas.microsoft.com/office/drawing/2014/main" id="{F27124D6-5224-A883-93AB-AE9E558D4EC5}"/>
+              </a:ext>
+            </a:extLst>
+          </p:cNvPr>
+          <p:cNvPicPr>
+            <a:picLocks noChangeAspect="1"/>
+          </p:cNvPicPr>
+          <p:nvPr/>
+        </p:nvPicPr>
+        <p:blipFill>
+          <a:blip r:embed="rId5"/>
+          <a:stretch>
+            <a:fillRect/>
+          </a:stretch>
+        </p:blipFill>
+        <p:spPr>
+          <a:xfrm>
+            <a:off x="13639800" y="6175323"/>
+            <a:ext cx="4377685" cy="3824714"/>
+          </a:xfrm>
+          <a:prstGeom prst="rect">
+            <a:avLst/>
+          </a:prstGeom>
+        </p:spPr>
+      </p:pic>
+      <p:pic>
+        <p:nvPicPr>
+          <p:cNvPr id="11" name="Picture 10">
+            <a:extLst>
+              <a:ext uri="{FF2B5EF4-FFF2-40B4-BE49-F238E27FC236}">
+                <a16:creationId xmlns:a16="http://schemas.microsoft.com/office/drawing/2014/main" id="{14673E16-5A8A-9EB3-3AD5-1CF2624F9B9F}"/>
+              </a:ext>
+            </a:extLst>
+          </p:cNvPr>
+          <p:cNvPicPr>
+            <a:picLocks noChangeAspect="1"/>
+          </p:cNvPicPr>
+          <p:nvPr/>
+        </p:nvPicPr>
+        <p:blipFill>
+          <a:blip r:embed="rId6"/>
+          <a:stretch>
+            <a:fillRect/>
+          </a:stretch>
+        </p:blipFill>
+        <p:spPr>
+          <a:xfrm>
+            <a:off x="9144000" y="3300072"/>
+            <a:ext cx="6386405" cy="2252700"/>
+          </a:xfrm>
+          <a:prstGeom prst="rect">
+            <a:avLst/>
+          </a:prstGeom>
+          <a:ln w="127000" cap="sq">
+            <a:solidFill>
+              <a:srgbClr val="000000"/>
+            </a:solidFill>
+            <a:miter lim="800000"/>
+          </a:ln>
+          <a:effectLst>
+            <a:outerShdw blurRad="57150" dist="50800" dir="2700000" algn="tl" rotWithShape="0">
+              <a:srgbClr val="000000">
+                <a:alpha val="40000"/>
+              </a:srgbClr>
+            </a:outerShdw>
+          </a:effectLst>
+        </p:spPr>
+      </p:pic>
+      <p:pic>
+        <p:nvPicPr>
+          <p:cNvPr id="13" name="Picture 12">
+            <a:extLst>
+              <a:ext uri="{FF2B5EF4-FFF2-40B4-BE49-F238E27FC236}">
+                <a16:creationId xmlns:a16="http://schemas.microsoft.com/office/drawing/2014/main" id="{A3B13841-F0F7-2B29-6E1A-02E4FD33E0BB}"/>
+              </a:ext>
+            </a:extLst>
+          </p:cNvPr>
+          <p:cNvPicPr>
+            <a:picLocks noChangeAspect="1"/>
+          </p:cNvPicPr>
+          <p:nvPr/>
+        </p:nvPicPr>
+        <p:blipFill>
+          <a:blip r:embed="rId7"/>
+          <a:stretch>
+            <a:fillRect/>
+          </a:stretch>
+        </p:blipFill>
+        <p:spPr>
+          <a:xfrm>
+            <a:off x="9144000" y="631384"/>
+            <a:ext cx="5638800" cy="2167024"/>
+          </a:xfrm>
+          <a:prstGeom prst="rect">
+            <a:avLst/>
+          </a:prstGeom>
+          <a:ln w="127000" cap="sq">
+            <a:solidFill>
+              <a:srgbClr val="000000"/>
+            </a:solidFill>
+            <a:miter lim="800000"/>
+          </a:ln>
+          <a:effectLst>
+            <a:outerShdw blurRad="57150" dist="50800" dir="2700000" algn="tl" rotWithShape="0">
+              <a:srgbClr val="000000">
+                <a:alpha val="40000"/>
+              </a:srgbClr>
+            </a:outerShdw>
+          </a:effectLst>
+        </p:spPr>
+      </p:pic>
     </p:spTree>
   </p:cSld>
   <p:clrMapOvr>
@@ -3599,7 +3756,7 @@
 </p:sld>
 </file>
 
-<file path=ppt/slides/slide2.xml><?xml version="1.0" encoding="utf-8"?>
+<file path=ppt/slides/slide11.xml><?xml version="1.0" encoding="utf-8"?>
 <p:sld xmlns:a="http://schemas.openxmlformats.org/drawingml/2006/main" xmlns:r="http://schemas.openxmlformats.org/officeDocument/2006/relationships" xmlns:p="http://schemas.openxmlformats.org/presentationml/2006/main">
   <p:cSld>
     <p:spTree>
@@ -3714,8 +3871,8 @@
         </p:nvSpPr>
         <p:spPr>
           <a:xfrm>
-            <a:off x="2036105" y="1884515"/>
-            <a:ext cx="3846698" cy="622935"/>
+            <a:off x="1740885" y="1108220"/>
+            <a:ext cx="6670580" cy="1261110"/>
           </a:xfrm>
           <a:prstGeom prst="rect">
             <a:avLst/>
@@ -3733,13 +3890,13 @@
               </a:lnSpc>
             </a:pPr>
             <a:r>
-              <a:rPr lang="en-US" sz="3600">
+              <a:rPr lang="en-US" sz="3600" dirty="0">
                 <a:solidFill>
                   <a:srgbClr val="00A79D"/>
                 </a:solidFill>
                 <a:latin typeface="Lato Bold"/>
               </a:rPr>
-              <a:t>Project Objectives</a:t>
+              <a:t>Conclusion and Recommendations</a:t>
             </a:r>
           </a:p>
         </p:txBody>
@@ -3752,8 +3909,8 @@
         </p:nvSpPr>
         <p:spPr>
           <a:xfrm>
-            <a:off x="2036105" y="3785644"/>
-            <a:ext cx="15223195" cy="3957955"/>
+            <a:off x="1734061" y="2476500"/>
+            <a:ext cx="15223195" cy="6953314"/>
           </a:xfrm>
           <a:prstGeom prst="rect">
             <a:avLst/>
@@ -3777,7 +3934,7 @@
                 </a:solidFill>
                 <a:latin typeface="Lato"/>
               </a:rPr>
-              <a:t>Our primary objective is to conduct a comprehensive analysis of water quality, focusing on its potability status.</a:t>
+              <a:t>We encountered challenges such as data imbalances and missing values, which were mitigated through data cleaning.</a:t>
             </a:r>
           </a:p>
           <a:p>
@@ -3806,7 +3963,7 @@
                 </a:solidFill>
                 <a:latin typeface="Lato"/>
               </a:rPr>
-              <a:t>We aim to develop a predictive model using machine learning to accurately classify water samples as potable or not based on their chemical properties.</a:t>
+              <a:t>The project underscored the importance of comprehensive dataset and the impact of feature selection on model outcomes.</a:t>
             </a:r>
           </a:p>
           <a:p>
@@ -3835,7 +3992,65 @@
                 </a:solidFill>
                 <a:latin typeface="Lato"/>
               </a:rPr>
-              <a:t>The insights gained will aid in improving water purification processes and ensuring public health potability.</a:t>
+              <a:t>Our findings confirm the feasibility of using machine learning to predict water potability with high accuracy.</a:t>
+            </a:r>
+          </a:p>
+          <a:p>
+            <a:pPr>
+              <a:lnSpc>
+                <a:spcPts val="3919"/>
+              </a:lnSpc>
+            </a:pPr>
+            <a:endParaRPr lang="en-US" sz="2799" dirty="0">
+              <a:solidFill>
+                <a:srgbClr val="000000"/>
+              </a:solidFill>
+              <a:latin typeface="Lato"/>
+            </a:endParaRPr>
+          </a:p>
+          <a:p>
+            <a:pPr>
+              <a:lnSpc>
+                <a:spcPts val="3919"/>
+              </a:lnSpc>
+            </a:pPr>
+            <a:r>
+              <a:rPr lang="en-US" sz="2799" dirty="0">
+                <a:solidFill>
+                  <a:srgbClr val="000000"/>
+                </a:solidFill>
+                <a:latin typeface="Lato"/>
+              </a:rPr>
+              <a:t>We recommend ongoing monitoring and analysis of water quality parameters to preemptively address potability concerns.</a:t>
+            </a:r>
+          </a:p>
+          <a:p>
+            <a:pPr>
+              <a:lnSpc>
+                <a:spcPts val="3919"/>
+              </a:lnSpc>
+            </a:pPr>
+            <a:endParaRPr lang="en-US" sz="2799" dirty="0">
+              <a:solidFill>
+                <a:srgbClr val="000000"/>
+              </a:solidFill>
+              <a:latin typeface="Lato"/>
+            </a:endParaRPr>
+          </a:p>
+          <a:p>
+            <a:pPr>
+              <a:lnSpc>
+                <a:spcPts val="3919"/>
+              </a:lnSpc>
+            </a:pPr>
+            <a:r>
+              <a:rPr lang="en-US" sz="2799" dirty="0">
+                <a:solidFill>
+                  <a:srgbClr val="000000"/>
+                </a:solidFill>
+                <a:latin typeface="Lato"/>
+              </a:rPr>
+              <a:t>Further research should explore the integration of additional predictive variables and the deployment of real-time water quality monitoring systems.</a:t>
             </a:r>
           </a:p>
         </p:txBody>
@@ -3848,7 +4063,7 @@
 </p:sld>
 </file>
 
-<file path=ppt/slides/slide3.xml><?xml version="1.0" encoding="utf-8"?>
+<file path=ppt/slides/slide2.xml><?xml version="1.0" encoding="utf-8"?>
 <p:sld xmlns:a="http://schemas.openxmlformats.org/drawingml/2006/main" xmlns:r="http://schemas.openxmlformats.org/officeDocument/2006/relationships" xmlns:p="http://schemas.openxmlformats.org/presentationml/2006/main">
   <p:cSld>
     <p:spTree>
@@ -3963,8 +4178,8 @@
         </p:nvSpPr>
         <p:spPr>
           <a:xfrm>
-            <a:off x="2036105" y="1884515"/>
-            <a:ext cx="4519051" cy="622935"/>
+            <a:off x="1737374" y="1409700"/>
+            <a:ext cx="3846698" cy="622935"/>
           </a:xfrm>
           <a:prstGeom prst="rect">
             <a:avLst/>
@@ -3982,13 +4197,13 @@
               </a:lnSpc>
             </a:pPr>
             <a:r>
-              <a:rPr lang="en-US" sz="3600">
+              <a:rPr lang="en-US" sz="3600" dirty="0">
                 <a:solidFill>
                   <a:srgbClr val="00A79D"/>
                 </a:solidFill>
                 <a:latin typeface="Lato Bold"/>
               </a:rPr>
-              <a:t>Dataset Description</a:t>
+              <a:t>Project Objectives</a:t>
             </a:r>
           </a:p>
         </p:txBody>
@@ -4001,7 +4216,7 @@
         </p:nvSpPr>
         <p:spPr>
           <a:xfrm>
-            <a:off x="2036105" y="3785644"/>
+            <a:off x="1828800" y="3164522"/>
             <a:ext cx="15223195" cy="3957955"/>
           </a:xfrm>
           <a:prstGeom prst="rect">
@@ -4026,7 +4241,7 @@
                 </a:solidFill>
                 <a:latin typeface="Lato"/>
               </a:rPr>
-              <a:t>We sourced our dataset from Kaggle, which contains detailed measurements related to water quality and potability.</a:t>
+              <a:t>Our primary objective is to conduct a comprehensive analysis of water quality, focusing on its potability status.</a:t>
             </a:r>
           </a:p>
           <a:p>
@@ -4055,7 +4270,7 @@
                 </a:solidFill>
                 <a:latin typeface="Lato"/>
               </a:rPr>
-              <a:t>Key features include pH level, hardness, solids concentration, and other chemical properties critical for assessing water potability.</a:t>
+              <a:t>We aim to develop a predictive model using machine learning to accurately classify water samples as potable or not based on their chemical properties.</a:t>
             </a:r>
           </a:p>
           <a:p>
@@ -4084,7 +4299,7 @@
                 </a:solidFill>
                 <a:latin typeface="Lato"/>
               </a:rPr>
-              <a:t>Each sample in the dataset is labeled for potability, allowing for a clear binary classification task in our analysis.</a:t>
+              <a:t>The insights gained will aid in improving water purification processes and ensuring public health potability.</a:t>
             </a:r>
           </a:p>
         </p:txBody>
@@ -4097,7 +4312,7 @@
 </p:sld>
 </file>
 
-<file path=ppt/slides/slide4.xml><?xml version="1.0" encoding="utf-8"?>
+<file path=ppt/slides/slide3.xml><?xml version="1.0" encoding="utf-8"?>
 <p:sld xmlns:a="http://schemas.openxmlformats.org/drawingml/2006/main" xmlns:r="http://schemas.openxmlformats.org/officeDocument/2006/relationships" xmlns:p="http://schemas.openxmlformats.org/presentationml/2006/main">
   <p:cSld>
     <p:spTree>
@@ -4212,7 +4427,7 @@
         </p:nvSpPr>
         <p:spPr>
           <a:xfrm>
-            <a:off x="2036105" y="1485900"/>
+            <a:off x="2036105" y="1884515"/>
             <a:ext cx="4519051" cy="622935"/>
           </a:xfrm>
           <a:prstGeom prst="rect">
@@ -4237,7 +4452,7 @@
                 </a:solidFill>
                 <a:latin typeface="Lato Bold"/>
               </a:rPr>
-              <a:t>Methodology</a:t>
+              <a:t>Dataset Description</a:t>
             </a:r>
           </a:p>
         </p:txBody>
@@ -4250,8 +4465,8 @@
         </p:nvSpPr>
         <p:spPr>
           <a:xfrm>
-            <a:off x="2036105" y="2476500"/>
-            <a:ext cx="15223195" cy="6953314"/>
+            <a:off x="2036105" y="3785644"/>
+            <a:ext cx="15223195" cy="3957955"/>
           </a:xfrm>
           <a:prstGeom prst="rect">
             <a:avLst/>
@@ -4275,7 +4490,7 @@
                 </a:solidFill>
                 <a:latin typeface="Lato"/>
               </a:rPr>
-              <a:t>Our analytical approach encompasses several key phases: exploratory analysis, database creation, data preprocessing, model training, and evaluation.</a:t>
+              <a:t>We sourced our dataset from Kaggle, which contains detailed measurements related to water quality and potability.</a:t>
             </a:r>
           </a:p>
           <a:p>
@@ -4304,7 +4519,7 @@
                 </a:solidFill>
                 <a:latin typeface="Lato"/>
               </a:rPr>
-              <a:t>Through exploratory data analysis, we delved deeper into our dataset, cleaning and removing null values to ensure a good quality dataset.</a:t>
+              <a:t>Key features include pH level, hardness, solids concentration, and other chemical properties critical for assessing water potability.</a:t>
             </a:r>
           </a:p>
           <a:p>
@@ -4333,79 +4548,8 @@
                 </a:solidFill>
                 <a:latin typeface="Lato"/>
               </a:rPr>
-              <a:t>We utilized SQLite as an integrated database for its ease of use and python functionality </a:t>
-            </a:r>
-          </a:p>
-          <a:p>
-            <a:pPr>
-              <a:lnSpc>
-                <a:spcPts val="3919"/>
-              </a:lnSpc>
-            </a:pPr>
-            <a:endParaRPr lang="en-US" sz="2799" dirty="0">
-              <a:solidFill>
-                <a:srgbClr val="000000"/>
-              </a:solidFill>
-              <a:latin typeface="Lato"/>
-            </a:endParaRPr>
-          </a:p>
-          <a:p>
-            <a:pPr>
-              <a:lnSpc>
-                <a:spcPts val="3919"/>
-              </a:lnSpc>
-            </a:pPr>
-            <a:r>
-              <a:rPr lang="en-US" sz="2799" dirty="0">
-                <a:solidFill>
-                  <a:srgbClr val="000000"/>
-                </a:solidFill>
-                <a:latin typeface="Lato"/>
-              </a:rPr>
-              <a:t>We emphasize data integrity and reliability in our preprocessing steps to ensure accurate model training.</a:t>
-            </a:r>
-          </a:p>
-          <a:p>
-            <a:pPr>
-              <a:lnSpc>
-                <a:spcPts val="3919"/>
-              </a:lnSpc>
-            </a:pPr>
-            <a:endParaRPr lang="en-US" sz="2799" dirty="0">
-              <a:solidFill>
-                <a:srgbClr val="000000"/>
-              </a:solidFill>
-              <a:latin typeface="Lato"/>
-            </a:endParaRPr>
-          </a:p>
-          <a:p>
-            <a:pPr>
-              <a:lnSpc>
-                <a:spcPts val="3919"/>
-              </a:lnSpc>
-            </a:pPr>
-            <a:r>
-              <a:rPr lang="en-US" sz="2799" dirty="0">
-                <a:solidFill>
-                  <a:srgbClr val="000000"/>
-                </a:solidFill>
-                <a:latin typeface="Lato"/>
-              </a:rPr>
-              <a:t>Using our preprocessed data, we trained and tested various supervised machine learning models, to evaluate the one that best fit our dataset.</a:t>
-            </a:r>
-          </a:p>
-          <a:p>
-            <a:pPr>
-              <a:lnSpc>
-                <a:spcPts val="3919"/>
-              </a:lnSpc>
-            </a:pPr>
-            <a:endParaRPr lang="en-US" sz="2799" dirty="0">
-              <a:solidFill>
-                <a:srgbClr val="000000"/>
-              </a:solidFill>
-              <a:latin typeface="Lato"/>
-            </a:endParaRPr>
+              <a:t>Each sample in the dataset is labeled for potability, allowing for a clear binary classification task in our analysis.</a:t>
+            </a:r>
           </a:p>
         </p:txBody>
       </p:sp>
@@ -4417,7 +4561,7 @@
 </p:sld>
 </file>
 
-<file path=ppt/slides/slide5.xml><?xml version="1.0" encoding="utf-8"?>
+<file path=ppt/slides/slide4.xml><?xml version="1.0" encoding="utf-8"?>
 <p:sld xmlns:a="http://schemas.openxmlformats.org/drawingml/2006/main" xmlns:r="http://schemas.openxmlformats.org/officeDocument/2006/relationships" xmlns:p="http://schemas.openxmlformats.org/presentationml/2006/main">
   <p:cSld>
     <p:spTree>
@@ -4532,8 +4676,8 @@
         </p:nvSpPr>
         <p:spPr>
           <a:xfrm>
-            <a:off x="1905000" y="1205681"/>
-            <a:ext cx="6670580" cy="622935"/>
+            <a:off x="2036105" y="1485900"/>
+            <a:ext cx="4519051" cy="622935"/>
           </a:xfrm>
           <a:prstGeom prst="rect">
             <a:avLst/>
@@ -4557,7 +4701,7 @@
                 </a:solidFill>
                 <a:latin typeface="Lato Bold"/>
               </a:rPr>
-              <a:t>Data Cleaning and Preparation</a:t>
+              <a:t>Methodology</a:t>
             </a:r>
           </a:p>
         </p:txBody>
@@ -4570,15 +4714,15 @@
         </p:nvSpPr>
         <p:spPr>
           <a:xfrm>
-            <a:off x="974435" y="2186314"/>
-            <a:ext cx="7459198" cy="5953040"/>
+            <a:off x="2036105" y="2476500"/>
+            <a:ext cx="15223195" cy="6953314"/>
           </a:xfrm>
           <a:prstGeom prst="rect">
             <a:avLst/>
           </a:prstGeom>
         </p:spPr>
         <p:txBody>
-          <a:bodyPr wrap="square" lIns="0" tIns="0" rIns="0" bIns="0" rtlCol="0" anchor="t">
+          <a:bodyPr lIns="0" tIns="0" rIns="0" bIns="0" rtlCol="0" anchor="t">
             <a:spAutoFit/>
           </a:bodyPr>
           <a:lstStyle/>
@@ -4595,7 +4739,7 @@
                 </a:solidFill>
                 <a:latin typeface="Lato"/>
               </a:rPr>
-              <a:t>Data cleaning involved removing or imputing missing values to maintain dataset consistency and reliability.</a:t>
+              <a:t>Our analytical approach encompasses several key phases: exploratory analysis, database creation, data preprocessing, model training, and evaluation.</a:t>
             </a:r>
           </a:p>
           <a:p>
@@ -4624,7 +4768,7 @@
                 </a:solidFill>
                 <a:latin typeface="Lato"/>
               </a:rPr>
-              <a:t>We performed feature selection to identify the most relevant variables for predicting water portability.</a:t>
+              <a:t>Through exploratory data analysis, we delved deeper into our dataset, cleaning and removing null values to ensure a good quality dataset.</a:t>
             </a:r>
           </a:p>
           <a:p>
@@ -4653,173 +4797,79 @@
                 </a:solidFill>
                 <a:latin typeface="Lato"/>
               </a:rPr>
-              <a:t>Normalization and scaling techniques were applied to standardize the range of our data features, optimizing them for machine learning algorithms.</a:t>
-            </a:r>
-          </a:p>
-        </p:txBody>
-      </p:sp>
-      <p:pic>
-        <p:nvPicPr>
-          <p:cNvPr id="7" name="Picture 6">
-            <a:extLst>
-              <a:ext uri="{FF2B5EF4-FFF2-40B4-BE49-F238E27FC236}">
-                <a16:creationId xmlns:a16="http://schemas.microsoft.com/office/drawing/2014/main" id="{A0426BB1-655A-EE3A-960B-33FEC835D319}"/>
-              </a:ext>
-            </a:extLst>
-          </p:cNvPr>
-          <p:cNvPicPr>
-            <a:picLocks noChangeAspect="1"/>
-          </p:cNvPicPr>
-          <p:nvPr/>
-        </p:nvPicPr>
-        <p:blipFill rotWithShape="1">
-          <a:blip r:embed="rId4"/>
-          <a:srcRect l="3883" r="1793"/>
-          <a:stretch/>
-        </p:blipFill>
-        <p:spPr>
-          <a:xfrm>
-            <a:off x="8937908" y="1555475"/>
-            <a:ext cx="8855682" cy="2514600"/>
-          </a:xfrm>
-          <a:prstGeom prst="rect">
-            <a:avLst/>
-          </a:prstGeom>
-          <a:ln w="127000" cap="sq">
-            <a:solidFill>
-              <a:srgbClr val="000000"/>
-            </a:solidFill>
-            <a:miter lim="800000"/>
-          </a:ln>
-          <a:effectLst>
-            <a:outerShdw blurRad="57150" dist="50800" dir="2700000" algn="tl" rotWithShape="0">
-              <a:srgbClr val="000000">
-                <a:alpha val="40000"/>
-              </a:srgbClr>
-            </a:outerShdw>
-          </a:effectLst>
-        </p:spPr>
-      </p:pic>
-      <p:pic>
-        <p:nvPicPr>
-          <p:cNvPr id="9" name="Picture 8">
-            <a:extLst>
-              <a:ext uri="{FF2B5EF4-FFF2-40B4-BE49-F238E27FC236}">
-                <a16:creationId xmlns:a16="http://schemas.microsoft.com/office/drawing/2014/main" id="{3114029D-D0CB-27FF-5022-3A7149FC1A9C}"/>
-              </a:ext>
-            </a:extLst>
-          </p:cNvPr>
-          <p:cNvPicPr>
-            <a:picLocks noChangeAspect="1"/>
-          </p:cNvPicPr>
-          <p:nvPr/>
-        </p:nvPicPr>
-        <p:blipFill>
-          <a:blip r:embed="rId5"/>
-          <a:stretch>
-            <a:fillRect/>
-          </a:stretch>
-        </p:blipFill>
-        <p:spPr>
-          <a:xfrm>
-            <a:off x="8771892" y="5524500"/>
-            <a:ext cx="9187715" cy="2362200"/>
-          </a:xfrm>
-          <a:prstGeom prst="rect">
-            <a:avLst/>
-          </a:prstGeom>
-          <a:ln w="127000" cap="sq">
-            <a:solidFill>
-              <a:srgbClr val="000000"/>
-            </a:solidFill>
-            <a:miter lim="800000"/>
-          </a:ln>
-          <a:effectLst>
-            <a:outerShdw blurRad="57150" dist="50800" dir="2700000" algn="tl" rotWithShape="0">
-              <a:srgbClr val="000000">
-                <a:alpha val="40000"/>
-              </a:srgbClr>
-            </a:outerShdw>
-          </a:effectLst>
-        </p:spPr>
-      </p:pic>
-      <p:sp>
-        <p:nvSpPr>
-          <p:cNvPr id="10" name="TextBox 9">
-            <a:extLst>
-              <a:ext uri="{FF2B5EF4-FFF2-40B4-BE49-F238E27FC236}">
-                <a16:creationId xmlns:a16="http://schemas.microsoft.com/office/drawing/2014/main" id="{82BD3158-8803-759F-00CD-05F2A707E0ED}"/>
-              </a:ext>
-            </a:extLst>
-          </p:cNvPr>
-          <p:cNvSpPr txBox="1"/>
-          <p:nvPr/>
-        </p:nvSpPr>
-        <p:spPr>
-          <a:xfrm>
-            <a:off x="11785979" y="4393168"/>
-            <a:ext cx="2971800" cy="369332"/>
-          </a:xfrm>
-          <a:prstGeom prst="rect">
-            <a:avLst/>
-          </a:prstGeom>
-          <a:noFill/>
-        </p:spPr>
-        <p:txBody>
-          <a:bodyPr wrap="square" rtlCol="0">
-            <a:spAutoFit/>
-          </a:bodyPr>
-          <a:lstStyle/>
-          <a:p>
-            <a:r>
-              <a:rPr lang="en-IE" dirty="0"/>
-              <a:t>Original CSV as a </a:t>
-            </a:r>
-            <a:r>
-              <a:rPr lang="en-IE" dirty="0" err="1"/>
-              <a:t>DataFrame</a:t>
-            </a:r>
-            <a:endParaRPr lang="en-IE" dirty="0"/>
-          </a:p>
-        </p:txBody>
-      </p:sp>
-      <p:sp>
-        <p:nvSpPr>
-          <p:cNvPr id="12" name="TextBox 11">
-            <a:extLst>
-              <a:ext uri="{FF2B5EF4-FFF2-40B4-BE49-F238E27FC236}">
-                <a16:creationId xmlns:a16="http://schemas.microsoft.com/office/drawing/2014/main" id="{E9C9A715-EB29-DD44-1E4D-7B04CCDD8C7A}"/>
-              </a:ext>
-            </a:extLst>
-          </p:cNvPr>
-          <p:cNvSpPr txBox="1"/>
-          <p:nvPr/>
-        </p:nvSpPr>
-        <p:spPr>
-          <a:xfrm>
-            <a:off x="11785979" y="8137648"/>
-            <a:ext cx="3810000" cy="369332"/>
-          </a:xfrm>
-          <a:prstGeom prst="rect">
-            <a:avLst/>
-          </a:prstGeom>
-          <a:noFill/>
-        </p:spPr>
-        <p:txBody>
-          <a:bodyPr wrap="square">
-            <a:spAutoFit/>
-          </a:bodyPr>
-          <a:lstStyle/>
-          <a:p>
-            <a:r>
-              <a:rPr lang="en-IE" dirty="0"/>
-              <a:t>Final cleaned dataset as a </a:t>
-            </a:r>
-            <a:r>
-              <a:rPr lang="en-IE" dirty="0" err="1"/>
-              <a:t>DataFrame</a:t>
-            </a:r>
-            <a:endParaRPr lang="en-IE" dirty="0"/>
+              <a:t>We utilized SQLite as an integrated database for its ease of use and python functionality </a:t>
+            </a:r>
+          </a:p>
+          <a:p>
+            <a:pPr>
+              <a:lnSpc>
+                <a:spcPts val="3919"/>
+              </a:lnSpc>
+            </a:pPr>
+            <a:endParaRPr lang="en-US" sz="2799" dirty="0">
+              <a:solidFill>
+                <a:srgbClr val="000000"/>
+              </a:solidFill>
+              <a:latin typeface="Lato"/>
+            </a:endParaRPr>
+          </a:p>
+          <a:p>
+            <a:pPr>
+              <a:lnSpc>
+                <a:spcPts val="3919"/>
+              </a:lnSpc>
+            </a:pPr>
+            <a:r>
+              <a:rPr lang="en-US" sz="2799" dirty="0">
+                <a:solidFill>
+                  <a:srgbClr val="000000"/>
+                </a:solidFill>
+                <a:latin typeface="Lato"/>
+              </a:rPr>
+              <a:t>We emphasize data integrity and reliability in our preprocessing steps to ensure accurate model training.</a:t>
+            </a:r>
+          </a:p>
+          <a:p>
+            <a:pPr>
+              <a:lnSpc>
+                <a:spcPts val="3919"/>
+              </a:lnSpc>
+            </a:pPr>
+            <a:endParaRPr lang="en-US" sz="2799" dirty="0">
+              <a:solidFill>
+                <a:srgbClr val="000000"/>
+              </a:solidFill>
+              <a:latin typeface="Lato"/>
+            </a:endParaRPr>
+          </a:p>
+          <a:p>
+            <a:pPr>
+              <a:lnSpc>
+                <a:spcPts val="3919"/>
+              </a:lnSpc>
+            </a:pPr>
+            <a:r>
+              <a:rPr lang="en-US" sz="2799" dirty="0">
+                <a:solidFill>
+                  <a:srgbClr val="000000"/>
+                </a:solidFill>
+                <a:latin typeface="Lato"/>
+              </a:rPr>
+              <a:t>Using our preprocessed data, we trained and tested various supervised machine learning models, to evaluate the one that best fit our dataset.</a:t>
+            </a:r>
+          </a:p>
+          <a:p>
+            <a:pPr>
+              <a:lnSpc>
+                <a:spcPts val="3919"/>
+              </a:lnSpc>
+            </a:pPr>
+            <a:endParaRPr lang="en-US" sz="2799" dirty="0">
+              <a:solidFill>
+                <a:srgbClr val="000000"/>
+              </a:solidFill>
+              <a:latin typeface="Lato"/>
+            </a:endParaRPr>
           </a:p>
         </p:txBody>
       </p:sp>
@@ -4831,7 +4881,7 @@
 </p:sld>
 </file>
 
-<file path=ppt/slides/slide6.xml><?xml version="1.0" encoding="utf-8"?>
+<file path=ppt/slides/slide5.xml><?xml version="1.0" encoding="utf-8"?>
 <p:sld xmlns:a="http://schemas.openxmlformats.org/drawingml/2006/main" xmlns:r="http://schemas.openxmlformats.org/officeDocument/2006/relationships" xmlns:p="http://schemas.openxmlformats.org/presentationml/2006/main">
   <p:cSld>
     <p:spTree>
@@ -4850,38 +4900,13 @@
       </p:grpSpPr>
       <p:sp>
         <p:nvSpPr>
-          <p:cNvPr id="2" name="AutoShape 2"/>
-          <p:cNvSpPr/>
-          <p:nvPr/>
-        </p:nvSpPr>
-        <p:spPr>
-          <a:xfrm flipV="1">
-            <a:off x="648895" y="9682200"/>
-            <a:ext cx="651081" cy="4762"/>
-          </a:xfrm>
-          <a:prstGeom prst="line">
-            <a:avLst/>
-          </a:prstGeom>
-          <a:ln w="19050" cap="flat">
-            <a:solidFill>
-              <a:srgbClr val="00A79D"/>
-            </a:solidFill>
-            <a:prstDash val="solid"/>
-            <a:headEnd type="none" w="sm" len="sm"/>
-            <a:tailEnd type="triangle" w="lg" len="med"/>
-          </a:ln>
-        </p:spPr>
-        <p:txBody>
-          <a:bodyPr/>
-          <a:lstStyle/>
-          <a:p>
-            <a:endParaRPr lang="en-IE"/>
-          </a:p>
-        </p:txBody>
-      </p:sp>
-      <p:sp>
-        <p:nvSpPr>
-          <p:cNvPr id="3" name="Freeform 3"/>
+          <p:cNvPr id="2" name="Freeform 3">
+            <a:extLst>
+              <a:ext uri="{FF2B5EF4-FFF2-40B4-BE49-F238E27FC236}">
+                <a16:creationId xmlns:a16="http://schemas.microsoft.com/office/drawing/2014/main" id="{8C296339-DDE5-AFEC-A823-9E73B55C73A2}"/>
+              </a:ext>
+            </a:extLst>
+          </p:cNvPr>
           <p:cNvSpPr/>
           <p:nvPr/>
         </p:nvSpPr>
@@ -4940,21 +4965,28 @@
       </p:sp>
       <p:sp>
         <p:nvSpPr>
-          <p:cNvPr id="4" name="TextBox 4"/>
+          <p:cNvPr id="4" name="TextBox 3">
+            <a:extLst>
+              <a:ext uri="{FF2B5EF4-FFF2-40B4-BE49-F238E27FC236}">
+                <a16:creationId xmlns:a16="http://schemas.microsoft.com/office/drawing/2014/main" id="{DE13BEB7-8E1F-090F-280E-103D5697114F}"/>
+              </a:ext>
+            </a:extLst>
+          </p:cNvPr>
           <p:cNvSpPr txBox="1"/>
           <p:nvPr/>
         </p:nvSpPr>
         <p:spPr>
           <a:xfrm>
-            <a:off x="2286000" y="1205681"/>
-            <a:ext cx="6670580" cy="622935"/>
+            <a:off x="1730748" y="1231919"/>
+            <a:ext cx="9144000" cy="671594"/>
           </a:xfrm>
           <a:prstGeom prst="rect">
             <a:avLst/>
           </a:prstGeom>
-        </p:spPr>
-        <p:txBody>
-          <a:bodyPr lIns="0" tIns="0" rIns="0" bIns="0" rtlCol="0" anchor="t">
+          <a:noFill/>
+        </p:spPr>
+        <p:txBody>
+          <a:bodyPr wrap="square">
             <a:spAutoFit/>
           </a:bodyPr>
           <a:lstStyle/>
@@ -4971,28 +5003,35 @@
                 </a:solidFill>
                 <a:latin typeface="Lato Bold"/>
               </a:rPr>
-              <a:t>Exploratory Data Analysis (EDA)</a:t>
-            </a:r>
-          </a:p>
-        </p:txBody>
-      </p:sp>
-      <p:sp>
-        <p:nvSpPr>
-          <p:cNvPr id="5" name="TextBox 5"/>
+              <a:t>Data Storage</a:t>
+            </a:r>
+          </a:p>
+        </p:txBody>
+      </p:sp>
+      <p:sp>
+        <p:nvSpPr>
+          <p:cNvPr id="6" name="TextBox 5">
+            <a:extLst>
+              <a:ext uri="{FF2B5EF4-FFF2-40B4-BE49-F238E27FC236}">
+                <a16:creationId xmlns:a16="http://schemas.microsoft.com/office/drawing/2014/main" id="{99B4B2AC-CE7C-D445-1715-8635B01BD4A4}"/>
+              </a:ext>
+            </a:extLst>
+          </p:cNvPr>
           <p:cNvSpPr txBox="1"/>
           <p:nvPr/>
         </p:nvSpPr>
         <p:spPr>
           <a:xfrm>
-            <a:off x="2036105" y="3785644"/>
-            <a:ext cx="15223195" cy="3957955"/>
+            <a:off x="1028700" y="2019300"/>
+            <a:ext cx="7240974" cy="7545848"/>
           </a:xfrm>
           <a:prstGeom prst="rect">
             <a:avLst/>
           </a:prstGeom>
-        </p:spPr>
-        <p:txBody>
-          <a:bodyPr lIns="0" tIns="0" rIns="0" bIns="0" rtlCol="0" anchor="t">
+          <a:noFill/>
+        </p:spPr>
+        <p:txBody>
+          <a:bodyPr wrap="square">
             <a:spAutoFit/>
           </a:bodyPr>
           <a:lstStyle/>
@@ -5003,13 +5042,13 @@
               </a:lnSpc>
             </a:pPr>
             <a:r>
-              <a:rPr lang="en-US" sz="2799">
+              <a:rPr lang="en-US" sz="2800" dirty="0">
                 <a:solidFill>
                   <a:srgbClr val="000000"/>
                 </a:solidFill>
                 <a:latin typeface="Lato"/>
               </a:rPr>
-              <a:t>In our EDA phase, we meticulously examined the distribution and correlation of water quality parameters.</a:t>
+              <a:t>To store our cleaned dataset, we utilized SQLite as it is ideal for small-scale projects</a:t>
             </a:r>
           </a:p>
           <a:p>
@@ -5018,7 +5057,83 @@
                 <a:spcPts val="3919"/>
               </a:lnSpc>
             </a:pPr>
-            <a:endParaRPr lang="en-US" sz="2799">
+            <a:endParaRPr lang="en-US" sz="2800" dirty="0">
+              <a:solidFill>
+                <a:srgbClr val="000000"/>
+              </a:solidFill>
+              <a:latin typeface="Lato" panose="020F0502020204030203" pitchFamily="34" charset="0"/>
+              <a:ea typeface="Lato" panose="020F0502020204030203" pitchFamily="34" charset="0"/>
+              <a:cs typeface="Lato" panose="020F0502020204030203" pitchFamily="34" charset="0"/>
+            </a:endParaRPr>
+          </a:p>
+          <a:p>
+            <a:pPr>
+              <a:lnSpc>
+                <a:spcPts val="3919"/>
+              </a:lnSpc>
+            </a:pPr>
+            <a:r>
+              <a:rPr lang="en-US" sz="2800" b="0" i="0" dirty="0">
+                <a:solidFill>
+                  <a:srgbClr val="0D0D0D"/>
+                </a:solidFill>
+                <a:effectLst/>
+                <a:latin typeface="Lato" panose="020F0502020204030203" pitchFamily="34" charset="0"/>
+                <a:ea typeface="Lato" panose="020F0502020204030203" pitchFamily="34" charset="0"/>
+                <a:cs typeface="Lato" panose="020F0502020204030203" pitchFamily="34" charset="0"/>
+              </a:rPr>
+              <a:t>By leveraging SQLite, we were able to quickly set up a database without the need for complex server configurations</a:t>
+            </a:r>
+          </a:p>
+          <a:p>
+            <a:pPr>
+              <a:lnSpc>
+                <a:spcPts val="3919"/>
+              </a:lnSpc>
+            </a:pPr>
+            <a:endParaRPr lang="en-US" sz="2800" dirty="0">
+              <a:solidFill>
+                <a:srgbClr val="0D0D0D"/>
+              </a:solidFill>
+              <a:latin typeface="Lato" panose="020F0502020204030203" pitchFamily="34" charset="0"/>
+              <a:ea typeface="Lato" panose="020F0502020204030203" pitchFamily="34" charset="0"/>
+              <a:cs typeface="Lato" panose="020F0502020204030203" pitchFamily="34" charset="0"/>
+            </a:endParaRPr>
+          </a:p>
+          <a:p>
+            <a:pPr>
+              <a:lnSpc>
+                <a:spcPts val="3919"/>
+              </a:lnSpc>
+            </a:pPr>
+            <a:r>
+              <a:rPr lang="en-US" sz="2800" b="0" i="0" dirty="0">
+                <a:solidFill>
+                  <a:srgbClr val="0D0D0D"/>
+                </a:solidFill>
+                <a:effectLst/>
+                <a:latin typeface="Lato" panose="020F0502020204030203" pitchFamily="34" charset="0"/>
+                <a:ea typeface="Lato" panose="020F0502020204030203" pitchFamily="34" charset="0"/>
+                <a:cs typeface="Lato" panose="020F0502020204030203" pitchFamily="34" charset="0"/>
+              </a:rPr>
+              <a:t>SQLite's support for standard SQL syntax enabled seamless querying and manipulation of data, facilitating efficient data retrieval and processing within our project. Overall, SQLite proved to be a reliable and efficient choice for our project's database needs.</a:t>
+            </a:r>
+            <a:endParaRPr lang="en-US" sz="2800" dirty="0">
+              <a:solidFill>
+                <a:srgbClr val="000000"/>
+              </a:solidFill>
+              <a:latin typeface="Lato" panose="020F0502020204030203" pitchFamily="34" charset="0"/>
+              <a:ea typeface="Lato" panose="020F0502020204030203" pitchFamily="34" charset="0"/>
+              <a:cs typeface="Lato" panose="020F0502020204030203" pitchFamily="34" charset="0"/>
+            </a:endParaRPr>
+          </a:p>
+          <a:p>
+            <a:pPr>
+              <a:lnSpc>
+                <a:spcPts val="3919"/>
+              </a:lnSpc>
+            </a:pPr>
+            <a:endParaRPr lang="en-US" sz="2800" dirty="0">
               <a:solidFill>
                 <a:srgbClr val="000000"/>
               </a:solidFill>
@@ -5031,48 +5146,131 @@
                 <a:spcPts val="3919"/>
               </a:lnSpc>
             </a:pPr>
-            <a:r>
-              <a:rPr lang="en-US" sz="2799">
-                <a:solidFill>
-                  <a:srgbClr val="000000"/>
-                </a:solidFill>
-                <a:latin typeface="Lato"/>
-              </a:rPr>
-              <a:t>Statistical analyses were conducted to understand the underlying structures of the data and to identify any outliers or anomalies.</a:t>
-            </a:r>
-          </a:p>
-          <a:p>
-            <a:pPr>
-              <a:lnSpc>
-                <a:spcPts val="3919"/>
-              </a:lnSpc>
-            </a:pPr>
-            <a:endParaRPr lang="en-US" sz="2799">
-              <a:solidFill>
-                <a:srgbClr val="000000"/>
-              </a:solidFill>
+            <a:endParaRPr lang="en-US" sz="2800" dirty="0">
               <a:latin typeface="Lato"/>
             </a:endParaRPr>
           </a:p>
-          <a:p>
-            <a:pPr>
-              <a:lnSpc>
-                <a:spcPts val="3919"/>
-              </a:lnSpc>
-            </a:pPr>
-            <a:r>
-              <a:rPr lang="en-US" sz="2799">
-                <a:solidFill>
-                  <a:srgbClr val="000000"/>
-                </a:solidFill>
-                <a:latin typeface="Lato"/>
-              </a:rPr>
-              <a:t>Visualization tools like histograms, scatter plots, and box plots were employed to provide a clear graphical representation of our findings.</a:t>
-            </a:r>
-          </a:p>
-        </p:txBody>
-      </p:sp>
+        </p:txBody>
+      </p:sp>
+      <p:pic>
+        <p:nvPicPr>
+          <p:cNvPr id="8" name="Picture 7">
+            <a:extLst>
+              <a:ext uri="{FF2B5EF4-FFF2-40B4-BE49-F238E27FC236}">
+                <a16:creationId xmlns:a16="http://schemas.microsoft.com/office/drawing/2014/main" id="{7EB7E154-3594-6B18-EE50-A96876285EB0}"/>
+              </a:ext>
+            </a:extLst>
+          </p:cNvPr>
+          <p:cNvPicPr>
+            <a:picLocks noChangeAspect="1"/>
+          </p:cNvPicPr>
+          <p:nvPr/>
+        </p:nvPicPr>
+        <p:blipFill rotWithShape="1">
+          <a:blip r:embed="rId4"/>
+          <a:srcRect t="-669" r="16140" b="669"/>
+          <a:stretch/>
+        </p:blipFill>
+        <p:spPr>
+          <a:xfrm>
+            <a:off x="15602840" y="144201"/>
+            <a:ext cx="2587998" cy="1238250"/>
+          </a:xfrm>
+          <a:prstGeom prst="rect">
+            <a:avLst/>
+          </a:prstGeom>
+        </p:spPr>
+      </p:pic>
+      <p:pic>
+        <p:nvPicPr>
+          <p:cNvPr id="10" name="Picture 9">
+            <a:extLst>
+              <a:ext uri="{FF2B5EF4-FFF2-40B4-BE49-F238E27FC236}">
+                <a16:creationId xmlns:a16="http://schemas.microsoft.com/office/drawing/2014/main" id="{76EFBF82-4CC8-1366-4340-F0178D891CD9}"/>
+              </a:ext>
+            </a:extLst>
+          </p:cNvPr>
+          <p:cNvPicPr>
+            <a:picLocks noChangeAspect="1"/>
+          </p:cNvPicPr>
+          <p:nvPr/>
+        </p:nvPicPr>
+        <p:blipFill rotWithShape="1">
+          <a:blip r:embed="rId5"/>
+          <a:srcRect l="4662" t="778"/>
+          <a:stretch/>
+        </p:blipFill>
+        <p:spPr>
+          <a:xfrm>
+            <a:off x="9462590" y="3924300"/>
+            <a:ext cx="8526936" cy="4519899"/>
+          </a:xfrm>
+          <a:prstGeom prst="rect">
+            <a:avLst/>
+          </a:prstGeom>
+          <a:ln w="127000" cap="sq">
+            <a:solidFill>
+              <a:srgbClr val="000000"/>
+            </a:solidFill>
+            <a:miter lim="800000"/>
+          </a:ln>
+          <a:effectLst>
+            <a:outerShdw blurRad="57150" dist="50800" dir="2700000" algn="tl" rotWithShape="0">
+              <a:srgbClr val="000000">
+                <a:alpha val="40000"/>
+              </a:srgbClr>
+            </a:outerShdw>
+          </a:effectLst>
+        </p:spPr>
+      </p:pic>
+      <p:pic>
+        <p:nvPicPr>
+          <p:cNvPr id="14" name="Picture 13">
+            <a:extLst>
+              <a:ext uri="{FF2B5EF4-FFF2-40B4-BE49-F238E27FC236}">
+                <a16:creationId xmlns:a16="http://schemas.microsoft.com/office/drawing/2014/main" id="{B094CB14-B088-44F9-4780-3DDC4C56E4B8}"/>
+              </a:ext>
+            </a:extLst>
+          </p:cNvPr>
+          <p:cNvPicPr>
+            <a:picLocks noChangeAspect="1"/>
+          </p:cNvPicPr>
+          <p:nvPr/>
+        </p:nvPicPr>
+        <p:blipFill rotWithShape="1">
+          <a:blip r:embed="rId6"/>
+          <a:srcRect t="-5951" r="4867" b="-1"/>
+          <a:stretch/>
+        </p:blipFill>
+        <p:spPr>
+          <a:xfrm>
+            <a:off x="9469216" y="2628900"/>
+            <a:ext cx="8526937" cy="671594"/>
+          </a:xfrm>
+          <a:prstGeom prst="rect">
+            <a:avLst/>
+          </a:prstGeom>
+          <a:ln w="127000" cap="sq">
+            <a:solidFill>
+              <a:srgbClr val="000000"/>
+            </a:solidFill>
+            <a:miter lim="800000"/>
+          </a:ln>
+          <a:effectLst>
+            <a:outerShdw blurRad="57150" dist="50800" dir="2700000" algn="tl" rotWithShape="0">
+              <a:srgbClr val="000000">
+                <a:alpha val="40000"/>
+              </a:srgbClr>
+            </a:outerShdw>
+          </a:effectLst>
+        </p:spPr>
+      </p:pic>
     </p:spTree>
+    <p:extLst>
+      <p:ext uri="{BB962C8B-B14F-4D97-AF65-F5344CB8AC3E}">
+        <p14:creationId xmlns:p14="http://schemas.microsoft.com/office/powerpoint/2010/main" val="646420518"/>
+      </p:ext>
+    </p:extLst>
   </p:cSld>
   <p:clrMapOvr>
     <a:masterClrMapping/>
@@ -5080,7 +5278,7 @@
 </p:sld>
 </file>
 
-<file path=ppt/slides/slide7.xml><?xml version="1.0" encoding="utf-8"?>
+<file path=ppt/slides/slide6.xml><?xml version="1.0" encoding="utf-8"?>
 <p:sld xmlns:a="http://schemas.openxmlformats.org/drawingml/2006/main" xmlns:r="http://schemas.openxmlformats.org/officeDocument/2006/relationships" xmlns:p="http://schemas.openxmlformats.org/presentationml/2006/main">
   <p:cSld>
     <p:spTree>
@@ -5195,7 +5393,7 @@
         </p:nvSpPr>
         <p:spPr>
           <a:xfrm>
-            <a:off x="2036105" y="1155290"/>
+            <a:off x="1905000" y="1205681"/>
             <a:ext cx="6670580" cy="622935"/>
           </a:xfrm>
           <a:prstGeom prst="rect">
@@ -5214,13 +5412,13 @@
               </a:lnSpc>
             </a:pPr>
             <a:r>
-              <a:rPr lang="en-US" sz="3600">
+              <a:rPr lang="en-US" sz="3600" dirty="0">
                 <a:solidFill>
                   <a:srgbClr val="00A79D"/>
                 </a:solidFill>
                 <a:latin typeface="Lato Bold"/>
               </a:rPr>
-              <a:t>Machine Learning Models</a:t>
+              <a:t>Data Cleaning and Preparation</a:t>
             </a:r>
           </a:p>
         </p:txBody>
@@ -5233,8 +5431,8 @@
         </p:nvSpPr>
         <p:spPr>
           <a:xfrm>
-            <a:off x="914400" y="2300785"/>
-            <a:ext cx="7331365" cy="6453177"/>
+            <a:off x="974435" y="2186314"/>
+            <a:ext cx="7459198" cy="5953040"/>
           </a:xfrm>
           <a:prstGeom prst="rect">
             <a:avLst/>
@@ -5258,7 +5456,7 @@
                 </a:solidFill>
                 <a:latin typeface="Lato"/>
               </a:rPr>
-              <a:t>We evaluated several machine learning models, including Decision Trees, SVM, and Random Forest, for their efficacy in predicting potability.</a:t>
+              <a:t>Data cleaning involved removing or imputing missing values to maintain dataset consistency and reliability.</a:t>
             </a:r>
           </a:p>
           <a:p>
@@ -5287,7 +5485,7 @@
                 </a:solidFill>
                 <a:latin typeface="Lato"/>
               </a:rPr>
-              <a:t>Hyperparameter tuning was performed to find the optimal settings for each model, enhancing their predictive accuracy.</a:t>
+              <a:t>We performed feature selection to identify the most relevant variables for predicting water portability.</a:t>
             </a:r>
           </a:p>
           <a:p>
@@ -5316,21 +5514,8 @@
                 </a:solidFill>
                 <a:latin typeface="Lato"/>
               </a:rPr>
-              <a:t>The models were rigorously tested against a validation set to determine their generalization capability in unseen data scenarios.</a:t>
-            </a:r>
-          </a:p>
-          <a:p>
-            <a:pPr>
-              <a:lnSpc>
-                <a:spcPts val="3919"/>
-              </a:lnSpc>
-            </a:pPr>
-            <a:endParaRPr lang="en-US" sz="2799" dirty="0">
-              <a:solidFill>
-                <a:srgbClr val="000000"/>
-              </a:solidFill>
-              <a:latin typeface="Lato"/>
-            </a:endParaRPr>
+              <a:t>Normalization and scaling techniques were applied to standardize the range of our data features, optimizing them for machine learning algorithms.</a:t>
+            </a:r>
           </a:p>
         </p:txBody>
       </p:sp>
@@ -5339,7 +5524,7 @@
           <p:cNvPr id="7" name="Picture 6">
             <a:extLst>
               <a:ext uri="{FF2B5EF4-FFF2-40B4-BE49-F238E27FC236}">
-                <a16:creationId xmlns:a16="http://schemas.microsoft.com/office/drawing/2014/main" id="{7466A4D4-21B0-2C3F-25FC-2E075A15AE92}"/>
+                <a16:creationId xmlns:a16="http://schemas.microsoft.com/office/drawing/2014/main" id="{A0426BB1-655A-EE3A-960B-33FEC835D319}"/>
               </a:ext>
             </a:extLst>
           </p:cNvPr>
@@ -5348,16 +5533,15 @@
           </p:cNvPicPr>
           <p:nvPr/>
         </p:nvPicPr>
-        <p:blipFill>
+        <p:blipFill rotWithShape="1">
           <a:blip r:embed="rId4"/>
-          <a:stretch>
-            <a:fillRect/>
-          </a:stretch>
+          <a:srcRect l="3883" r="1793"/>
+          <a:stretch/>
         </p:blipFill>
         <p:spPr>
           <a:xfrm>
-            <a:off x="10098666" y="2933700"/>
-            <a:ext cx="7539468" cy="3143343"/>
+            <a:off x="8937908" y="1555475"/>
+            <a:ext cx="8855682" cy="2514600"/>
           </a:xfrm>
           <a:prstGeom prst="rect">
             <a:avLst/>
@@ -5377,12 +5561,55 @@
           </a:effectLst>
         </p:spPr>
       </p:pic>
-      <p:sp>
-        <p:nvSpPr>
-          <p:cNvPr id="8" name="TextBox 7">
+      <p:pic>
+        <p:nvPicPr>
+          <p:cNvPr id="9" name="Picture 8">
             <a:extLst>
               <a:ext uri="{FF2B5EF4-FFF2-40B4-BE49-F238E27FC236}">
-                <a16:creationId xmlns:a16="http://schemas.microsoft.com/office/drawing/2014/main" id="{5CDE8F82-A009-EBE2-72E6-EDDEA08C68D6}"/>
+                <a16:creationId xmlns:a16="http://schemas.microsoft.com/office/drawing/2014/main" id="{3114029D-D0CB-27FF-5022-3A7149FC1A9C}"/>
+              </a:ext>
+            </a:extLst>
+          </p:cNvPr>
+          <p:cNvPicPr>
+            <a:picLocks noChangeAspect="1"/>
+          </p:cNvPicPr>
+          <p:nvPr/>
+        </p:nvPicPr>
+        <p:blipFill>
+          <a:blip r:embed="rId5"/>
+          <a:stretch>
+            <a:fillRect/>
+          </a:stretch>
+        </p:blipFill>
+        <p:spPr>
+          <a:xfrm>
+            <a:off x="8771892" y="5524500"/>
+            <a:ext cx="9187715" cy="2362200"/>
+          </a:xfrm>
+          <a:prstGeom prst="rect">
+            <a:avLst/>
+          </a:prstGeom>
+          <a:ln w="127000" cap="sq">
+            <a:solidFill>
+              <a:srgbClr val="000000"/>
+            </a:solidFill>
+            <a:miter lim="800000"/>
+          </a:ln>
+          <a:effectLst>
+            <a:outerShdw blurRad="57150" dist="50800" dir="2700000" algn="tl" rotWithShape="0">
+              <a:srgbClr val="000000">
+                <a:alpha val="40000"/>
+              </a:srgbClr>
+            </a:outerShdw>
+          </a:effectLst>
+        </p:spPr>
+      </p:pic>
+      <p:sp>
+        <p:nvSpPr>
+          <p:cNvPr id="10" name="TextBox 9">
+            <a:extLst>
+              <a:ext uri="{FF2B5EF4-FFF2-40B4-BE49-F238E27FC236}">
+                <a16:creationId xmlns:a16="http://schemas.microsoft.com/office/drawing/2014/main" id="{82BD3158-8803-759F-00CD-05F2A707E0ED}"/>
               </a:ext>
             </a:extLst>
           </p:cNvPr>
@@ -5391,8 +5618,8 @@
         </p:nvSpPr>
         <p:spPr>
           <a:xfrm>
-            <a:off x="11658600" y="6438900"/>
-            <a:ext cx="4419600" cy="381000"/>
+            <a:off x="11785979" y="4393168"/>
+            <a:ext cx="2971800" cy="369332"/>
           </a:xfrm>
           <a:prstGeom prst="rect">
             <a:avLst/>
@@ -5407,8 +5634,53 @@
           <a:p>
             <a:r>
               <a:rPr lang="en-IE" dirty="0"/>
-              <a:t>The classification result of our first model</a:t>
-            </a:r>
+              <a:t>Original CSV as a </a:t>
+            </a:r>
+            <a:r>
+              <a:rPr lang="en-IE" dirty="0" err="1"/>
+              <a:t>DataFrame</a:t>
+            </a:r>
+            <a:endParaRPr lang="en-IE" dirty="0"/>
+          </a:p>
+        </p:txBody>
+      </p:sp>
+      <p:sp>
+        <p:nvSpPr>
+          <p:cNvPr id="12" name="TextBox 11">
+            <a:extLst>
+              <a:ext uri="{FF2B5EF4-FFF2-40B4-BE49-F238E27FC236}">
+                <a16:creationId xmlns:a16="http://schemas.microsoft.com/office/drawing/2014/main" id="{E9C9A715-EB29-DD44-1E4D-7B04CCDD8C7A}"/>
+              </a:ext>
+            </a:extLst>
+          </p:cNvPr>
+          <p:cNvSpPr txBox="1"/>
+          <p:nvPr/>
+        </p:nvSpPr>
+        <p:spPr>
+          <a:xfrm>
+            <a:off x="11785979" y="8137648"/>
+            <a:ext cx="3810000" cy="369332"/>
+          </a:xfrm>
+          <a:prstGeom prst="rect">
+            <a:avLst/>
+          </a:prstGeom>
+          <a:noFill/>
+        </p:spPr>
+        <p:txBody>
+          <a:bodyPr wrap="square">
+            <a:spAutoFit/>
+          </a:bodyPr>
+          <a:lstStyle/>
+          <a:p>
+            <a:r>
+              <a:rPr lang="en-IE" dirty="0"/>
+              <a:t>Final cleaned dataset as a </a:t>
+            </a:r>
+            <a:r>
+              <a:rPr lang="en-IE" dirty="0" err="1"/>
+              <a:t>DataFrame</a:t>
+            </a:r>
+            <a:endParaRPr lang="en-IE" dirty="0"/>
           </a:p>
         </p:txBody>
       </p:sp>
@@ -5420,7 +5692,7 @@
 </p:sld>
 </file>
 
-<file path=ppt/slides/slide8.xml><?xml version="1.0" encoding="utf-8"?>
+<file path=ppt/slides/slide7.xml><?xml version="1.0" encoding="utf-8"?>
 <p:sld xmlns:a="http://schemas.openxmlformats.org/drawingml/2006/main" xmlns:r="http://schemas.openxmlformats.org/officeDocument/2006/relationships" xmlns:p="http://schemas.openxmlformats.org/presentationml/2006/main">
   <p:cSld>
     <p:spTree>
@@ -5535,7 +5807,7 @@
         </p:nvSpPr>
         <p:spPr>
           <a:xfrm>
-            <a:off x="1905000" y="1127581"/>
+            <a:off x="2286000" y="1205681"/>
             <a:ext cx="6670580" cy="622935"/>
           </a:xfrm>
           <a:prstGeom prst="rect">
@@ -5560,7 +5832,7 @@
                 </a:solidFill>
                 <a:latin typeface="Lato Bold"/>
               </a:rPr>
-              <a:t>Model Training and Evaluation</a:t>
+              <a:t>Exploratory Data Analysis (EDA)</a:t>
             </a:r>
           </a:p>
         </p:txBody>
@@ -5573,15 +5845,15 @@
         </p:nvSpPr>
         <p:spPr>
           <a:xfrm>
-            <a:off x="870335" y="1943100"/>
-            <a:ext cx="7837056" cy="7453451"/>
+            <a:off x="2036105" y="3785644"/>
+            <a:ext cx="15223195" cy="3957955"/>
           </a:xfrm>
           <a:prstGeom prst="rect">
             <a:avLst/>
           </a:prstGeom>
         </p:spPr>
         <p:txBody>
-          <a:bodyPr wrap="square" lIns="0" tIns="0" rIns="0" bIns="0" rtlCol="0" anchor="t">
+          <a:bodyPr lIns="0" tIns="0" rIns="0" bIns="0" rtlCol="0" anchor="t">
             <a:spAutoFit/>
           </a:bodyPr>
           <a:lstStyle/>
@@ -5592,13 +5864,13 @@
               </a:lnSpc>
             </a:pPr>
             <a:r>
-              <a:rPr lang="en-US" sz="2799" dirty="0">
+              <a:rPr lang="en-US" sz="2799">
                 <a:solidFill>
                   <a:srgbClr val="000000"/>
                 </a:solidFill>
                 <a:latin typeface="Lato"/>
               </a:rPr>
-              <a:t>Model training involved dividing the dataset into training and testing subsets to validate the learning and predictive power of our models.</a:t>
+              <a:t>In our EDA phase, we meticulously examined the distribution and correlation of water quality parameters.</a:t>
             </a:r>
           </a:p>
           <a:p>
@@ -5607,7 +5879,7 @@
                 <a:spcPts val="3919"/>
               </a:lnSpc>
             </a:pPr>
-            <a:endParaRPr lang="en-US" sz="2799" dirty="0">
+            <a:endParaRPr lang="en-US" sz="2799">
               <a:solidFill>
                 <a:srgbClr val="000000"/>
               </a:solidFill>
@@ -5621,31 +5893,13 @@
               </a:lnSpc>
             </a:pPr>
             <a:r>
-              <a:rPr lang="en-US" sz="2799" dirty="0">
+              <a:rPr lang="en-US" sz="2799">
                 <a:solidFill>
                   <a:srgbClr val="000000"/>
                 </a:solidFill>
                 <a:latin typeface="Lato"/>
               </a:rPr>
-              <a:t>The </a:t>
-            </a:r>
-            <a:r>
-              <a:rPr lang="en-US" sz="2799" dirty="0" err="1">
-                <a:solidFill>
-                  <a:srgbClr val="000000"/>
-                </a:solidFill>
-                <a:latin typeface="Lato"/>
-              </a:rPr>
-              <a:t>RandomOverSampler</a:t>
-            </a:r>
-            <a:r>
-              <a:rPr lang="en-US" sz="2799" dirty="0">
-                <a:solidFill>
-                  <a:srgbClr val="000000"/>
-                </a:solidFill>
-                <a:latin typeface="Lato"/>
-              </a:rPr>
-              <a:t> was used to create a second training and test dataset.</a:t>
+              <a:t>Statistical analyses were conducted to understand the underlying structures of the data and to identify any outliers or anomalies.</a:t>
             </a:r>
           </a:p>
           <a:p>
@@ -5654,7 +5908,7 @@
                 <a:spcPts val="3919"/>
               </a:lnSpc>
             </a:pPr>
-            <a:endParaRPr lang="en-US" sz="2799" dirty="0">
+            <a:endParaRPr lang="en-US" sz="2799">
               <a:solidFill>
                 <a:srgbClr val="000000"/>
               </a:solidFill>
@@ -5668,240 +5922,13 @@
               </a:lnSpc>
             </a:pPr>
             <a:r>
-              <a:rPr lang="en-US" sz="2799" dirty="0">
+              <a:rPr lang="en-US" sz="2799">
                 <a:solidFill>
                   <a:srgbClr val="000000"/>
                 </a:solidFill>
                 <a:latin typeface="Lato"/>
               </a:rPr>
-              <a:t>We utilized cross-validation techniques to ensure that our model performance was robust and not due to overfitting.</a:t>
-            </a:r>
-          </a:p>
-          <a:p>
-            <a:pPr>
-              <a:lnSpc>
-                <a:spcPts val="3919"/>
-              </a:lnSpc>
-            </a:pPr>
-            <a:endParaRPr lang="en-US" sz="2799" dirty="0">
-              <a:solidFill>
-                <a:srgbClr val="000000"/>
-              </a:solidFill>
-              <a:latin typeface="Lato"/>
-            </a:endParaRPr>
-          </a:p>
-          <a:p>
-            <a:pPr>
-              <a:lnSpc>
-                <a:spcPts val="3919"/>
-              </a:lnSpc>
-            </a:pPr>
-            <a:r>
-              <a:rPr lang="en-US" sz="2799" dirty="0">
-                <a:solidFill>
-                  <a:srgbClr val="000000"/>
-                </a:solidFill>
-                <a:latin typeface="Lato"/>
-              </a:rPr>
-              <a:t>The Random Forest model showed superior performance, with an 85% accuracy rate, making it our primary model for water potability prediction.</a:t>
-            </a:r>
-          </a:p>
-        </p:txBody>
-      </p:sp>
-      <p:pic>
-        <p:nvPicPr>
-          <p:cNvPr id="7" name="Picture 6">
-            <a:extLst>
-              <a:ext uri="{FF2B5EF4-FFF2-40B4-BE49-F238E27FC236}">
-                <a16:creationId xmlns:a16="http://schemas.microsoft.com/office/drawing/2014/main" id="{B85142CF-5138-1E12-C099-E77BC9688AC8}"/>
-              </a:ext>
-            </a:extLst>
-          </p:cNvPr>
-          <p:cNvPicPr>
-            <a:picLocks noChangeAspect="1"/>
-          </p:cNvPicPr>
-          <p:nvPr/>
-        </p:nvPicPr>
-        <p:blipFill rotWithShape="1">
-          <a:blip r:embed="rId4"/>
-          <a:srcRect l="6369"/>
-          <a:stretch/>
-        </p:blipFill>
-        <p:spPr>
-          <a:xfrm>
-            <a:off x="8839201" y="1750516"/>
-            <a:ext cx="8841396" cy="1551965"/>
-          </a:xfrm>
-          <a:prstGeom prst="rect">
-            <a:avLst/>
-          </a:prstGeom>
-          <a:ln w="127000" cap="sq">
-            <a:solidFill>
-              <a:srgbClr val="000000"/>
-            </a:solidFill>
-            <a:miter lim="800000"/>
-          </a:ln>
-          <a:effectLst>
-            <a:outerShdw blurRad="57150" dist="50800" dir="2700000" algn="tl" rotWithShape="0">
-              <a:srgbClr val="000000">
-                <a:alpha val="40000"/>
-              </a:srgbClr>
-            </a:outerShdw>
-          </a:effectLst>
-        </p:spPr>
-      </p:pic>
-      <p:pic>
-        <p:nvPicPr>
-          <p:cNvPr id="9" name="Picture 8">
-            <a:extLst>
-              <a:ext uri="{FF2B5EF4-FFF2-40B4-BE49-F238E27FC236}">
-                <a16:creationId xmlns:a16="http://schemas.microsoft.com/office/drawing/2014/main" id="{0814AE53-DE4F-5126-0A69-7A6E5AE9AB56}"/>
-              </a:ext>
-            </a:extLst>
-          </p:cNvPr>
-          <p:cNvPicPr>
-            <a:picLocks noChangeAspect="1"/>
-          </p:cNvPicPr>
-          <p:nvPr/>
-        </p:nvPicPr>
-        <p:blipFill>
-          <a:blip r:embed="rId5"/>
-          <a:stretch>
-            <a:fillRect/>
-          </a:stretch>
-        </p:blipFill>
-        <p:spPr>
-          <a:xfrm>
-            <a:off x="9006178" y="4939243"/>
-            <a:ext cx="3954934" cy="2341321"/>
-          </a:xfrm>
-          <a:prstGeom prst="rect">
-            <a:avLst/>
-          </a:prstGeom>
-          <a:ln w="127000" cap="sq">
-            <a:solidFill>
-              <a:srgbClr val="000000"/>
-            </a:solidFill>
-            <a:miter lim="800000"/>
-          </a:ln>
-          <a:effectLst>
-            <a:outerShdw blurRad="57150" dist="50800" dir="2700000" algn="tl" rotWithShape="0">
-              <a:srgbClr val="000000">
-                <a:alpha val="40000"/>
-              </a:srgbClr>
-            </a:outerShdw>
-          </a:effectLst>
-        </p:spPr>
-      </p:pic>
-      <p:pic>
-        <p:nvPicPr>
-          <p:cNvPr id="11" name="Picture 10">
-            <a:extLst>
-              <a:ext uri="{FF2B5EF4-FFF2-40B4-BE49-F238E27FC236}">
-                <a16:creationId xmlns:a16="http://schemas.microsoft.com/office/drawing/2014/main" id="{3FB74F8C-F39F-C3EC-15A7-6F59C07451E2}"/>
-              </a:ext>
-            </a:extLst>
-          </p:cNvPr>
-          <p:cNvPicPr>
-            <a:picLocks noChangeAspect="1"/>
-          </p:cNvPicPr>
-          <p:nvPr/>
-        </p:nvPicPr>
-        <p:blipFill>
-          <a:blip r:embed="rId6"/>
-          <a:stretch>
-            <a:fillRect/>
-          </a:stretch>
-        </p:blipFill>
-        <p:spPr>
-          <a:xfrm>
-            <a:off x="13305443" y="4939243"/>
-            <a:ext cx="4409790" cy="2027959"/>
-          </a:xfrm>
-          <a:prstGeom prst="rect">
-            <a:avLst/>
-          </a:prstGeom>
-          <a:ln w="127000" cap="sq">
-            <a:solidFill>
-              <a:srgbClr val="000000"/>
-            </a:solidFill>
-            <a:miter lim="800000"/>
-          </a:ln>
-          <a:effectLst>
-            <a:outerShdw blurRad="57150" dist="50800" dir="2700000" algn="tl" rotWithShape="0">
-              <a:srgbClr val="000000">
-                <a:alpha val="40000"/>
-              </a:srgbClr>
-            </a:outerShdw>
-          </a:effectLst>
-        </p:spPr>
-      </p:pic>
-      <p:sp>
-        <p:nvSpPr>
-          <p:cNvPr id="12" name="TextBox 11">
-            <a:extLst>
-              <a:ext uri="{FF2B5EF4-FFF2-40B4-BE49-F238E27FC236}">
-                <a16:creationId xmlns:a16="http://schemas.microsoft.com/office/drawing/2014/main" id="{7DE6DFB6-C2B5-81D7-72C0-77C636BF1215}"/>
-              </a:ext>
-            </a:extLst>
-          </p:cNvPr>
-          <p:cNvSpPr txBox="1"/>
-          <p:nvPr/>
-        </p:nvSpPr>
-        <p:spPr>
-          <a:xfrm>
-            <a:off x="10983645" y="3619500"/>
-            <a:ext cx="8273665" cy="369332"/>
-          </a:xfrm>
-          <a:prstGeom prst="rect">
-            <a:avLst/>
-          </a:prstGeom>
-          <a:noFill/>
-        </p:spPr>
-        <p:txBody>
-          <a:bodyPr wrap="square" rtlCol="0">
-            <a:spAutoFit/>
-          </a:bodyPr>
-          <a:lstStyle/>
-          <a:p>
-            <a:r>
-              <a:rPr lang="en-IE" dirty="0"/>
-              <a:t>How we split our training and test data</a:t>
-            </a:r>
-          </a:p>
-        </p:txBody>
-      </p:sp>
-      <p:sp>
-        <p:nvSpPr>
-          <p:cNvPr id="13" name="TextBox 12">
-            <a:extLst>
-              <a:ext uri="{FF2B5EF4-FFF2-40B4-BE49-F238E27FC236}">
-                <a16:creationId xmlns:a16="http://schemas.microsoft.com/office/drawing/2014/main" id="{549F283B-69AE-B492-C85B-A2B4F53FF11C}"/>
-              </a:ext>
-            </a:extLst>
-          </p:cNvPr>
-          <p:cNvSpPr txBox="1"/>
-          <p:nvPr/>
-        </p:nvSpPr>
-        <p:spPr>
-          <a:xfrm>
-            <a:off x="10744200" y="7732947"/>
-            <a:ext cx="5410200" cy="369332"/>
-          </a:xfrm>
-          <a:prstGeom prst="rect">
-            <a:avLst/>
-          </a:prstGeom>
-          <a:noFill/>
-        </p:spPr>
-        <p:txBody>
-          <a:bodyPr wrap="square" rtlCol="0">
-            <a:spAutoFit/>
-          </a:bodyPr>
-          <a:lstStyle/>
-          <a:p>
-            <a:r>
-              <a:rPr lang="en-IE" dirty="0"/>
-              <a:t>How our value counts changed between models</a:t>
+              <a:t>Visualization tools like histograms, scatter plots, and box plots were employed to provide a clear graphical representation of our findings.</a:t>
             </a:r>
           </a:p>
         </p:txBody>
@@ -5914,7 +5941,7 @@
 </p:sld>
 </file>
 
-<file path=ppt/slides/slide9.xml><?xml version="1.0" encoding="utf-8"?>
+<file path=ppt/slides/slide8.xml><?xml version="1.0" encoding="utf-8"?>
 <p:sld xmlns:a="http://schemas.openxmlformats.org/drawingml/2006/main" xmlns:r="http://schemas.openxmlformats.org/officeDocument/2006/relationships" xmlns:p="http://schemas.openxmlformats.org/presentationml/2006/main">
   <p:cSld>
     <p:spTree>
@@ -6029,7 +6056,7 @@
         </p:nvSpPr>
         <p:spPr>
           <a:xfrm>
-            <a:off x="1828800" y="1205681"/>
+            <a:off x="2036105" y="1155290"/>
             <a:ext cx="6670580" cy="622935"/>
           </a:xfrm>
           <a:prstGeom prst="rect">
@@ -6048,13 +6075,13 @@
               </a:lnSpc>
             </a:pPr>
             <a:r>
-              <a:rPr lang="en-US" sz="3600" dirty="0">
+              <a:rPr lang="en-US" sz="3600">
                 <a:solidFill>
                   <a:srgbClr val="00A79D"/>
                 </a:solidFill>
                 <a:latin typeface="Lato Bold"/>
               </a:rPr>
-              <a:t>Results and Insights</a:t>
+              <a:t>Machine Learning Models</a:t>
             </a:r>
           </a:p>
         </p:txBody>
@@ -6067,8 +6094,8 @@
         </p:nvSpPr>
         <p:spPr>
           <a:xfrm>
-            <a:off x="687874" y="2119953"/>
-            <a:ext cx="7829703" cy="6278642"/>
+            <a:off x="914400" y="2300785"/>
+            <a:ext cx="7331365" cy="6453177"/>
           </a:xfrm>
           <a:prstGeom prst="rect">
             <a:avLst/>
@@ -6080,145 +6107,90 @@
           </a:bodyPr>
           <a:lstStyle/>
           <a:p>
-            <a:r>
-              <a:rPr lang="en-US" sz="2400" dirty="0">
-                <a:latin typeface="Lato" panose="020F0502020204030203" pitchFamily="34" charset="0"/>
-                <a:ea typeface="Lato" panose="020F0502020204030203" pitchFamily="34" charset="0"/>
-                <a:cs typeface="Lato" panose="020F0502020204030203" pitchFamily="34" charset="0"/>
+            <a:pPr>
+              <a:lnSpc>
+                <a:spcPts val="3919"/>
+              </a:lnSpc>
+            </a:pPr>
+            <a:r>
+              <a:rPr lang="en-US" sz="2799" dirty="0">
+                <a:solidFill>
+                  <a:srgbClr val="000000"/>
+                </a:solidFill>
+                <a:latin typeface="Lato"/>
               </a:rPr>
-              <a:t>Our model's performance demonstrates a strong capability to classify water samples based on potability </a:t>
-            </a:r>
-            <a:r>
-              <a:rPr lang="en-US" sz="2400">
-                <a:latin typeface="Lato" panose="020F0502020204030203" pitchFamily="34" charset="0"/>
-                <a:ea typeface="Lato" panose="020F0502020204030203" pitchFamily="34" charset="0"/>
-                <a:cs typeface="Lato" panose="020F0502020204030203" pitchFamily="34" charset="0"/>
+              <a:t>We evaluated several machine learning models, including Decision Trees, SVM, and Random Forest, for their efficacy in predicting potability.</a:t>
+            </a:r>
+          </a:p>
+          <a:p>
+            <a:pPr>
+              <a:lnSpc>
+                <a:spcPts val="3919"/>
+              </a:lnSpc>
+            </a:pPr>
+            <a:endParaRPr lang="en-US" sz="2799" dirty="0">
+              <a:solidFill>
+                <a:srgbClr val="000000"/>
+              </a:solidFill>
+              <a:latin typeface="Lato"/>
+            </a:endParaRPr>
+          </a:p>
+          <a:p>
+            <a:pPr>
+              <a:lnSpc>
+                <a:spcPts val="3919"/>
+              </a:lnSpc>
+            </a:pPr>
+            <a:r>
+              <a:rPr lang="en-US" sz="2799" dirty="0">
+                <a:solidFill>
+                  <a:srgbClr val="000000"/>
+                </a:solidFill>
+                <a:latin typeface="Lato"/>
               </a:rPr>
-              <a:t>accurately.</a:t>
-            </a:r>
-            <a:br>
-              <a:rPr lang="en-US" sz="2400" b="0" i="0" dirty="0">
-                <a:effectLst/>
-                <a:latin typeface="Lato" panose="020F0502020204030203" pitchFamily="34" charset="0"/>
-                <a:ea typeface="Lato" panose="020F0502020204030203" pitchFamily="34" charset="0"/>
-                <a:cs typeface="Lato" panose="020F0502020204030203" pitchFamily="34" charset="0"/>
+              <a:t>Hyperparameter tuning was performed to find the optimal settings for each model, enhancing their predictive accuracy.</a:t>
+            </a:r>
+          </a:p>
+          <a:p>
+            <a:pPr>
+              <a:lnSpc>
+                <a:spcPts val="3919"/>
+              </a:lnSpc>
+            </a:pPr>
+            <a:endParaRPr lang="en-US" sz="2799" dirty="0">
+              <a:solidFill>
+                <a:srgbClr val="000000"/>
+              </a:solidFill>
+              <a:latin typeface="Lato"/>
+            </a:endParaRPr>
+          </a:p>
+          <a:p>
+            <a:pPr>
+              <a:lnSpc>
+                <a:spcPts val="3919"/>
+              </a:lnSpc>
+            </a:pPr>
+            <a:r>
+              <a:rPr lang="en-US" sz="2799" dirty="0">
+                <a:solidFill>
+                  <a:srgbClr val="000000"/>
+                </a:solidFill>
+                <a:latin typeface="Lato"/>
               </a:rPr>
-            </a:br>
-            <a:endParaRPr lang="en-US" sz="2400" b="0" i="0" dirty="0">
-              <a:effectLst/>
-              <a:latin typeface="Lato" panose="020F0502020204030203" pitchFamily="34" charset="0"/>
-              <a:ea typeface="Lato" panose="020F0502020204030203" pitchFamily="34" charset="0"/>
-              <a:cs typeface="Lato" panose="020F0502020204030203" pitchFamily="34" charset="0"/>
-            </a:endParaRPr>
-          </a:p>
-          <a:p>
-            <a:r>
-              <a:rPr lang="en-US" sz="2400" dirty="0">
-                <a:solidFill>
-                  <a:srgbClr val="0D0D0D"/>
-                </a:solidFill>
-                <a:highlight>
-                  <a:srgbClr val="FFFFFF"/>
-                </a:highlight>
-                <a:latin typeface="Lato" panose="020F0502020204030203" pitchFamily="34" charset="0"/>
-                <a:ea typeface="Lato" panose="020F0502020204030203" pitchFamily="34" charset="0"/>
-                <a:cs typeface="Lato" panose="020F0502020204030203" pitchFamily="34" charset="0"/>
-              </a:rPr>
-              <a:t>T</a:t>
-            </a:r>
-            <a:r>
-              <a:rPr lang="en-US" sz="2400" b="0" i="0" dirty="0">
-                <a:solidFill>
-                  <a:srgbClr val="0D0D0D"/>
-                </a:solidFill>
-                <a:effectLst/>
-                <a:highlight>
-                  <a:srgbClr val="FFFFFF"/>
-                </a:highlight>
-                <a:latin typeface="Lato" panose="020F0502020204030203" pitchFamily="34" charset="0"/>
-                <a:ea typeface="Lato" panose="020F0502020204030203" pitchFamily="34" charset="0"/>
-                <a:cs typeface="Lato" panose="020F0502020204030203" pitchFamily="34" charset="0"/>
-              </a:rPr>
-              <a:t>he balanced model outperforms the imbalanced model with higher overall accuracy (90.80% vs. 88.39%) and balanced accuracy (89.43% vs. 86.26%). </a:t>
-            </a:r>
-          </a:p>
-          <a:p>
-            <a:endParaRPr lang="en-US" sz="2400" dirty="0">
+              <a:t>The models were rigorously tested against a validation set to determine their generalization capability in unseen data scenarios.</a:t>
+            </a:r>
+          </a:p>
+          <a:p>
+            <a:pPr>
+              <a:lnSpc>
+                <a:spcPts val="3919"/>
+              </a:lnSpc>
+            </a:pPr>
+            <a:endParaRPr lang="en-US" sz="2799" dirty="0">
               <a:solidFill>
-                <a:srgbClr val="0D0D0D"/>
+                <a:srgbClr val="000000"/>
               </a:solidFill>
-              <a:highlight>
-                <a:srgbClr val="FFFFFF"/>
-              </a:highlight>
-              <a:latin typeface="Lato" panose="020F0502020204030203" pitchFamily="34" charset="0"/>
-              <a:ea typeface="Lato" panose="020F0502020204030203" pitchFamily="34" charset="0"/>
-              <a:cs typeface="Lato" panose="020F0502020204030203" pitchFamily="34" charset="0"/>
-            </a:endParaRPr>
-          </a:p>
-          <a:p>
-            <a:r>
-              <a:rPr lang="en-US" sz="2400" b="0" i="0" dirty="0">
-                <a:solidFill>
-                  <a:srgbClr val="0D0D0D"/>
-                </a:solidFill>
-                <a:effectLst/>
-                <a:highlight>
-                  <a:srgbClr val="FFFFFF"/>
-                </a:highlight>
-                <a:latin typeface="Lato" panose="020F0502020204030203" pitchFamily="34" charset="0"/>
-                <a:ea typeface="Lato" panose="020F0502020204030203" pitchFamily="34" charset="0"/>
-                <a:cs typeface="Lato" panose="020F0502020204030203" pitchFamily="34" charset="0"/>
-              </a:rPr>
-              <a:t>Both models exhibit consistent precision (~91%), but the balanced model shows improved recall for class 1 (84% vs. 77%). </a:t>
-            </a:r>
-          </a:p>
-          <a:p>
-            <a:endParaRPr lang="en-US" sz="2400" dirty="0">
-              <a:solidFill>
-                <a:srgbClr val="0D0D0D"/>
-              </a:solidFill>
-              <a:highlight>
-                <a:srgbClr val="FFFFFF"/>
-              </a:highlight>
-              <a:latin typeface="Lato" panose="020F0502020204030203" pitchFamily="34" charset="0"/>
-              <a:ea typeface="Lato" panose="020F0502020204030203" pitchFamily="34" charset="0"/>
-              <a:cs typeface="Lato" panose="020F0502020204030203" pitchFamily="34" charset="0"/>
-            </a:endParaRPr>
-          </a:p>
-          <a:p>
-            <a:r>
-              <a:rPr lang="en-US" sz="2400" b="0" i="0" dirty="0">
-                <a:solidFill>
-                  <a:srgbClr val="0D0D0D"/>
-                </a:solidFill>
-                <a:effectLst/>
-                <a:highlight>
-                  <a:srgbClr val="FFFFFF"/>
-                </a:highlight>
-                <a:latin typeface="Lato" panose="020F0502020204030203" pitchFamily="34" charset="0"/>
-                <a:ea typeface="Lato" panose="020F0502020204030203" pitchFamily="34" charset="0"/>
-                <a:cs typeface="Lato" panose="020F0502020204030203" pitchFamily="34" charset="0"/>
-              </a:rPr>
-              <a:t>Additionally, the F1-scores for both classes are higher in the balanced model, indicating better balance between precision and recall.</a:t>
-            </a:r>
-            <a:endParaRPr lang="en-US" sz="2400" dirty="0">
-              <a:latin typeface="Lato" panose="020F0502020204030203" pitchFamily="34" charset="0"/>
-              <a:ea typeface="Lato" panose="020F0502020204030203" pitchFamily="34" charset="0"/>
-              <a:cs typeface="Lato" panose="020F0502020204030203" pitchFamily="34" charset="0"/>
-            </a:endParaRPr>
-          </a:p>
-          <a:p>
-            <a:endParaRPr lang="en-US" sz="2400" dirty="0">
-              <a:latin typeface="Lato" panose="020F0502020204030203" pitchFamily="34" charset="0"/>
-              <a:ea typeface="Lato" panose="020F0502020204030203" pitchFamily="34" charset="0"/>
-              <a:cs typeface="Lato" panose="020F0502020204030203" pitchFamily="34" charset="0"/>
-            </a:endParaRPr>
-          </a:p>
-          <a:p>
-            <a:endParaRPr lang="en-US" sz="2400" dirty="0">
-              <a:latin typeface="Lato" panose="020F0502020204030203" pitchFamily="34" charset="0"/>
-              <a:ea typeface="Lato" panose="020F0502020204030203" pitchFamily="34" charset="0"/>
-              <a:cs typeface="Lato" panose="020F0502020204030203" pitchFamily="34" charset="0"/>
+              <a:latin typeface="Lato"/>
             </a:endParaRPr>
           </a:p>
         </p:txBody>
@@ -6228,7 +6200,7 @@
           <p:cNvPr id="7" name="Picture 6">
             <a:extLst>
               <a:ext uri="{FF2B5EF4-FFF2-40B4-BE49-F238E27FC236}">
-                <a16:creationId xmlns:a16="http://schemas.microsoft.com/office/drawing/2014/main" id="{62653F54-2971-33AD-CEB4-4AC9D4380CFE}"/>
+                <a16:creationId xmlns:a16="http://schemas.microsoft.com/office/drawing/2014/main" id="{7466A4D4-21B0-2C3F-25FC-2E075A15AE92}"/>
               </a:ext>
             </a:extLst>
           </p:cNvPr>
@@ -6245,68 +6217,8 @@
         </p:blipFill>
         <p:spPr>
           <a:xfrm>
-            <a:off x="8991600" y="6057900"/>
-            <a:ext cx="4542023" cy="3973310"/>
-          </a:xfrm>
-          <a:prstGeom prst="rect">
-            <a:avLst/>
-          </a:prstGeom>
-        </p:spPr>
-      </p:pic>
-      <p:pic>
-        <p:nvPicPr>
-          <p:cNvPr id="9" name="Picture 8">
-            <a:extLst>
-              <a:ext uri="{FF2B5EF4-FFF2-40B4-BE49-F238E27FC236}">
-                <a16:creationId xmlns:a16="http://schemas.microsoft.com/office/drawing/2014/main" id="{F27124D6-5224-A883-93AB-AE9E558D4EC5}"/>
-              </a:ext>
-            </a:extLst>
-          </p:cNvPr>
-          <p:cNvPicPr>
-            <a:picLocks noChangeAspect="1"/>
-          </p:cNvPicPr>
-          <p:nvPr/>
-        </p:nvPicPr>
-        <p:blipFill>
-          <a:blip r:embed="rId5"/>
-          <a:stretch>
-            <a:fillRect/>
-          </a:stretch>
-        </p:blipFill>
-        <p:spPr>
-          <a:xfrm>
-            <a:off x="13639800" y="6175323"/>
-            <a:ext cx="4377685" cy="3824714"/>
-          </a:xfrm>
-          <a:prstGeom prst="rect">
-            <a:avLst/>
-          </a:prstGeom>
-        </p:spPr>
-      </p:pic>
-      <p:pic>
-        <p:nvPicPr>
-          <p:cNvPr id="11" name="Picture 10">
-            <a:extLst>
-              <a:ext uri="{FF2B5EF4-FFF2-40B4-BE49-F238E27FC236}">
-                <a16:creationId xmlns:a16="http://schemas.microsoft.com/office/drawing/2014/main" id="{14673E16-5A8A-9EB3-3AD5-1CF2624F9B9F}"/>
-              </a:ext>
-            </a:extLst>
-          </p:cNvPr>
-          <p:cNvPicPr>
-            <a:picLocks noChangeAspect="1"/>
-          </p:cNvPicPr>
-          <p:nvPr/>
-        </p:nvPicPr>
-        <p:blipFill>
-          <a:blip r:embed="rId6"/>
-          <a:stretch>
-            <a:fillRect/>
-          </a:stretch>
-        </p:blipFill>
-        <p:spPr>
-          <a:xfrm>
-            <a:off x="9144000" y="3300072"/>
-            <a:ext cx="6386405" cy="2252700"/>
+            <a:off x="10098666" y="2933700"/>
+            <a:ext cx="7539468" cy="3143343"/>
           </a:xfrm>
           <a:prstGeom prst="rect">
             <a:avLst/>
@@ -6326,12 +6238,343 @@
           </a:effectLst>
         </p:spPr>
       </p:pic>
+      <p:sp>
+        <p:nvSpPr>
+          <p:cNvPr id="8" name="TextBox 7">
+            <a:extLst>
+              <a:ext uri="{FF2B5EF4-FFF2-40B4-BE49-F238E27FC236}">
+                <a16:creationId xmlns:a16="http://schemas.microsoft.com/office/drawing/2014/main" id="{5CDE8F82-A009-EBE2-72E6-EDDEA08C68D6}"/>
+              </a:ext>
+            </a:extLst>
+          </p:cNvPr>
+          <p:cNvSpPr txBox="1"/>
+          <p:nvPr/>
+        </p:nvSpPr>
+        <p:spPr>
+          <a:xfrm>
+            <a:off x="11658600" y="6438900"/>
+            <a:ext cx="4419600" cy="381000"/>
+          </a:xfrm>
+          <a:prstGeom prst="rect">
+            <a:avLst/>
+          </a:prstGeom>
+          <a:noFill/>
+        </p:spPr>
+        <p:txBody>
+          <a:bodyPr wrap="square" rtlCol="0">
+            <a:spAutoFit/>
+          </a:bodyPr>
+          <a:lstStyle/>
+          <a:p>
+            <a:r>
+              <a:rPr lang="en-IE" dirty="0"/>
+              <a:t>The classification result of our first model</a:t>
+            </a:r>
+          </a:p>
+        </p:txBody>
+      </p:sp>
+    </p:spTree>
+  </p:cSld>
+  <p:clrMapOvr>
+    <a:masterClrMapping/>
+  </p:clrMapOvr>
+</p:sld>
+</file>
+
+<file path=ppt/slides/slide9.xml><?xml version="1.0" encoding="utf-8"?>
+<p:sld xmlns:a="http://schemas.openxmlformats.org/drawingml/2006/main" xmlns:r="http://schemas.openxmlformats.org/officeDocument/2006/relationships" xmlns:p="http://schemas.openxmlformats.org/presentationml/2006/main">
+  <p:cSld>
+    <p:spTree>
+      <p:nvGrpSpPr>
+        <p:cNvPr id="1" name=""/>
+        <p:cNvGrpSpPr/>
+        <p:nvPr/>
+      </p:nvGrpSpPr>
+      <p:grpSpPr>
+        <a:xfrm>
+          <a:off x="0" y="0"/>
+          <a:ext cx="0" cy="0"/>
+          <a:chOff x="0" y="0"/>
+          <a:chExt cx="0" cy="0"/>
+        </a:xfrm>
+      </p:grpSpPr>
+      <p:sp>
+        <p:nvSpPr>
+          <p:cNvPr id="2" name="AutoShape 2"/>
+          <p:cNvSpPr/>
+          <p:nvPr/>
+        </p:nvSpPr>
+        <p:spPr>
+          <a:xfrm flipV="1">
+            <a:off x="648895" y="9682200"/>
+            <a:ext cx="651081" cy="4762"/>
+          </a:xfrm>
+          <a:prstGeom prst="line">
+            <a:avLst/>
+          </a:prstGeom>
+          <a:ln w="19050" cap="flat">
+            <a:solidFill>
+              <a:srgbClr val="00A79D"/>
+            </a:solidFill>
+            <a:prstDash val="solid"/>
+            <a:headEnd type="none" w="sm" len="sm"/>
+            <a:tailEnd type="triangle" w="lg" len="med"/>
+          </a:ln>
+        </p:spPr>
+        <p:txBody>
+          <a:bodyPr/>
+          <a:lstStyle/>
+          <a:p>
+            <a:endParaRPr lang="en-IE"/>
+          </a:p>
+        </p:txBody>
+      </p:sp>
+      <p:sp>
+        <p:nvSpPr>
+          <p:cNvPr id="3" name="Freeform 3"/>
+          <p:cNvSpPr/>
+          <p:nvPr/>
+        </p:nvSpPr>
+        <p:spPr>
+          <a:xfrm rot="5400000">
+            <a:off x="1292890" y="764510"/>
+            <a:ext cx="176981" cy="705360"/>
+          </a:xfrm>
+          <a:custGeom>
+            <a:avLst/>
+            <a:gdLst/>
+            <a:ahLst/>
+            <a:cxnLst/>
+            <a:rect l="l" t="t" r="r" b="b"/>
+            <a:pathLst>
+              <a:path w="176981" h="705360">
+                <a:moveTo>
+                  <a:pt x="0" y="0"/>
+                </a:moveTo>
+                <a:lnTo>
+                  <a:pt x="176981" y="0"/>
+                </a:lnTo>
+                <a:lnTo>
+                  <a:pt x="176981" y="705361"/>
+                </a:lnTo>
+                <a:lnTo>
+                  <a:pt x="0" y="705361"/>
+                </a:lnTo>
+                <a:lnTo>
+                  <a:pt x="0" y="0"/>
+                </a:lnTo>
+                <a:close/>
+              </a:path>
+            </a:pathLst>
+          </a:custGeom>
+          <a:blipFill>
+            <a:blip r:embed="rId2">
+              <a:extLst>
+                <a:ext uri="{96DAC541-7B7A-43D3-8B79-37D633B846F1}">
+                  <asvg:svgBlip xmlns:asvg="http://schemas.microsoft.com/office/drawing/2016/SVG/main" r:embed="rId3"/>
+                </a:ext>
+              </a:extLst>
+            </a:blip>
+            <a:stretch>
+              <a:fillRect/>
+            </a:stretch>
+          </a:blipFill>
+        </p:spPr>
+        <p:txBody>
+          <a:bodyPr/>
+          <a:lstStyle/>
+          <a:p>
+            <a:endParaRPr lang="en-IE"/>
+          </a:p>
+        </p:txBody>
+      </p:sp>
+      <p:sp>
+        <p:nvSpPr>
+          <p:cNvPr id="4" name="TextBox 4"/>
+          <p:cNvSpPr txBox="1"/>
+          <p:nvPr/>
+        </p:nvSpPr>
+        <p:spPr>
+          <a:xfrm>
+            <a:off x="1905000" y="1127581"/>
+            <a:ext cx="6670580" cy="622935"/>
+          </a:xfrm>
+          <a:prstGeom prst="rect">
+            <a:avLst/>
+          </a:prstGeom>
+        </p:spPr>
+        <p:txBody>
+          <a:bodyPr lIns="0" tIns="0" rIns="0" bIns="0" rtlCol="0" anchor="t">
+            <a:spAutoFit/>
+          </a:bodyPr>
+          <a:lstStyle/>
+          <a:p>
+            <a:pPr>
+              <a:lnSpc>
+                <a:spcPts val="5040"/>
+              </a:lnSpc>
+            </a:pPr>
+            <a:r>
+              <a:rPr lang="en-US" sz="3600" dirty="0">
+                <a:solidFill>
+                  <a:srgbClr val="00A79D"/>
+                </a:solidFill>
+                <a:latin typeface="Lato Bold"/>
+              </a:rPr>
+              <a:t>Model Training and Evaluation</a:t>
+            </a:r>
+          </a:p>
+        </p:txBody>
+      </p:sp>
+      <p:sp>
+        <p:nvSpPr>
+          <p:cNvPr id="5" name="TextBox 5"/>
+          <p:cNvSpPr txBox="1"/>
+          <p:nvPr/>
+        </p:nvSpPr>
+        <p:spPr>
+          <a:xfrm>
+            <a:off x="870335" y="1943100"/>
+            <a:ext cx="7837056" cy="7453451"/>
+          </a:xfrm>
+          <a:prstGeom prst="rect">
+            <a:avLst/>
+          </a:prstGeom>
+        </p:spPr>
+        <p:txBody>
+          <a:bodyPr wrap="square" lIns="0" tIns="0" rIns="0" bIns="0" rtlCol="0" anchor="t">
+            <a:spAutoFit/>
+          </a:bodyPr>
+          <a:lstStyle/>
+          <a:p>
+            <a:pPr>
+              <a:lnSpc>
+                <a:spcPts val="3919"/>
+              </a:lnSpc>
+            </a:pPr>
+            <a:r>
+              <a:rPr lang="en-US" sz="2799" dirty="0">
+                <a:solidFill>
+                  <a:srgbClr val="000000"/>
+                </a:solidFill>
+                <a:latin typeface="Lato"/>
+              </a:rPr>
+              <a:t>Model training involved dividing the dataset into training and testing subsets to validate the learning and predictive power of our models.</a:t>
+            </a:r>
+          </a:p>
+          <a:p>
+            <a:pPr>
+              <a:lnSpc>
+                <a:spcPts val="3919"/>
+              </a:lnSpc>
+            </a:pPr>
+            <a:endParaRPr lang="en-US" sz="2799" dirty="0">
+              <a:solidFill>
+                <a:srgbClr val="000000"/>
+              </a:solidFill>
+              <a:latin typeface="Lato"/>
+            </a:endParaRPr>
+          </a:p>
+          <a:p>
+            <a:pPr>
+              <a:lnSpc>
+                <a:spcPts val="3919"/>
+              </a:lnSpc>
+            </a:pPr>
+            <a:r>
+              <a:rPr lang="en-US" sz="2799" dirty="0">
+                <a:solidFill>
+                  <a:srgbClr val="000000"/>
+                </a:solidFill>
+                <a:latin typeface="Lato"/>
+              </a:rPr>
+              <a:t>The </a:t>
+            </a:r>
+            <a:r>
+              <a:rPr lang="en-US" sz="2799" dirty="0" err="1">
+                <a:solidFill>
+                  <a:srgbClr val="000000"/>
+                </a:solidFill>
+                <a:latin typeface="Lato"/>
+              </a:rPr>
+              <a:t>RandomOverSampler</a:t>
+            </a:r>
+            <a:r>
+              <a:rPr lang="en-US" sz="2799" dirty="0">
+                <a:solidFill>
+                  <a:srgbClr val="000000"/>
+                </a:solidFill>
+                <a:latin typeface="Lato"/>
+              </a:rPr>
+              <a:t> was used to create a second training and test dataset.</a:t>
+            </a:r>
+          </a:p>
+          <a:p>
+            <a:pPr>
+              <a:lnSpc>
+                <a:spcPts val="3919"/>
+              </a:lnSpc>
+            </a:pPr>
+            <a:endParaRPr lang="en-US" sz="2799" dirty="0">
+              <a:solidFill>
+                <a:srgbClr val="000000"/>
+              </a:solidFill>
+              <a:latin typeface="Lato"/>
+            </a:endParaRPr>
+          </a:p>
+          <a:p>
+            <a:pPr>
+              <a:lnSpc>
+                <a:spcPts val="3919"/>
+              </a:lnSpc>
+            </a:pPr>
+            <a:r>
+              <a:rPr lang="en-US" sz="2799" dirty="0">
+                <a:solidFill>
+                  <a:srgbClr val="000000"/>
+                </a:solidFill>
+                <a:latin typeface="Lato"/>
+              </a:rPr>
+              <a:t>We utilized cross-validation techniques to ensure that our model performance was robust and not due to overfitting.</a:t>
+            </a:r>
+          </a:p>
+          <a:p>
+            <a:pPr>
+              <a:lnSpc>
+                <a:spcPts val="3919"/>
+              </a:lnSpc>
+            </a:pPr>
+            <a:endParaRPr lang="en-US" sz="2799" dirty="0">
+              <a:solidFill>
+                <a:srgbClr val="000000"/>
+              </a:solidFill>
+              <a:latin typeface="Lato"/>
+            </a:endParaRPr>
+          </a:p>
+          <a:p>
+            <a:pPr>
+              <a:lnSpc>
+                <a:spcPts val="3919"/>
+              </a:lnSpc>
+            </a:pPr>
+            <a:r>
+              <a:rPr lang="en-US" sz="2799" dirty="0">
+                <a:solidFill>
+                  <a:srgbClr val="000000"/>
+                </a:solidFill>
+                <a:latin typeface="Lato"/>
+              </a:rPr>
+              <a:t>The Random Forest model showed superior performance, with an 85% accuracy rate, making it our primary model for water potability prediction.</a:t>
+            </a:r>
+          </a:p>
+        </p:txBody>
+      </p:sp>
       <p:pic>
         <p:nvPicPr>
-          <p:cNvPr id="13" name="Picture 12">
+          <p:cNvPr id="7" name="Picture 6">
             <a:extLst>
               <a:ext uri="{FF2B5EF4-FFF2-40B4-BE49-F238E27FC236}">
-                <a16:creationId xmlns:a16="http://schemas.microsoft.com/office/drawing/2014/main" id="{A3B13841-F0F7-2B29-6E1A-02E4FD33E0BB}"/>
+                <a16:creationId xmlns:a16="http://schemas.microsoft.com/office/drawing/2014/main" id="{B85142CF-5138-1E12-C099-E77BC9688AC8}"/>
               </a:ext>
             </a:extLst>
           </p:cNvPr>
@@ -6340,16 +6583,15 @@
           </p:cNvPicPr>
           <p:nvPr/>
         </p:nvPicPr>
-        <p:blipFill>
-          <a:blip r:embed="rId7"/>
-          <a:stretch>
-            <a:fillRect/>
-          </a:stretch>
+        <p:blipFill rotWithShape="1">
+          <a:blip r:embed="rId4"/>
+          <a:srcRect l="6369"/>
+          <a:stretch/>
         </p:blipFill>
         <p:spPr>
           <a:xfrm>
-            <a:off x="9144000" y="631384"/>
-            <a:ext cx="5638800" cy="2167024"/>
+            <a:off x="8839201" y="1750516"/>
+            <a:ext cx="8841396" cy="1551965"/>
           </a:xfrm>
           <a:prstGeom prst="rect">
             <a:avLst/>
@@ -6369,6 +6611,162 @@
           </a:effectLst>
         </p:spPr>
       </p:pic>
+      <p:pic>
+        <p:nvPicPr>
+          <p:cNvPr id="9" name="Picture 8">
+            <a:extLst>
+              <a:ext uri="{FF2B5EF4-FFF2-40B4-BE49-F238E27FC236}">
+                <a16:creationId xmlns:a16="http://schemas.microsoft.com/office/drawing/2014/main" id="{0814AE53-DE4F-5126-0A69-7A6E5AE9AB56}"/>
+              </a:ext>
+            </a:extLst>
+          </p:cNvPr>
+          <p:cNvPicPr>
+            <a:picLocks noChangeAspect="1"/>
+          </p:cNvPicPr>
+          <p:nvPr/>
+        </p:nvPicPr>
+        <p:blipFill>
+          <a:blip r:embed="rId5"/>
+          <a:stretch>
+            <a:fillRect/>
+          </a:stretch>
+        </p:blipFill>
+        <p:spPr>
+          <a:xfrm>
+            <a:off x="9006178" y="4939243"/>
+            <a:ext cx="3954934" cy="2341321"/>
+          </a:xfrm>
+          <a:prstGeom prst="rect">
+            <a:avLst/>
+          </a:prstGeom>
+          <a:ln w="127000" cap="sq">
+            <a:solidFill>
+              <a:srgbClr val="000000"/>
+            </a:solidFill>
+            <a:miter lim="800000"/>
+          </a:ln>
+          <a:effectLst>
+            <a:outerShdw blurRad="57150" dist="50800" dir="2700000" algn="tl" rotWithShape="0">
+              <a:srgbClr val="000000">
+                <a:alpha val="40000"/>
+              </a:srgbClr>
+            </a:outerShdw>
+          </a:effectLst>
+        </p:spPr>
+      </p:pic>
+      <p:pic>
+        <p:nvPicPr>
+          <p:cNvPr id="11" name="Picture 10">
+            <a:extLst>
+              <a:ext uri="{FF2B5EF4-FFF2-40B4-BE49-F238E27FC236}">
+                <a16:creationId xmlns:a16="http://schemas.microsoft.com/office/drawing/2014/main" id="{3FB74F8C-F39F-C3EC-15A7-6F59C07451E2}"/>
+              </a:ext>
+            </a:extLst>
+          </p:cNvPr>
+          <p:cNvPicPr>
+            <a:picLocks noChangeAspect="1"/>
+          </p:cNvPicPr>
+          <p:nvPr/>
+        </p:nvPicPr>
+        <p:blipFill>
+          <a:blip r:embed="rId6"/>
+          <a:stretch>
+            <a:fillRect/>
+          </a:stretch>
+        </p:blipFill>
+        <p:spPr>
+          <a:xfrm>
+            <a:off x="13305443" y="4939243"/>
+            <a:ext cx="4409790" cy="2027959"/>
+          </a:xfrm>
+          <a:prstGeom prst="rect">
+            <a:avLst/>
+          </a:prstGeom>
+          <a:ln w="127000" cap="sq">
+            <a:solidFill>
+              <a:srgbClr val="000000"/>
+            </a:solidFill>
+            <a:miter lim="800000"/>
+          </a:ln>
+          <a:effectLst>
+            <a:outerShdw blurRad="57150" dist="50800" dir="2700000" algn="tl" rotWithShape="0">
+              <a:srgbClr val="000000">
+                <a:alpha val="40000"/>
+              </a:srgbClr>
+            </a:outerShdw>
+          </a:effectLst>
+        </p:spPr>
+      </p:pic>
+      <p:sp>
+        <p:nvSpPr>
+          <p:cNvPr id="12" name="TextBox 11">
+            <a:extLst>
+              <a:ext uri="{FF2B5EF4-FFF2-40B4-BE49-F238E27FC236}">
+                <a16:creationId xmlns:a16="http://schemas.microsoft.com/office/drawing/2014/main" id="{7DE6DFB6-C2B5-81D7-72C0-77C636BF1215}"/>
+              </a:ext>
+            </a:extLst>
+          </p:cNvPr>
+          <p:cNvSpPr txBox="1"/>
+          <p:nvPr/>
+        </p:nvSpPr>
+        <p:spPr>
+          <a:xfrm>
+            <a:off x="10983645" y="3619500"/>
+            <a:ext cx="8273665" cy="369332"/>
+          </a:xfrm>
+          <a:prstGeom prst="rect">
+            <a:avLst/>
+          </a:prstGeom>
+          <a:noFill/>
+        </p:spPr>
+        <p:txBody>
+          <a:bodyPr wrap="square" rtlCol="0">
+            <a:spAutoFit/>
+          </a:bodyPr>
+          <a:lstStyle/>
+          <a:p>
+            <a:r>
+              <a:rPr lang="en-IE" dirty="0"/>
+              <a:t>How we split our training and test data</a:t>
+            </a:r>
+          </a:p>
+        </p:txBody>
+      </p:sp>
+      <p:sp>
+        <p:nvSpPr>
+          <p:cNvPr id="13" name="TextBox 12">
+            <a:extLst>
+              <a:ext uri="{FF2B5EF4-FFF2-40B4-BE49-F238E27FC236}">
+                <a16:creationId xmlns:a16="http://schemas.microsoft.com/office/drawing/2014/main" id="{549F283B-69AE-B492-C85B-A2B4F53FF11C}"/>
+              </a:ext>
+            </a:extLst>
+          </p:cNvPr>
+          <p:cNvSpPr txBox="1"/>
+          <p:nvPr/>
+        </p:nvSpPr>
+        <p:spPr>
+          <a:xfrm>
+            <a:off x="10744200" y="7732947"/>
+            <a:ext cx="5410200" cy="369332"/>
+          </a:xfrm>
+          <a:prstGeom prst="rect">
+            <a:avLst/>
+          </a:prstGeom>
+          <a:noFill/>
+        </p:spPr>
+        <p:txBody>
+          <a:bodyPr wrap="square" rtlCol="0">
+            <a:spAutoFit/>
+          </a:bodyPr>
+          <a:lstStyle/>
+          <a:p>
+            <a:r>
+              <a:rPr lang="en-IE" dirty="0"/>
+              <a:t>How our value counts changed between models</a:t>
+            </a:r>
+          </a:p>
+        </p:txBody>
+      </p:sp>
     </p:spTree>
   </p:cSld>
   <p:clrMapOvr>

--- a/Project 4 Presentation.pptx
+++ b/Project 4 Presentation.pptx
@@ -5808,7 +5808,7 @@
         <p:spPr>
           <a:xfrm>
             <a:off x="2286000" y="1205681"/>
-            <a:ext cx="6670580" cy="622935"/>
+            <a:ext cx="6670580" cy="579261"/>
           </a:xfrm>
           <a:prstGeom prst="rect">
             <a:avLst/>
@@ -5826,14 +5826,20 @@
               </a:lnSpc>
             </a:pPr>
             <a:r>
-              <a:rPr lang="en-US" sz="3600" dirty="0">
+              <a:rPr lang="en-US" sz="3600" dirty="0" err="1">
                 <a:solidFill>
                   <a:srgbClr val="00A79D"/>
                 </a:solidFill>
                 <a:latin typeface="Lato Bold"/>
               </a:rPr>
-              <a:t>Exploratory Data Analysis (EDA)</a:t>
-            </a:r>
+              <a:t>Visualisations</a:t>
+            </a:r>
+            <a:endParaRPr lang="en-US" sz="3600" dirty="0">
+              <a:solidFill>
+                <a:srgbClr val="00A79D"/>
+              </a:solidFill>
+              <a:latin typeface="Lato Bold"/>
+            </a:endParaRPr>
           </a:p>
         </p:txBody>
       </p:sp>
@@ -5845,94 +5851,400 @@
         </p:nvSpPr>
         <p:spPr>
           <a:xfrm>
-            <a:off x="2036105" y="3785644"/>
-            <a:ext cx="15223195" cy="3957955"/>
+            <a:off x="533400" y="1781478"/>
+            <a:ext cx="7068600" cy="9725739"/>
           </a:xfrm>
           <a:prstGeom prst="rect">
             <a:avLst/>
           </a:prstGeom>
         </p:spPr>
         <p:txBody>
-          <a:bodyPr lIns="0" tIns="0" rIns="0" bIns="0" rtlCol="0" anchor="t">
+          <a:bodyPr wrap="square" lIns="0" tIns="0" rIns="0" bIns="0" rtlCol="0" anchor="t">
             <a:spAutoFit/>
           </a:bodyPr>
           <a:lstStyle/>
           <a:p>
-            <a:pPr>
-              <a:lnSpc>
-                <a:spcPts val="3919"/>
-              </a:lnSpc>
-            </a:pPr>
-            <a:r>
-              <a:rPr lang="en-US" sz="2799">
-                <a:solidFill>
-                  <a:srgbClr val="000000"/>
-                </a:solidFill>
-                <a:latin typeface="Lato"/>
+            <a:pPr algn="l"/>
+            <a:r>
+              <a:rPr lang="en-US" sz="2800" b="0" i="0" dirty="0">
+                <a:effectLst/>
+                <a:highlight>
+                  <a:srgbClr val="FFFFFF"/>
+                </a:highlight>
+                <a:latin typeface="Lato" panose="020F0502020204030203" pitchFamily="34" charset="0"/>
+                <a:ea typeface="Lato" panose="020F0502020204030203" pitchFamily="34" charset="0"/>
+                <a:cs typeface="Lato" panose="020F0502020204030203" pitchFamily="34" charset="0"/>
               </a:rPr>
-              <a:t>In our EDA phase, we meticulously examined the distribution and correlation of water quality parameters.</a:t>
-            </a:r>
-          </a:p>
-          <a:p>
-            <a:pPr>
-              <a:lnSpc>
-                <a:spcPts val="3919"/>
-              </a:lnSpc>
-            </a:pPr>
-            <a:endParaRPr lang="en-US" sz="2799">
+              <a:t>Distribution of Potability:</a:t>
+            </a:r>
+          </a:p>
+          <a:p>
+            <a:pPr algn="l"/>
+            <a:r>
+              <a:rPr lang="en-US" sz="2800" b="0" i="0" dirty="0">
+                <a:solidFill>
+                  <a:srgbClr val="0D0D0D"/>
+                </a:solidFill>
+                <a:effectLst/>
+                <a:highlight>
+                  <a:srgbClr val="FFFFFF"/>
+                </a:highlight>
+                <a:latin typeface="Lato" panose="020F0502020204030203" pitchFamily="34" charset="0"/>
+                <a:ea typeface="Lato" panose="020F0502020204030203" pitchFamily="34" charset="0"/>
+                <a:cs typeface="Lato" panose="020F0502020204030203" pitchFamily="34" charset="0"/>
+              </a:rPr>
+              <a:t>This visualization presents the count of potable and non-potable water </a:t>
+            </a:r>
+            <a:r>
+              <a:rPr lang="en-US" sz="2800" b="0" i="0" dirty="0">
+                <a:effectLst/>
+                <a:highlight>
+                  <a:srgbClr val="FFFFFF"/>
+                </a:highlight>
+                <a:latin typeface="Lato" panose="020F0502020204030203" pitchFamily="34" charset="0"/>
+                <a:ea typeface="Lato" panose="020F0502020204030203" pitchFamily="34" charset="0"/>
+                <a:cs typeface="Lato" panose="020F0502020204030203" pitchFamily="34" charset="0"/>
+              </a:rPr>
+              <a:t>samples</a:t>
+            </a:r>
+            <a:r>
+              <a:rPr lang="en-US" sz="2800" b="0" i="0" dirty="0">
+                <a:solidFill>
+                  <a:srgbClr val="0D0D0D"/>
+                </a:solidFill>
+                <a:effectLst/>
+                <a:highlight>
+                  <a:srgbClr val="FFFFFF"/>
+                </a:highlight>
+                <a:latin typeface="Lato" panose="020F0502020204030203" pitchFamily="34" charset="0"/>
+                <a:ea typeface="Lato" panose="020F0502020204030203" pitchFamily="34" charset="0"/>
+                <a:cs typeface="Lato" panose="020F0502020204030203" pitchFamily="34" charset="0"/>
+              </a:rPr>
+              <a:t>, providing an overview of the dataset's class distribution. </a:t>
+            </a:r>
+            <a:r>
+              <a:rPr lang="en-US" sz="2800" b="0" i="0" dirty="0">
+                <a:effectLst/>
+                <a:highlight>
+                  <a:srgbClr val="FFFFFF"/>
+                </a:highlight>
+                <a:latin typeface="Lato" panose="020F0502020204030203" pitchFamily="34" charset="0"/>
+                <a:ea typeface="Lato" panose="020F0502020204030203" pitchFamily="34" charset="0"/>
+                <a:cs typeface="Lato" panose="020F0502020204030203" pitchFamily="34" charset="0"/>
+              </a:rPr>
+              <a:t>This visualization was crucial for assessing the balance between potable and non-potable samples, which is essential for building an accurate classification models.</a:t>
+            </a:r>
+          </a:p>
+          <a:p>
+            <a:pPr algn="l"/>
+            <a:endParaRPr lang="en-US" sz="2800" dirty="0">
               <a:solidFill>
-                <a:srgbClr val="000000"/>
+                <a:srgbClr val="0D0D0D"/>
               </a:solidFill>
-              <a:latin typeface="Lato"/>
+              <a:highlight>
+                <a:srgbClr val="FFFFFF"/>
+              </a:highlight>
+              <a:latin typeface="Lato" panose="020F0502020204030203" pitchFamily="34" charset="0"/>
+              <a:ea typeface="Lato" panose="020F0502020204030203" pitchFamily="34" charset="0"/>
+              <a:cs typeface="Lato" panose="020F0502020204030203" pitchFamily="34" charset="0"/>
             </a:endParaRPr>
           </a:p>
           <a:p>
-            <a:pPr>
-              <a:lnSpc>
-                <a:spcPts val="3919"/>
-              </a:lnSpc>
-            </a:pPr>
-            <a:r>
-              <a:rPr lang="en-US" sz="2799">
-                <a:solidFill>
-                  <a:srgbClr val="000000"/>
-                </a:solidFill>
-                <a:latin typeface="Lato"/>
+            <a:pPr algn="l"/>
+            <a:r>
+              <a:rPr lang="en-US" sz="2800" dirty="0">
+                <a:solidFill>
+                  <a:srgbClr val="0D0D0D"/>
+                </a:solidFill>
+                <a:highlight>
+                  <a:srgbClr val="FFFFFF"/>
+                </a:highlight>
+                <a:latin typeface="Lato" panose="020F0502020204030203" pitchFamily="34" charset="0"/>
+                <a:ea typeface="Lato" panose="020F0502020204030203" pitchFamily="34" charset="0"/>
+                <a:cs typeface="Lato" panose="020F0502020204030203" pitchFamily="34" charset="0"/>
               </a:rPr>
-              <a:t>Statistical analyses were conducted to understand the underlying structures of the data and to identify any outliers or anomalies.</a:t>
-            </a:r>
-          </a:p>
-          <a:p>
-            <a:pPr>
-              <a:lnSpc>
-                <a:spcPts val="3919"/>
-              </a:lnSpc>
-            </a:pPr>
-            <a:endParaRPr lang="en-US" sz="2799">
+              <a:t>Histograms:</a:t>
+            </a:r>
+          </a:p>
+          <a:p>
+            <a:pPr algn="l"/>
+            <a:r>
+              <a:rPr lang="en-US" sz="2800" b="0" i="0" dirty="0">
+                <a:effectLst/>
+                <a:highlight>
+                  <a:srgbClr val="FFFFFF"/>
+                </a:highlight>
+                <a:latin typeface="Lato" panose="020F0502020204030203" pitchFamily="34" charset="0"/>
+                <a:ea typeface="Lato" panose="020F0502020204030203" pitchFamily="34" charset="0"/>
+                <a:cs typeface="Lato" panose="020F0502020204030203" pitchFamily="34" charset="0"/>
+              </a:rPr>
+              <a:t>The histograms display the distribution of each feature categorized by potability, offering insights into feature distributions within each class.</a:t>
+            </a:r>
+          </a:p>
+          <a:p>
+            <a:pPr algn="l"/>
+            <a:endParaRPr lang="en-US" sz="2800" dirty="0">
               <a:solidFill>
-                <a:srgbClr val="000000"/>
+                <a:srgbClr val="0D0D0D"/>
               </a:solidFill>
-              <a:latin typeface="Lato"/>
+              <a:highlight>
+                <a:srgbClr val="FFFFFF"/>
+              </a:highlight>
+              <a:latin typeface="Lato" panose="020F0502020204030203" pitchFamily="34" charset="0"/>
+              <a:ea typeface="Lato" panose="020F0502020204030203" pitchFamily="34" charset="0"/>
+              <a:cs typeface="Lato" panose="020F0502020204030203" pitchFamily="34" charset="0"/>
             </a:endParaRPr>
           </a:p>
           <a:p>
-            <a:pPr>
-              <a:lnSpc>
-                <a:spcPts val="3919"/>
-              </a:lnSpc>
-            </a:pPr>
-            <a:r>
-              <a:rPr lang="en-US" sz="2799">
-                <a:solidFill>
-                  <a:srgbClr val="000000"/>
-                </a:solidFill>
-                <a:latin typeface="Lato"/>
+            <a:pPr algn="l"/>
+            <a:r>
+              <a:rPr lang="en-US" sz="2800" dirty="0">
+                <a:solidFill>
+                  <a:srgbClr val="0D0D0D"/>
+                </a:solidFill>
+                <a:highlight>
+                  <a:srgbClr val="FFFFFF"/>
+                </a:highlight>
+                <a:latin typeface="Lato" panose="020F0502020204030203" pitchFamily="34" charset="0"/>
+                <a:ea typeface="Lato" panose="020F0502020204030203" pitchFamily="34" charset="0"/>
+                <a:cs typeface="Lato" panose="020F0502020204030203" pitchFamily="34" charset="0"/>
               </a:rPr>
-              <a:t>Visualization tools like histograms, scatter plots, and box plots were employed to provide a clear graphical representation of our findings.</a:t>
-            </a:r>
-          </a:p>
-        </p:txBody>
-      </p:sp>
+              <a:t>Boxplots: </a:t>
+            </a:r>
+          </a:p>
+          <a:p>
+            <a:pPr algn="l"/>
+            <a:r>
+              <a:rPr lang="en-US" sz="2800" b="0" i="0" dirty="0">
+                <a:effectLst/>
+                <a:highlight>
+                  <a:srgbClr val="FFFFFF"/>
+                </a:highlight>
+                <a:latin typeface="Lato" panose="020F0502020204030203" pitchFamily="34" charset="0"/>
+                <a:ea typeface="Lato" panose="020F0502020204030203" pitchFamily="34" charset="0"/>
+                <a:cs typeface="Lato" panose="020F0502020204030203" pitchFamily="34" charset="0"/>
+              </a:rPr>
+              <a:t>The boxplots illustrate feature distributions across potable and non-potable samples, allowing for comparative analysis</a:t>
+            </a:r>
+            <a:endParaRPr lang="en-US" sz="2800" dirty="0">
+              <a:highlight>
+                <a:srgbClr val="FFFFFF"/>
+              </a:highlight>
+              <a:latin typeface="Lato" panose="020F0502020204030203" pitchFamily="34" charset="0"/>
+              <a:ea typeface="Lato" panose="020F0502020204030203" pitchFamily="34" charset="0"/>
+              <a:cs typeface="Lato" panose="020F0502020204030203" pitchFamily="34" charset="0"/>
+            </a:endParaRPr>
+          </a:p>
+          <a:p>
+            <a:pPr algn="l"/>
+            <a:endParaRPr lang="en-US" sz="2000" dirty="0">
+              <a:solidFill>
+                <a:srgbClr val="0D0D0D"/>
+              </a:solidFill>
+              <a:highlight>
+                <a:srgbClr val="FFFFFF"/>
+              </a:highlight>
+              <a:latin typeface="Lato" panose="020F0502020204030203" pitchFamily="34" charset="0"/>
+              <a:ea typeface="Lato" panose="020F0502020204030203" pitchFamily="34" charset="0"/>
+              <a:cs typeface="Lato" panose="020F0502020204030203" pitchFamily="34" charset="0"/>
+            </a:endParaRPr>
+          </a:p>
+          <a:p>
+            <a:pPr algn="l"/>
+            <a:endParaRPr lang="en-US" sz="2000" dirty="0">
+              <a:solidFill>
+                <a:srgbClr val="0D0D0D"/>
+              </a:solidFill>
+              <a:highlight>
+                <a:srgbClr val="FFFFFF"/>
+              </a:highlight>
+              <a:latin typeface="Lato" panose="020F0502020204030203" pitchFamily="34" charset="0"/>
+              <a:ea typeface="Lato" panose="020F0502020204030203" pitchFamily="34" charset="0"/>
+              <a:cs typeface="Lato" panose="020F0502020204030203" pitchFamily="34" charset="0"/>
+            </a:endParaRPr>
+          </a:p>
+          <a:p>
+            <a:pPr algn="l"/>
+            <a:endParaRPr lang="en-US" sz="2000" b="0" i="0" dirty="0">
+              <a:solidFill>
+                <a:srgbClr val="0D0D0D"/>
+              </a:solidFill>
+              <a:effectLst/>
+              <a:highlight>
+                <a:srgbClr val="FFFFFF"/>
+              </a:highlight>
+              <a:latin typeface="Lato" panose="020F0502020204030203" pitchFamily="34" charset="0"/>
+              <a:ea typeface="Lato" panose="020F0502020204030203" pitchFamily="34" charset="0"/>
+              <a:cs typeface="Lato" panose="020F0502020204030203" pitchFamily="34" charset="0"/>
+            </a:endParaRPr>
+          </a:p>
+          <a:p>
+            <a:pPr algn="l"/>
+            <a:endParaRPr lang="en-US" sz="2000" b="0" i="0" dirty="0">
+              <a:effectLst/>
+              <a:highlight>
+                <a:srgbClr val="FFFFFF"/>
+              </a:highlight>
+              <a:latin typeface="Lato" panose="020F0502020204030203" pitchFamily="34" charset="0"/>
+              <a:ea typeface="Lato" panose="020F0502020204030203" pitchFamily="34" charset="0"/>
+              <a:cs typeface="Lato" panose="020F0502020204030203" pitchFamily="34" charset="0"/>
+            </a:endParaRPr>
+          </a:p>
+          <a:p>
+            <a:pPr algn="l"/>
+            <a:endParaRPr lang="en-US" sz="2000" b="0" i="0" dirty="0">
+              <a:effectLst/>
+              <a:highlight>
+                <a:srgbClr val="FFFFFF"/>
+              </a:highlight>
+              <a:latin typeface="Lato" panose="020F0502020204030203" pitchFamily="34" charset="0"/>
+              <a:ea typeface="Lato" panose="020F0502020204030203" pitchFamily="34" charset="0"/>
+              <a:cs typeface="Lato" panose="020F0502020204030203" pitchFamily="34" charset="0"/>
+            </a:endParaRPr>
+          </a:p>
+        </p:txBody>
+      </p:sp>
+      <p:pic>
+        <p:nvPicPr>
+          <p:cNvPr id="1026" name="Picture 2">
+            <a:extLst>
+              <a:ext uri="{FF2B5EF4-FFF2-40B4-BE49-F238E27FC236}">
+                <a16:creationId xmlns:a16="http://schemas.microsoft.com/office/drawing/2014/main" id="{E087A315-59BD-EE89-9A87-E834F9EE4A98}"/>
+              </a:ext>
+            </a:extLst>
+          </p:cNvPr>
+          <p:cNvPicPr>
+            <a:picLocks noChangeAspect="1" noChangeArrowheads="1"/>
+          </p:cNvPicPr>
+          <p:nvPr/>
+        </p:nvPicPr>
+        <p:blipFill>
+          <a:blip r:embed="rId4">
+            <a:extLst>
+              <a:ext uri="{28A0092B-C50C-407E-A947-70E740481C1C}">
+                <a14:useLocalDpi xmlns:a14="http://schemas.microsoft.com/office/drawing/2010/main" val="0"/>
+              </a:ext>
+            </a:extLst>
+          </a:blip>
+          <a:srcRect/>
+          <a:stretch>
+            <a:fillRect/>
+          </a:stretch>
+        </p:blipFill>
+        <p:spPr bwMode="auto">
+          <a:xfrm>
+            <a:off x="7717495" y="121920"/>
+            <a:ext cx="5033759" cy="4991100"/>
+          </a:xfrm>
+          <a:prstGeom prst="rect">
+            <a:avLst/>
+          </a:prstGeom>
+          <a:noFill/>
+          <a:extLst>
+            <a:ext uri="{909E8E84-426E-40DD-AFC4-6F175D3DCCD1}">
+              <a14:hiddenFill xmlns:a14="http://schemas.microsoft.com/office/drawing/2010/main">
+                <a:solidFill>
+                  <a:srgbClr val="FFFFFF"/>
+                </a:solidFill>
+              </a14:hiddenFill>
+            </a:ext>
+          </a:extLst>
+        </p:spPr>
+      </p:pic>
+      <p:pic>
+        <p:nvPicPr>
+          <p:cNvPr id="1028" name="Picture 4">
+            <a:extLst>
+              <a:ext uri="{FF2B5EF4-FFF2-40B4-BE49-F238E27FC236}">
+                <a16:creationId xmlns:a16="http://schemas.microsoft.com/office/drawing/2014/main" id="{77290755-F041-5A34-B416-5A3A28495364}"/>
+              </a:ext>
+            </a:extLst>
+          </p:cNvPr>
+          <p:cNvPicPr>
+            <a:picLocks noChangeAspect="1" noChangeArrowheads="1"/>
+          </p:cNvPicPr>
+          <p:nvPr/>
+        </p:nvPicPr>
+        <p:blipFill>
+          <a:blip r:embed="rId5">
+            <a:extLst>
+              <a:ext uri="{28A0092B-C50C-407E-A947-70E740481C1C}">
+                <a14:useLocalDpi xmlns:a14="http://schemas.microsoft.com/office/drawing/2010/main" val="0"/>
+              </a:ext>
+            </a:extLst>
+          </a:blip>
+          <a:srcRect/>
+          <a:stretch>
+            <a:fillRect/>
+          </a:stretch>
+        </p:blipFill>
+        <p:spPr bwMode="auto">
+          <a:xfrm>
+            <a:off x="10686002" y="5635405"/>
+            <a:ext cx="6096000" cy="4329091"/>
+          </a:xfrm>
+          <a:prstGeom prst="rect">
+            <a:avLst/>
+          </a:prstGeom>
+          <a:noFill/>
+          <a:extLst>
+            <a:ext uri="{909E8E84-426E-40DD-AFC4-6F175D3DCCD1}">
+              <a14:hiddenFill xmlns:a14="http://schemas.microsoft.com/office/drawing/2010/main">
+                <a:solidFill>
+                  <a:srgbClr val="FFFFFF"/>
+                </a:solidFill>
+              </a14:hiddenFill>
+            </a:ext>
+          </a:extLst>
+        </p:spPr>
+      </p:pic>
+      <p:pic>
+        <p:nvPicPr>
+          <p:cNvPr id="1032" name="Picture 8">
+            <a:extLst>
+              <a:ext uri="{FF2B5EF4-FFF2-40B4-BE49-F238E27FC236}">
+                <a16:creationId xmlns:a16="http://schemas.microsoft.com/office/drawing/2014/main" id="{5E3A2215-16F0-A378-E039-04C2A266D0C8}"/>
+              </a:ext>
+            </a:extLst>
+          </p:cNvPr>
+          <p:cNvPicPr>
+            <a:picLocks noChangeAspect="1" noChangeArrowheads="1"/>
+          </p:cNvPicPr>
+          <p:nvPr/>
+        </p:nvPicPr>
+        <p:blipFill>
+          <a:blip r:embed="rId6">
+            <a:extLst>
+              <a:ext uri="{28A0092B-C50C-407E-A947-70E740481C1C}">
+                <a14:useLocalDpi xmlns:a14="http://schemas.microsoft.com/office/drawing/2010/main" val="0"/>
+              </a:ext>
+            </a:extLst>
+          </a:blip>
+          <a:srcRect/>
+          <a:stretch>
+            <a:fillRect/>
+          </a:stretch>
+        </p:blipFill>
+        <p:spPr bwMode="auto">
+          <a:xfrm>
+            <a:off x="12701949" y="388620"/>
+            <a:ext cx="5586052" cy="4457700"/>
+          </a:xfrm>
+          <a:prstGeom prst="rect">
+            <a:avLst/>
+          </a:prstGeom>
+          <a:noFill/>
+          <a:extLst>
+            <a:ext uri="{909E8E84-426E-40DD-AFC4-6F175D3DCCD1}">
+              <a14:hiddenFill xmlns:a14="http://schemas.microsoft.com/office/drawing/2010/main">
+                <a:solidFill>
+                  <a:srgbClr val="FFFFFF"/>
+                </a:solidFill>
+              </a14:hiddenFill>
+            </a:ext>
+          </a:extLst>
+        </p:spPr>
+      </p:pic>
     </p:spTree>
   </p:cSld>
   <p:clrMapOvr>
